--- a/bccnpm2_1.pptx
+++ b/bccnpm2_1.pptx
@@ -7,24 +7,25 @@
     <p:sldMasterId id="2147483671" r:id="rId3"/>
   </p:sldMasterIdLst>
   <p:notesMasterIdLst>
-    <p:notesMasterId r:id="rId19"/>
+    <p:notesMasterId r:id="rId20"/>
   </p:notesMasterIdLst>
   <p:sldIdLst>
     <p:sldId id="266" r:id="rId4"/>
     <p:sldId id="270" r:id="rId5"/>
-    <p:sldId id="273" r:id="rId6"/>
-    <p:sldId id="272" r:id="rId7"/>
-    <p:sldId id="274" r:id="rId8"/>
-    <p:sldId id="267" r:id="rId9"/>
-    <p:sldId id="268" r:id="rId10"/>
-    <p:sldId id="263" r:id="rId11"/>
-    <p:sldId id="275" r:id="rId12"/>
-    <p:sldId id="276" r:id="rId13"/>
-    <p:sldId id="277" r:id="rId14"/>
-    <p:sldId id="279" r:id="rId15"/>
-    <p:sldId id="278" r:id="rId16"/>
-    <p:sldId id="264" r:id="rId17"/>
-    <p:sldId id="269" r:id="rId18"/>
+    <p:sldId id="280" r:id="rId6"/>
+    <p:sldId id="273" r:id="rId7"/>
+    <p:sldId id="272" r:id="rId8"/>
+    <p:sldId id="274" r:id="rId9"/>
+    <p:sldId id="267" r:id="rId10"/>
+    <p:sldId id="268" r:id="rId11"/>
+    <p:sldId id="263" r:id="rId12"/>
+    <p:sldId id="275" r:id="rId13"/>
+    <p:sldId id="276" r:id="rId14"/>
+    <p:sldId id="277" r:id="rId15"/>
+    <p:sldId id="279" r:id="rId16"/>
+    <p:sldId id="278" r:id="rId17"/>
+    <p:sldId id="264" r:id="rId18"/>
+    <p:sldId id="269" r:id="rId19"/>
   </p:sldIdLst>
   <p:sldSz cx="9144000" cy="5143500" type="screen16x9"/>
   <p:notesSz cx="6858000" cy="9144000"/>
@@ -30752,1580 +30753,237 @@
       </p:grpSpPr>
       <p:sp>
         <p:nvSpPr>
-          <p:cNvPr id="4" name="Rounded Rectangle 3"/>
+          <p:cNvPr id="7" name="Rectangle 6"/>
           <p:cNvSpPr/>
           <p:nvPr/>
         </p:nvSpPr>
         <p:spPr>
           <a:xfrm>
-            <a:off x="457200" y="361950"/>
-            <a:ext cx="8229600" cy="4572000"/>
-          </a:xfrm>
-          <a:prstGeom prst="roundRect">
-            <a:avLst/>
-          </a:prstGeom>
-          <a:noFill/>
-          <a:ln w="19050">
-            <a:solidFill>
-              <a:srgbClr val="FFFF00"/>
-            </a:solidFill>
-            <a:prstDash val="dash"/>
-          </a:ln>
-        </p:spPr>
-        <p:style>
-          <a:lnRef idx="2">
-            <a:schemeClr val="accent1">
-              <a:shade val="50000"/>
-            </a:schemeClr>
-          </a:lnRef>
-          <a:fillRef idx="1">
-            <a:schemeClr val="accent1"/>
-          </a:fillRef>
-          <a:effectRef idx="0">
-            <a:schemeClr val="accent1"/>
-          </a:effectRef>
-          <a:fontRef idx="minor">
-            <a:schemeClr val="lt1"/>
-          </a:fontRef>
-        </p:style>
-        <p:txBody>
-          <a:bodyPr rtlCol="0" anchor="ctr"/>
-          <a:lstStyle/>
-          <a:p>
-            <a:pPr algn="ctr"/>
-            <a:endParaRPr lang="en-US"/>
-          </a:p>
-        </p:txBody>
-      </p:sp>
-      <p:pic>
-        <p:nvPicPr>
-          <p:cNvPr id="5" name="Picture 12" descr="HÃ¬nh áº£nh cÃ³ liÃªn quan"/>
-          <p:cNvPicPr>
-            <a:picLocks noChangeAspect="1" noChangeArrowheads="1"/>
-          </p:cNvPicPr>
-          <p:nvPr/>
-        </p:nvPicPr>
-        <p:blipFill>
-          <a:blip r:embed="rId2" cstate="print">
-            <a:extLst>
-              <a:ext uri="{28A0092B-C50C-407E-A947-70E740481C1C}">
-                <a14:useLocalDpi xmlns:a14="http://schemas.microsoft.com/office/drawing/2010/main" val="0"/>
-              </a:ext>
-            </a:extLst>
-          </a:blip>
-          <a:srcRect/>
-          <a:stretch>
-            <a:fillRect/>
-          </a:stretch>
-        </p:blipFill>
-        <p:spPr bwMode="auto">
-          <a:xfrm>
-            <a:off x="7727385" y="3714750"/>
-            <a:ext cx="1109238" cy="1109238"/>
-          </a:xfrm>
-          <a:prstGeom prst="rect">
-            <a:avLst/>
-          </a:prstGeom>
-          <a:ln>
-            <a:noFill/>
-          </a:ln>
-          <a:effectLst>
-            <a:outerShdw blurRad="292100" dist="139700" dir="2700000" algn="tl" rotWithShape="0">
-              <a:srgbClr val="333333">
-                <a:alpha val="65000"/>
-              </a:srgbClr>
-            </a:outerShdw>
-          </a:effectLst>
-          <a:extLst>
-            <a:ext uri="{909E8E84-426E-40DD-AFC4-6F175D3DCCD1}">
-              <a14:hiddenFill xmlns:a14="http://schemas.microsoft.com/office/drawing/2010/main">
-                <a:solidFill>
-                  <a:srgbClr val="FFFFFF"/>
-                </a:solidFill>
-              </a14:hiddenFill>
-            </a:ext>
-          </a:extLst>
-        </p:spPr>
-      </p:pic>
-      <p:grpSp>
-        <p:nvGrpSpPr>
-          <p:cNvPr id="6" name="Google Shape;622;p38"/>
-          <p:cNvGrpSpPr/>
-          <p:nvPr/>
-        </p:nvGrpSpPr>
-        <p:grpSpPr>
-          <a:xfrm>
-            <a:off x="8012833" y="145908"/>
-            <a:ext cx="697289" cy="685800"/>
-            <a:chOff x="1244325" y="4999400"/>
-            <a:chExt cx="444525" cy="437200"/>
-          </a:xfrm>
-        </p:grpSpPr>
-        <p:sp>
-          <p:nvSpPr>
-            <p:cNvPr id="7" name="Google Shape;623;p38"/>
-            <p:cNvSpPr/>
-            <p:nvPr/>
-          </p:nvSpPr>
-          <p:spPr>
-            <a:xfrm>
-              <a:off x="1244325" y="5161200"/>
-              <a:ext cx="374925" cy="222275"/>
-            </a:xfrm>
-            <a:custGeom>
-              <a:avLst/>
-              <a:gdLst/>
-              <a:ahLst/>
-              <a:cxnLst/>
-              <a:rect l="l" t="t" r="r" b="b"/>
-              <a:pathLst>
-                <a:path w="14997" h="8891" extrusionOk="0">
-                  <a:moveTo>
-                    <a:pt x="2077" y="1661"/>
-                  </a:moveTo>
-                  <a:lnTo>
-                    <a:pt x="2199" y="1685"/>
-                  </a:lnTo>
-                  <a:lnTo>
-                    <a:pt x="2468" y="1783"/>
-                  </a:lnTo>
-                  <a:lnTo>
-                    <a:pt x="2687" y="1930"/>
-                  </a:lnTo>
-                  <a:lnTo>
-                    <a:pt x="2883" y="2076"/>
-                  </a:lnTo>
-                  <a:lnTo>
-                    <a:pt x="2932" y="2443"/>
-                  </a:lnTo>
-                  <a:lnTo>
-                    <a:pt x="3005" y="2833"/>
-                  </a:lnTo>
-                  <a:lnTo>
-                    <a:pt x="3176" y="3664"/>
-                  </a:lnTo>
-                  <a:lnTo>
-                    <a:pt x="3396" y="4470"/>
-                  </a:lnTo>
-                  <a:lnTo>
-                    <a:pt x="3567" y="5154"/>
-                  </a:lnTo>
-                  <a:lnTo>
-                    <a:pt x="3371" y="5105"/>
-                  </a:lnTo>
-                  <a:lnTo>
-                    <a:pt x="3152" y="5031"/>
-                  </a:lnTo>
-                  <a:lnTo>
-                    <a:pt x="2956" y="4934"/>
-                  </a:lnTo>
-                  <a:lnTo>
-                    <a:pt x="2736" y="4812"/>
-                  </a:lnTo>
-                  <a:lnTo>
-                    <a:pt x="2541" y="4690"/>
-                  </a:lnTo>
-                  <a:lnTo>
-                    <a:pt x="2321" y="4543"/>
-                  </a:lnTo>
-                  <a:lnTo>
-                    <a:pt x="2126" y="4372"/>
-                  </a:lnTo>
-                  <a:lnTo>
-                    <a:pt x="1930" y="4201"/>
-                  </a:lnTo>
-                  <a:lnTo>
-                    <a:pt x="1759" y="4006"/>
-                  </a:lnTo>
-                  <a:lnTo>
-                    <a:pt x="1613" y="3810"/>
-                  </a:lnTo>
-                  <a:lnTo>
-                    <a:pt x="1466" y="3590"/>
-                  </a:lnTo>
-                  <a:lnTo>
-                    <a:pt x="1344" y="3395"/>
-                  </a:lnTo>
-                  <a:lnTo>
-                    <a:pt x="1247" y="3175"/>
-                  </a:lnTo>
-                  <a:lnTo>
-                    <a:pt x="1173" y="2931"/>
-                  </a:lnTo>
-                  <a:lnTo>
-                    <a:pt x="1124" y="2711"/>
-                  </a:lnTo>
-                  <a:lnTo>
-                    <a:pt x="1124" y="2491"/>
-                  </a:lnTo>
-                  <a:lnTo>
-                    <a:pt x="1124" y="2320"/>
-                  </a:lnTo>
-                  <a:lnTo>
-                    <a:pt x="1173" y="2174"/>
-                  </a:lnTo>
-                  <a:lnTo>
-                    <a:pt x="1247" y="2027"/>
-                  </a:lnTo>
-                  <a:lnTo>
-                    <a:pt x="1369" y="1905"/>
-                  </a:lnTo>
-                  <a:lnTo>
-                    <a:pt x="1491" y="1808"/>
-                  </a:lnTo>
-                  <a:lnTo>
-                    <a:pt x="1613" y="1734"/>
-                  </a:lnTo>
-                  <a:lnTo>
-                    <a:pt x="1784" y="1685"/>
-                  </a:lnTo>
-                  <a:lnTo>
-                    <a:pt x="1955" y="1661"/>
-                  </a:lnTo>
-                  <a:close/>
-                  <a:moveTo>
-                    <a:pt x="3225" y="0"/>
-                  </a:moveTo>
-                  <a:lnTo>
-                    <a:pt x="3127" y="25"/>
-                  </a:lnTo>
-                  <a:lnTo>
-                    <a:pt x="3029" y="98"/>
-                  </a:lnTo>
-                  <a:lnTo>
-                    <a:pt x="2932" y="147"/>
-                  </a:lnTo>
-                  <a:lnTo>
-                    <a:pt x="2883" y="245"/>
-                  </a:lnTo>
-                  <a:lnTo>
-                    <a:pt x="2834" y="342"/>
-                  </a:lnTo>
-                  <a:lnTo>
-                    <a:pt x="2785" y="440"/>
-                  </a:lnTo>
-                  <a:lnTo>
-                    <a:pt x="2785" y="538"/>
-                  </a:lnTo>
-                  <a:lnTo>
-                    <a:pt x="2785" y="709"/>
-                  </a:lnTo>
-                  <a:lnTo>
-                    <a:pt x="2565" y="635"/>
-                  </a:lnTo>
-                  <a:lnTo>
-                    <a:pt x="2370" y="586"/>
-                  </a:lnTo>
-                  <a:lnTo>
-                    <a:pt x="2150" y="562"/>
-                  </a:lnTo>
-                  <a:lnTo>
-                    <a:pt x="1955" y="538"/>
-                  </a:lnTo>
-                  <a:lnTo>
-                    <a:pt x="1759" y="562"/>
-                  </a:lnTo>
-                  <a:lnTo>
-                    <a:pt x="1564" y="586"/>
-                  </a:lnTo>
-                  <a:lnTo>
-                    <a:pt x="1369" y="635"/>
-                  </a:lnTo>
-                  <a:lnTo>
-                    <a:pt x="1198" y="709"/>
-                  </a:lnTo>
-                  <a:lnTo>
-                    <a:pt x="1027" y="782"/>
-                  </a:lnTo>
-                  <a:lnTo>
-                    <a:pt x="856" y="880"/>
-                  </a:lnTo>
-                  <a:lnTo>
-                    <a:pt x="709" y="1002"/>
-                  </a:lnTo>
-                  <a:lnTo>
-                    <a:pt x="563" y="1124"/>
-                  </a:lnTo>
-                  <a:lnTo>
-                    <a:pt x="441" y="1246"/>
-                  </a:lnTo>
-                  <a:lnTo>
-                    <a:pt x="343" y="1417"/>
-                  </a:lnTo>
-                  <a:lnTo>
-                    <a:pt x="245" y="1563"/>
-                  </a:lnTo>
-                  <a:lnTo>
-                    <a:pt x="147" y="1734"/>
-                  </a:lnTo>
-                  <a:lnTo>
-                    <a:pt x="99" y="1905"/>
-                  </a:lnTo>
-                  <a:lnTo>
-                    <a:pt x="50" y="2101"/>
-                  </a:lnTo>
-                  <a:lnTo>
-                    <a:pt x="1" y="2296"/>
-                  </a:lnTo>
-                  <a:lnTo>
-                    <a:pt x="1" y="2491"/>
-                  </a:lnTo>
-                  <a:lnTo>
-                    <a:pt x="25" y="2858"/>
-                  </a:lnTo>
-                  <a:lnTo>
-                    <a:pt x="99" y="3200"/>
-                  </a:lnTo>
-                  <a:lnTo>
-                    <a:pt x="221" y="3566"/>
-                  </a:lnTo>
-                  <a:lnTo>
-                    <a:pt x="367" y="3884"/>
-                  </a:lnTo>
-                  <a:lnTo>
-                    <a:pt x="563" y="4225"/>
-                  </a:lnTo>
-                  <a:lnTo>
-                    <a:pt x="782" y="4543"/>
-                  </a:lnTo>
-                  <a:lnTo>
-                    <a:pt x="1027" y="4836"/>
-                  </a:lnTo>
-                  <a:lnTo>
-                    <a:pt x="1295" y="5105"/>
-                  </a:lnTo>
-                  <a:lnTo>
-                    <a:pt x="1588" y="5349"/>
-                  </a:lnTo>
-                  <a:lnTo>
-                    <a:pt x="1906" y="5593"/>
-                  </a:lnTo>
-                  <a:lnTo>
-                    <a:pt x="2248" y="5789"/>
-                  </a:lnTo>
-                  <a:lnTo>
-                    <a:pt x="2590" y="5960"/>
-                  </a:lnTo>
-                  <a:lnTo>
-                    <a:pt x="2932" y="6106"/>
-                  </a:lnTo>
-                  <a:lnTo>
-                    <a:pt x="3274" y="6204"/>
-                  </a:lnTo>
-                  <a:lnTo>
-                    <a:pt x="3616" y="6277"/>
-                  </a:lnTo>
-                  <a:lnTo>
-                    <a:pt x="3957" y="6301"/>
-                  </a:lnTo>
-                  <a:lnTo>
-                    <a:pt x="4080" y="6643"/>
-                  </a:lnTo>
-                  <a:lnTo>
-                    <a:pt x="4226" y="6961"/>
-                  </a:lnTo>
-                  <a:lnTo>
-                    <a:pt x="4519" y="7596"/>
-                  </a:lnTo>
-                  <a:lnTo>
-                    <a:pt x="4812" y="8133"/>
-                  </a:lnTo>
-                  <a:lnTo>
-                    <a:pt x="5081" y="8597"/>
-                  </a:lnTo>
-                  <a:lnTo>
-                    <a:pt x="5154" y="8719"/>
-                  </a:lnTo>
-                  <a:lnTo>
-                    <a:pt x="5276" y="8817"/>
-                  </a:lnTo>
-                  <a:lnTo>
-                    <a:pt x="5423" y="8866"/>
-                  </a:lnTo>
-                  <a:lnTo>
-                    <a:pt x="5569" y="8890"/>
-                  </a:lnTo>
-                  <a:lnTo>
-                    <a:pt x="12212" y="8890"/>
-                  </a:lnTo>
-                  <a:lnTo>
-                    <a:pt x="12359" y="8866"/>
-                  </a:lnTo>
-                  <a:lnTo>
-                    <a:pt x="12506" y="8817"/>
-                  </a:lnTo>
-                  <a:lnTo>
-                    <a:pt x="12628" y="8719"/>
-                  </a:lnTo>
-                  <a:lnTo>
-                    <a:pt x="12701" y="8597"/>
-                  </a:lnTo>
-                  <a:lnTo>
-                    <a:pt x="12994" y="8060"/>
-                  </a:lnTo>
-                  <a:lnTo>
-                    <a:pt x="13360" y="7352"/>
-                  </a:lnTo>
-                  <a:lnTo>
-                    <a:pt x="13727" y="6472"/>
-                  </a:lnTo>
-                  <a:lnTo>
-                    <a:pt x="13922" y="6008"/>
-                  </a:lnTo>
-                  <a:lnTo>
-                    <a:pt x="14117" y="5495"/>
-                  </a:lnTo>
-                  <a:lnTo>
-                    <a:pt x="14288" y="4958"/>
-                  </a:lnTo>
-                  <a:lnTo>
-                    <a:pt x="14459" y="4372"/>
-                  </a:lnTo>
-                  <a:lnTo>
-                    <a:pt x="14606" y="3786"/>
-                  </a:lnTo>
-                  <a:lnTo>
-                    <a:pt x="14752" y="3175"/>
-                  </a:lnTo>
-                  <a:lnTo>
-                    <a:pt x="14850" y="2540"/>
-                  </a:lnTo>
-                  <a:lnTo>
-                    <a:pt x="14923" y="1881"/>
-                  </a:lnTo>
-                  <a:lnTo>
-                    <a:pt x="14972" y="1221"/>
-                  </a:lnTo>
-                  <a:lnTo>
-                    <a:pt x="14997" y="538"/>
-                  </a:lnTo>
-                  <a:lnTo>
-                    <a:pt x="14997" y="440"/>
-                  </a:lnTo>
-                  <a:lnTo>
-                    <a:pt x="14948" y="342"/>
-                  </a:lnTo>
-                  <a:lnTo>
-                    <a:pt x="14899" y="245"/>
-                  </a:lnTo>
-                  <a:lnTo>
-                    <a:pt x="14850" y="147"/>
-                  </a:lnTo>
-                  <a:lnTo>
-                    <a:pt x="14752" y="98"/>
-                  </a:lnTo>
-                  <a:lnTo>
-                    <a:pt x="14655" y="25"/>
-                  </a:lnTo>
-                  <a:lnTo>
-                    <a:pt x="14557" y="0"/>
-                  </a:lnTo>
-                  <a:close/>
-                </a:path>
-              </a:pathLst>
-            </a:custGeom>
-            <a:solidFill>
-              <a:srgbClr val="FFB600"/>
-            </a:solidFill>
-            <a:ln>
-              <a:noFill/>
-            </a:ln>
-          </p:spPr>
-          <p:txBody>
-            <a:bodyPr spcFirstLastPara="1" wrap="square" lIns="91425" tIns="91425" rIns="91425" bIns="91425" anchor="ctr" anchorCtr="0">
-              <a:noAutofit/>
-            </a:bodyPr>
-            <a:lstStyle/>
-            <a:p>
-              <a:pPr marL="0" lvl="0" indent="0" algn="l" rtl="0">
-                <a:spcBef>
-                  <a:spcPts val="0"/>
-                </a:spcBef>
-                <a:spcAft>
-                  <a:spcPts val="0"/>
-                </a:spcAft>
-                <a:buNone/>
-              </a:pPr>
-              <a:endParaRPr/>
-            </a:p>
-          </p:txBody>
-        </p:sp>
-        <p:sp>
-          <p:nvSpPr>
-            <p:cNvPr id="8" name="Google Shape;624;p38"/>
-            <p:cNvSpPr/>
-            <p:nvPr/>
-          </p:nvSpPr>
-          <p:spPr>
-            <a:xfrm>
-              <a:off x="1244325" y="5397500"/>
-              <a:ext cx="444525" cy="39100"/>
-            </a:xfrm>
-            <a:custGeom>
-              <a:avLst/>
-              <a:gdLst/>
-              <a:ahLst/>
-              <a:cxnLst/>
-              <a:rect l="l" t="t" r="r" b="b"/>
-              <a:pathLst>
-                <a:path w="17781" h="1564" extrusionOk="0">
-                  <a:moveTo>
-                    <a:pt x="1" y="0"/>
-                  </a:moveTo>
-                  <a:lnTo>
-                    <a:pt x="25" y="244"/>
-                  </a:lnTo>
-                  <a:lnTo>
-                    <a:pt x="99" y="488"/>
-                  </a:lnTo>
-                  <a:lnTo>
-                    <a:pt x="196" y="757"/>
-                  </a:lnTo>
-                  <a:lnTo>
-                    <a:pt x="318" y="1001"/>
-                  </a:lnTo>
-                  <a:lnTo>
-                    <a:pt x="489" y="1221"/>
-                  </a:lnTo>
-                  <a:lnTo>
-                    <a:pt x="685" y="1392"/>
-                  </a:lnTo>
-                  <a:lnTo>
-                    <a:pt x="782" y="1465"/>
-                  </a:lnTo>
-                  <a:lnTo>
-                    <a:pt x="880" y="1514"/>
-                  </a:lnTo>
-                  <a:lnTo>
-                    <a:pt x="1002" y="1539"/>
-                  </a:lnTo>
-                  <a:lnTo>
-                    <a:pt x="1124" y="1563"/>
-                  </a:lnTo>
-                  <a:lnTo>
-                    <a:pt x="16657" y="1563"/>
-                  </a:lnTo>
-                  <a:lnTo>
-                    <a:pt x="16780" y="1539"/>
-                  </a:lnTo>
-                  <a:lnTo>
-                    <a:pt x="16902" y="1514"/>
-                  </a:lnTo>
-                  <a:lnTo>
-                    <a:pt x="16999" y="1465"/>
-                  </a:lnTo>
-                  <a:lnTo>
-                    <a:pt x="17097" y="1392"/>
-                  </a:lnTo>
-                  <a:lnTo>
-                    <a:pt x="17292" y="1221"/>
-                  </a:lnTo>
-                  <a:lnTo>
-                    <a:pt x="17463" y="1001"/>
-                  </a:lnTo>
-                  <a:lnTo>
-                    <a:pt x="17586" y="757"/>
-                  </a:lnTo>
-                  <a:lnTo>
-                    <a:pt x="17683" y="488"/>
-                  </a:lnTo>
-                  <a:lnTo>
-                    <a:pt x="17756" y="244"/>
-                  </a:lnTo>
-                  <a:lnTo>
-                    <a:pt x="17781" y="0"/>
-                  </a:lnTo>
-                  <a:close/>
-                </a:path>
-              </a:pathLst>
-            </a:custGeom>
-            <a:solidFill>
-              <a:srgbClr val="FFB600"/>
-            </a:solidFill>
-            <a:ln>
-              <a:noFill/>
-            </a:ln>
-          </p:spPr>
-          <p:txBody>
-            <a:bodyPr spcFirstLastPara="1" wrap="square" lIns="91425" tIns="91425" rIns="91425" bIns="91425" anchor="ctr" anchorCtr="0">
-              <a:noAutofit/>
-            </a:bodyPr>
-            <a:lstStyle/>
-            <a:p>
-              <a:pPr marL="0" lvl="0" indent="0" algn="l" rtl="0">
-                <a:spcBef>
-                  <a:spcPts val="0"/>
-                </a:spcBef>
-                <a:spcAft>
-                  <a:spcPts val="0"/>
-                </a:spcAft>
-                <a:buNone/>
-              </a:pPr>
-              <a:endParaRPr/>
-            </a:p>
-          </p:txBody>
-        </p:sp>
-        <p:sp>
-          <p:nvSpPr>
-            <p:cNvPr id="9" name="Google Shape;625;p38"/>
-            <p:cNvSpPr/>
-            <p:nvPr/>
-          </p:nvSpPr>
-          <p:spPr>
-            <a:xfrm>
-              <a:off x="1451925" y="4999400"/>
-              <a:ext cx="31175" cy="129450"/>
-            </a:xfrm>
-            <a:custGeom>
-              <a:avLst/>
-              <a:gdLst/>
-              <a:ahLst/>
-              <a:cxnLst/>
-              <a:rect l="l" t="t" r="r" b="b"/>
-              <a:pathLst>
-                <a:path w="1247" h="5178" extrusionOk="0">
-                  <a:moveTo>
-                    <a:pt x="953" y="0"/>
-                  </a:moveTo>
-                  <a:lnTo>
-                    <a:pt x="856" y="25"/>
-                  </a:lnTo>
-                  <a:lnTo>
-                    <a:pt x="758" y="98"/>
-                  </a:lnTo>
-                  <a:lnTo>
-                    <a:pt x="709" y="171"/>
-                  </a:lnTo>
-                  <a:lnTo>
-                    <a:pt x="685" y="293"/>
-                  </a:lnTo>
-                  <a:lnTo>
-                    <a:pt x="660" y="464"/>
-                  </a:lnTo>
-                  <a:lnTo>
-                    <a:pt x="611" y="611"/>
-                  </a:lnTo>
-                  <a:lnTo>
-                    <a:pt x="514" y="733"/>
-                  </a:lnTo>
-                  <a:lnTo>
-                    <a:pt x="416" y="879"/>
-                  </a:lnTo>
-                  <a:lnTo>
-                    <a:pt x="269" y="1026"/>
-                  </a:lnTo>
-                  <a:lnTo>
-                    <a:pt x="147" y="1246"/>
-                  </a:lnTo>
-                  <a:lnTo>
-                    <a:pt x="74" y="1368"/>
-                  </a:lnTo>
-                  <a:lnTo>
-                    <a:pt x="50" y="1490"/>
-                  </a:lnTo>
-                  <a:lnTo>
-                    <a:pt x="1" y="1661"/>
-                  </a:lnTo>
-                  <a:lnTo>
-                    <a:pt x="1" y="1832"/>
-                  </a:lnTo>
-                  <a:lnTo>
-                    <a:pt x="1" y="2003"/>
-                  </a:lnTo>
-                  <a:lnTo>
-                    <a:pt x="50" y="2149"/>
-                  </a:lnTo>
-                  <a:lnTo>
-                    <a:pt x="74" y="2296"/>
-                  </a:lnTo>
-                  <a:lnTo>
-                    <a:pt x="147" y="2394"/>
-                  </a:lnTo>
-                  <a:lnTo>
-                    <a:pt x="269" y="2613"/>
-                  </a:lnTo>
-                  <a:lnTo>
-                    <a:pt x="416" y="2784"/>
-                  </a:lnTo>
-                  <a:lnTo>
-                    <a:pt x="514" y="2907"/>
-                  </a:lnTo>
-                  <a:lnTo>
-                    <a:pt x="611" y="3029"/>
-                  </a:lnTo>
-                  <a:lnTo>
-                    <a:pt x="660" y="3175"/>
-                  </a:lnTo>
-                  <a:lnTo>
-                    <a:pt x="685" y="3346"/>
-                  </a:lnTo>
-                  <a:lnTo>
-                    <a:pt x="660" y="3542"/>
-                  </a:lnTo>
-                  <a:lnTo>
-                    <a:pt x="611" y="3688"/>
-                  </a:lnTo>
-                  <a:lnTo>
-                    <a:pt x="514" y="3810"/>
-                  </a:lnTo>
-                  <a:lnTo>
-                    <a:pt x="416" y="3932"/>
-                  </a:lnTo>
-                  <a:lnTo>
-                    <a:pt x="269" y="4103"/>
-                  </a:lnTo>
-                  <a:lnTo>
-                    <a:pt x="147" y="4299"/>
-                  </a:lnTo>
-                  <a:lnTo>
-                    <a:pt x="74" y="4421"/>
-                  </a:lnTo>
-                  <a:lnTo>
-                    <a:pt x="50" y="4567"/>
-                  </a:lnTo>
-                  <a:lnTo>
-                    <a:pt x="1" y="4714"/>
-                  </a:lnTo>
-                  <a:lnTo>
-                    <a:pt x="1" y="4885"/>
-                  </a:lnTo>
-                  <a:lnTo>
-                    <a:pt x="25" y="5007"/>
-                  </a:lnTo>
-                  <a:lnTo>
-                    <a:pt x="74" y="5080"/>
-                  </a:lnTo>
-                  <a:lnTo>
-                    <a:pt x="172" y="5153"/>
-                  </a:lnTo>
-                  <a:lnTo>
-                    <a:pt x="294" y="5178"/>
-                  </a:lnTo>
-                  <a:lnTo>
-                    <a:pt x="392" y="5153"/>
-                  </a:lnTo>
-                  <a:lnTo>
-                    <a:pt x="489" y="5080"/>
-                  </a:lnTo>
-                  <a:lnTo>
-                    <a:pt x="538" y="5007"/>
-                  </a:lnTo>
-                  <a:lnTo>
-                    <a:pt x="563" y="4885"/>
-                  </a:lnTo>
-                  <a:lnTo>
-                    <a:pt x="587" y="4714"/>
-                  </a:lnTo>
-                  <a:lnTo>
-                    <a:pt x="636" y="4567"/>
-                  </a:lnTo>
-                  <a:lnTo>
-                    <a:pt x="733" y="4445"/>
-                  </a:lnTo>
-                  <a:lnTo>
-                    <a:pt x="831" y="4299"/>
-                  </a:lnTo>
-                  <a:lnTo>
-                    <a:pt x="978" y="4152"/>
-                  </a:lnTo>
-                  <a:lnTo>
-                    <a:pt x="1100" y="3932"/>
-                  </a:lnTo>
-                  <a:lnTo>
-                    <a:pt x="1149" y="3810"/>
-                  </a:lnTo>
-                  <a:lnTo>
-                    <a:pt x="1197" y="3688"/>
-                  </a:lnTo>
-                  <a:lnTo>
-                    <a:pt x="1222" y="3542"/>
-                  </a:lnTo>
-                  <a:lnTo>
-                    <a:pt x="1246" y="3346"/>
-                  </a:lnTo>
-                  <a:lnTo>
-                    <a:pt x="1222" y="3175"/>
-                  </a:lnTo>
-                  <a:lnTo>
-                    <a:pt x="1197" y="3029"/>
-                  </a:lnTo>
-                  <a:lnTo>
-                    <a:pt x="1149" y="2882"/>
-                  </a:lnTo>
-                  <a:lnTo>
-                    <a:pt x="1100" y="2784"/>
-                  </a:lnTo>
-                  <a:lnTo>
-                    <a:pt x="978" y="2565"/>
-                  </a:lnTo>
-                  <a:lnTo>
-                    <a:pt x="831" y="2394"/>
-                  </a:lnTo>
-                  <a:lnTo>
-                    <a:pt x="733" y="2272"/>
-                  </a:lnTo>
-                  <a:lnTo>
-                    <a:pt x="636" y="2149"/>
-                  </a:lnTo>
-                  <a:lnTo>
-                    <a:pt x="587" y="2003"/>
-                  </a:lnTo>
-                  <a:lnTo>
-                    <a:pt x="563" y="1832"/>
-                  </a:lnTo>
-                  <a:lnTo>
-                    <a:pt x="587" y="1637"/>
-                  </a:lnTo>
-                  <a:lnTo>
-                    <a:pt x="636" y="1490"/>
-                  </a:lnTo>
-                  <a:lnTo>
-                    <a:pt x="733" y="1368"/>
-                  </a:lnTo>
-                  <a:lnTo>
-                    <a:pt x="831" y="1246"/>
-                  </a:lnTo>
-                  <a:lnTo>
-                    <a:pt x="978" y="1075"/>
-                  </a:lnTo>
-                  <a:lnTo>
-                    <a:pt x="1100" y="879"/>
-                  </a:lnTo>
-                  <a:lnTo>
-                    <a:pt x="1149" y="757"/>
-                  </a:lnTo>
-                  <a:lnTo>
-                    <a:pt x="1197" y="611"/>
-                  </a:lnTo>
-                  <a:lnTo>
-                    <a:pt x="1222" y="464"/>
-                  </a:lnTo>
-                  <a:lnTo>
-                    <a:pt x="1246" y="293"/>
-                  </a:lnTo>
-                  <a:lnTo>
-                    <a:pt x="1222" y="171"/>
-                  </a:lnTo>
-                  <a:lnTo>
-                    <a:pt x="1149" y="98"/>
-                  </a:lnTo>
-                  <a:lnTo>
-                    <a:pt x="1075" y="25"/>
-                  </a:lnTo>
-                  <a:lnTo>
-                    <a:pt x="953" y="0"/>
-                  </a:lnTo>
-                  <a:close/>
-                </a:path>
-              </a:pathLst>
-            </a:custGeom>
-            <a:solidFill>
-              <a:srgbClr val="FFB600"/>
-            </a:solidFill>
-            <a:ln>
-              <a:noFill/>
-            </a:ln>
-          </p:spPr>
-          <p:txBody>
-            <a:bodyPr spcFirstLastPara="1" wrap="square" lIns="91425" tIns="91425" rIns="91425" bIns="91425" anchor="ctr" anchorCtr="0">
-              <a:noAutofit/>
-            </a:bodyPr>
-            <a:lstStyle/>
-            <a:p>
-              <a:pPr marL="0" lvl="0" indent="0" algn="l" rtl="0">
-                <a:spcBef>
-                  <a:spcPts val="0"/>
-                </a:spcBef>
-                <a:spcAft>
-                  <a:spcPts val="0"/>
-                </a:spcAft>
-                <a:buNone/>
-              </a:pPr>
-              <a:endParaRPr/>
-            </a:p>
-          </p:txBody>
-        </p:sp>
-        <p:sp>
-          <p:nvSpPr>
-            <p:cNvPr id="10" name="Google Shape;626;p38"/>
-            <p:cNvSpPr/>
-            <p:nvPr/>
-          </p:nvSpPr>
-          <p:spPr>
-            <a:xfrm>
-              <a:off x="1407975" y="4999400"/>
-              <a:ext cx="31150" cy="129450"/>
-            </a:xfrm>
-            <a:custGeom>
-              <a:avLst/>
-              <a:gdLst/>
-              <a:ahLst/>
-              <a:cxnLst/>
-              <a:rect l="l" t="t" r="r" b="b"/>
-              <a:pathLst>
-                <a:path w="1246" h="5178" extrusionOk="0">
-                  <a:moveTo>
-                    <a:pt x="977" y="0"/>
-                  </a:moveTo>
-                  <a:lnTo>
-                    <a:pt x="855" y="25"/>
-                  </a:lnTo>
-                  <a:lnTo>
-                    <a:pt x="782" y="98"/>
-                  </a:lnTo>
-                  <a:lnTo>
-                    <a:pt x="709" y="171"/>
-                  </a:lnTo>
-                  <a:lnTo>
-                    <a:pt x="684" y="293"/>
-                  </a:lnTo>
-                  <a:lnTo>
-                    <a:pt x="660" y="464"/>
-                  </a:lnTo>
-                  <a:lnTo>
-                    <a:pt x="611" y="611"/>
-                  </a:lnTo>
-                  <a:lnTo>
-                    <a:pt x="538" y="733"/>
-                  </a:lnTo>
-                  <a:lnTo>
-                    <a:pt x="416" y="879"/>
-                  </a:lnTo>
-                  <a:lnTo>
-                    <a:pt x="269" y="1026"/>
-                  </a:lnTo>
-                  <a:lnTo>
-                    <a:pt x="147" y="1246"/>
-                  </a:lnTo>
-                  <a:lnTo>
-                    <a:pt x="98" y="1368"/>
-                  </a:lnTo>
-                  <a:lnTo>
-                    <a:pt x="49" y="1490"/>
-                  </a:lnTo>
-                  <a:lnTo>
-                    <a:pt x="25" y="1661"/>
-                  </a:lnTo>
-                  <a:lnTo>
-                    <a:pt x="0" y="1832"/>
-                  </a:lnTo>
-                  <a:lnTo>
-                    <a:pt x="25" y="2003"/>
-                  </a:lnTo>
-                  <a:lnTo>
-                    <a:pt x="49" y="2149"/>
-                  </a:lnTo>
-                  <a:lnTo>
-                    <a:pt x="98" y="2296"/>
-                  </a:lnTo>
-                  <a:lnTo>
-                    <a:pt x="147" y="2394"/>
-                  </a:lnTo>
-                  <a:lnTo>
-                    <a:pt x="269" y="2613"/>
-                  </a:lnTo>
-                  <a:lnTo>
-                    <a:pt x="416" y="2784"/>
-                  </a:lnTo>
-                  <a:lnTo>
-                    <a:pt x="538" y="2907"/>
-                  </a:lnTo>
-                  <a:lnTo>
-                    <a:pt x="611" y="3029"/>
-                  </a:lnTo>
-                  <a:lnTo>
-                    <a:pt x="660" y="3175"/>
-                  </a:lnTo>
-                  <a:lnTo>
-                    <a:pt x="684" y="3346"/>
-                  </a:lnTo>
-                  <a:lnTo>
-                    <a:pt x="660" y="3542"/>
-                  </a:lnTo>
-                  <a:lnTo>
-                    <a:pt x="611" y="3688"/>
-                  </a:lnTo>
-                  <a:lnTo>
-                    <a:pt x="538" y="3810"/>
-                  </a:lnTo>
-                  <a:lnTo>
-                    <a:pt x="416" y="3932"/>
-                  </a:lnTo>
-                  <a:lnTo>
-                    <a:pt x="269" y="4103"/>
-                  </a:lnTo>
-                  <a:lnTo>
-                    <a:pt x="147" y="4299"/>
-                  </a:lnTo>
-                  <a:lnTo>
-                    <a:pt x="98" y="4421"/>
-                  </a:lnTo>
-                  <a:lnTo>
-                    <a:pt x="49" y="4567"/>
-                  </a:lnTo>
-                  <a:lnTo>
-                    <a:pt x="25" y="4714"/>
-                  </a:lnTo>
-                  <a:lnTo>
-                    <a:pt x="0" y="4885"/>
-                  </a:lnTo>
-                  <a:lnTo>
-                    <a:pt x="25" y="5007"/>
-                  </a:lnTo>
-                  <a:lnTo>
-                    <a:pt x="98" y="5080"/>
-                  </a:lnTo>
-                  <a:lnTo>
-                    <a:pt x="171" y="5153"/>
-                  </a:lnTo>
-                  <a:lnTo>
-                    <a:pt x="293" y="5178"/>
-                  </a:lnTo>
-                  <a:lnTo>
-                    <a:pt x="391" y="5153"/>
-                  </a:lnTo>
-                  <a:lnTo>
-                    <a:pt x="489" y="5080"/>
-                  </a:lnTo>
-                  <a:lnTo>
-                    <a:pt x="562" y="5007"/>
-                  </a:lnTo>
-                  <a:lnTo>
-                    <a:pt x="586" y="4885"/>
-                  </a:lnTo>
-                  <a:lnTo>
-                    <a:pt x="586" y="4714"/>
-                  </a:lnTo>
-                  <a:lnTo>
-                    <a:pt x="660" y="4567"/>
-                  </a:lnTo>
-                  <a:lnTo>
-                    <a:pt x="733" y="4445"/>
-                  </a:lnTo>
-                  <a:lnTo>
-                    <a:pt x="831" y="4299"/>
-                  </a:lnTo>
-                  <a:lnTo>
-                    <a:pt x="977" y="4152"/>
-                  </a:lnTo>
-                  <a:lnTo>
-                    <a:pt x="1124" y="3932"/>
-                  </a:lnTo>
-                  <a:lnTo>
-                    <a:pt x="1173" y="3810"/>
-                  </a:lnTo>
-                  <a:lnTo>
-                    <a:pt x="1221" y="3688"/>
-                  </a:lnTo>
-                  <a:lnTo>
-                    <a:pt x="1246" y="3542"/>
-                  </a:lnTo>
-                  <a:lnTo>
-                    <a:pt x="1246" y="3346"/>
-                  </a:lnTo>
-                  <a:lnTo>
-                    <a:pt x="1246" y="3175"/>
-                  </a:lnTo>
-                  <a:lnTo>
-                    <a:pt x="1221" y="3029"/>
-                  </a:lnTo>
-                  <a:lnTo>
-                    <a:pt x="1173" y="2882"/>
-                  </a:lnTo>
-                  <a:lnTo>
-                    <a:pt x="1124" y="2784"/>
-                  </a:lnTo>
-                  <a:lnTo>
-                    <a:pt x="977" y="2565"/>
-                  </a:lnTo>
-                  <a:lnTo>
-                    <a:pt x="831" y="2394"/>
-                  </a:lnTo>
-                  <a:lnTo>
-                    <a:pt x="733" y="2272"/>
-                  </a:lnTo>
-                  <a:lnTo>
-                    <a:pt x="660" y="2149"/>
-                  </a:lnTo>
-                  <a:lnTo>
-                    <a:pt x="586" y="2003"/>
-                  </a:lnTo>
-                  <a:lnTo>
-                    <a:pt x="586" y="1832"/>
-                  </a:lnTo>
-                  <a:lnTo>
-                    <a:pt x="586" y="1637"/>
-                  </a:lnTo>
-                  <a:lnTo>
-                    <a:pt x="660" y="1490"/>
-                  </a:lnTo>
-                  <a:lnTo>
-                    <a:pt x="733" y="1368"/>
-                  </a:lnTo>
-                  <a:lnTo>
-                    <a:pt x="831" y="1246"/>
-                  </a:lnTo>
-                  <a:lnTo>
-                    <a:pt x="977" y="1075"/>
-                  </a:lnTo>
-                  <a:lnTo>
-                    <a:pt x="1124" y="879"/>
-                  </a:lnTo>
-                  <a:lnTo>
-                    <a:pt x="1173" y="757"/>
-                  </a:lnTo>
-                  <a:lnTo>
-                    <a:pt x="1221" y="611"/>
-                  </a:lnTo>
-                  <a:lnTo>
-                    <a:pt x="1246" y="464"/>
-                  </a:lnTo>
-                  <a:lnTo>
-                    <a:pt x="1246" y="293"/>
-                  </a:lnTo>
-                  <a:lnTo>
-                    <a:pt x="1221" y="171"/>
-                  </a:lnTo>
-                  <a:lnTo>
-                    <a:pt x="1173" y="98"/>
-                  </a:lnTo>
-                  <a:lnTo>
-                    <a:pt x="1075" y="25"/>
-                  </a:lnTo>
-                  <a:lnTo>
-                    <a:pt x="977" y="0"/>
-                  </a:lnTo>
-                  <a:close/>
-                </a:path>
-              </a:pathLst>
-            </a:custGeom>
-            <a:solidFill>
-              <a:srgbClr val="FFB600"/>
-            </a:solidFill>
-            <a:ln>
-              <a:noFill/>
-            </a:ln>
-          </p:spPr>
-          <p:txBody>
-            <a:bodyPr spcFirstLastPara="1" wrap="square" lIns="91425" tIns="91425" rIns="91425" bIns="91425" anchor="ctr" anchorCtr="0">
-              <a:noAutofit/>
-            </a:bodyPr>
-            <a:lstStyle/>
-            <a:p>
-              <a:pPr marL="0" lvl="0" indent="0" algn="l" rtl="0">
-                <a:spcBef>
-                  <a:spcPts val="0"/>
-                </a:spcBef>
-                <a:spcAft>
-                  <a:spcPts val="0"/>
-                </a:spcAft>
-                <a:buNone/>
-              </a:pPr>
-              <a:endParaRPr/>
-            </a:p>
-          </p:txBody>
-        </p:sp>
-        <p:sp>
-          <p:nvSpPr>
-            <p:cNvPr id="11" name="Google Shape;627;p38"/>
-            <p:cNvSpPr/>
-            <p:nvPr/>
-          </p:nvSpPr>
-          <p:spPr>
-            <a:xfrm>
-              <a:off x="1495900" y="4999400"/>
-              <a:ext cx="30550" cy="129450"/>
-            </a:xfrm>
-            <a:custGeom>
-              <a:avLst/>
-              <a:gdLst/>
-              <a:ahLst/>
-              <a:cxnLst/>
-              <a:rect l="l" t="t" r="r" b="b"/>
-              <a:pathLst>
-                <a:path w="1222" h="5178" extrusionOk="0">
-                  <a:moveTo>
-                    <a:pt x="953" y="0"/>
-                  </a:moveTo>
-                  <a:lnTo>
-                    <a:pt x="831" y="25"/>
-                  </a:lnTo>
-                  <a:lnTo>
-                    <a:pt x="757" y="98"/>
-                  </a:lnTo>
-                  <a:lnTo>
-                    <a:pt x="684" y="171"/>
-                  </a:lnTo>
-                  <a:lnTo>
-                    <a:pt x="660" y="293"/>
-                  </a:lnTo>
-                  <a:lnTo>
-                    <a:pt x="660" y="464"/>
-                  </a:lnTo>
-                  <a:lnTo>
-                    <a:pt x="586" y="611"/>
-                  </a:lnTo>
-                  <a:lnTo>
-                    <a:pt x="513" y="733"/>
-                  </a:lnTo>
-                  <a:lnTo>
-                    <a:pt x="391" y="879"/>
-                  </a:lnTo>
-                  <a:lnTo>
-                    <a:pt x="269" y="1026"/>
-                  </a:lnTo>
-                  <a:lnTo>
-                    <a:pt x="122" y="1246"/>
-                  </a:lnTo>
-                  <a:lnTo>
-                    <a:pt x="73" y="1368"/>
-                  </a:lnTo>
-                  <a:lnTo>
-                    <a:pt x="25" y="1490"/>
-                  </a:lnTo>
-                  <a:lnTo>
-                    <a:pt x="0" y="1661"/>
-                  </a:lnTo>
-                  <a:lnTo>
-                    <a:pt x="0" y="1832"/>
-                  </a:lnTo>
-                  <a:lnTo>
-                    <a:pt x="0" y="2003"/>
-                  </a:lnTo>
-                  <a:lnTo>
-                    <a:pt x="25" y="2149"/>
-                  </a:lnTo>
-                  <a:lnTo>
-                    <a:pt x="73" y="2296"/>
-                  </a:lnTo>
-                  <a:lnTo>
-                    <a:pt x="122" y="2394"/>
-                  </a:lnTo>
-                  <a:lnTo>
-                    <a:pt x="269" y="2613"/>
-                  </a:lnTo>
-                  <a:lnTo>
-                    <a:pt x="391" y="2784"/>
-                  </a:lnTo>
-                  <a:lnTo>
-                    <a:pt x="513" y="2907"/>
-                  </a:lnTo>
-                  <a:lnTo>
-                    <a:pt x="586" y="3029"/>
-                  </a:lnTo>
-                  <a:lnTo>
-                    <a:pt x="660" y="3175"/>
-                  </a:lnTo>
-                  <a:lnTo>
-                    <a:pt x="660" y="3346"/>
-                  </a:lnTo>
-                  <a:lnTo>
-                    <a:pt x="660" y="3542"/>
-                  </a:lnTo>
-                  <a:lnTo>
-                    <a:pt x="586" y="3688"/>
-                  </a:lnTo>
-                  <a:lnTo>
-                    <a:pt x="513" y="3810"/>
-                  </a:lnTo>
-                  <a:lnTo>
-                    <a:pt x="391" y="3932"/>
-                  </a:lnTo>
-                  <a:lnTo>
-                    <a:pt x="269" y="4103"/>
-                  </a:lnTo>
-                  <a:lnTo>
-                    <a:pt x="122" y="4299"/>
-                  </a:lnTo>
-                  <a:lnTo>
-                    <a:pt x="73" y="4421"/>
-                  </a:lnTo>
-                  <a:lnTo>
-                    <a:pt x="25" y="4567"/>
-                  </a:lnTo>
-                  <a:lnTo>
-                    <a:pt x="0" y="4714"/>
-                  </a:lnTo>
-                  <a:lnTo>
-                    <a:pt x="0" y="4885"/>
-                  </a:lnTo>
-                  <a:lnTo>
-                    <a:pt x="25" y="5007"/>
-                  </a:lnTo>
-                  <a:lnTo>
-                    <a:pt x="73" y="5080"/>
-                  </a:lnTo>
-                  <a:lnTo>
-                    <a:pt x="171" y="5153"/>
-                  </a:lnTo>
-                  <a:lnTo>
-                    <a:pt x="269" y="5178"/>
-                  </a:lnTo>
-                  <a:lnTo>
-                    <a:pt x="391" y="5153"/>
-                  </a:lnTo>
-                  <a:lnTo>
-                    <a:pt x="464" y="5080"/>
-                  </a:lnTo>
-                  <a:lnTo>
-                    <a:pt x="538" y="5007"/>
-                  </a:lnTo>
-                  <a:lnTo>
-                    <a:pt x="562" y="4885"/>
-                  </a:lnTo>
-                  <a:lnTo>
-                    <a:pt x="586" y="4714"/>
-                  </a:lnTo>
-                  <a:lnTo>
-                    <a:pt x="635" y="4567"/>
-                  </a:lnTo>
-                  <a:lnTo>
-                    <a:pt x="708" y="4445"/>
-                  </a:lnTo>
-                  <a:lnTo>
-                    <a:pt x="831" y="4299"/>
-                  </a:lnTo>
-                  <a:lnTo>
-                    <a:pt x="953" y="4152"/>
-                  </a:lnTo>
-                  <a:lnTo>
-                    <a:pt x="1099" y="3932"/>
-                  </a:lnTo>
-                  <a:lnTo>
-                    <a:pt x="1148" y="3810"/>
-                  </a:lnTo>
-                  <a:lnTo>
-                    <a:pt x="1197" y="3688"/>
-                  </a:lnTo>
-                  <a:lnTo>
-                    <a:pt x="1221" y="3542"/>
-                  </a:lnTo>
-                  <a:lnTo>
-                    <a:pt x="1221" y="3346"/>
-                  </a:lnTo>
-                  <a:lnTo>
-                    <a:pt x="1221" y="3175"/>
-                  </a:lnTo>
-                  <a:lnTo>
-                    <a:pt x="1197" y="3029"/>
-                  </a:lnTo>
-                  <a:lnTo>
-                    <a:pt x="1148" y="2882"/>
-                  </a:lnTo>
-                  <a:lnTo>
-                    <a:pt x="1099" y="2784"/>
-                  </a:lnTo>
-                  <a:lnTo>
-                    <a:pt x="953" y="2565"/>
-                  </a:lnTo>
-                  <a:lnTo>
-                    <a:pt x="831" y="2394"/>
-                  </a:lnTo>
-                  <a:lnTo>
-                    <a:pt x="708" y="2272"/>
-                  </a:lnTo>
-                  <a:lnTo>
-                    <a:pt x="635" y="2149"/>
-                  </a:lnTo>
-                  <a:lnTo>
-                    <a:pt x="586" y="2003"/>
-                  </a:lnTo>
-                  <a:lnTo>
-                    <a:pt x="562" y="1832"/>
-                  </a:lnTo>
-                  <a:lnTo>
-                    <a:pt x="586" y="1637"/>
-                  </a:lnTo>
-                  <a:lnTo>
-                    <a:pt x="635" y="1490"/>
-                  </a:lnTo>
-                  <a:lnTo>
-                    <a:pt x="708" y="1368"/>
-                  </a:lnTo>
-                  <a:lnTo>
-                    <a:pt x="831" y="1246"/>
-                  </a:lnTo>
-                  <a:lnTo>
-                    <a:pt x="953" y="1075"/>
-                  </a:lnTo>
-                  <a:lnTo>
-                    <a:pt x="1099" y="879"/>
-                  </a:lnTo>
-                  <a:lnTo>
-                    <a:pt x="1148" y="757"/>
-                  </a:lnTo>
-                  <a:lnTo>
-                    <a:pt x="1197" y="611"/>
-                  </a:lnTo>
-                  <a:lnTo>
-                    <a:pt x="1221" y="464"/>
-                  </a:lnTo>
-                  <a:lnTo>
-                    <a:pt x="1221" y="293"/>
-                  </a:lnTo>
-                  <a:lnTo>
-                    <a:pt x="1221" y="171"/>
-                  </a:lnTo>
-                  <a:lnTo>
-                    <a:pt x="1148" y="98"/>
-                  </a:lnTo>
-                  <a:lnTo>
-                    <a:pt x="1050" y="25"/>
-                  </a:lnTo>
-                  <a:lnTo>
-                    <a:pt x="953" y="0"/>
-                  </a:lnTo>
-                  <a:close/>
-                </a:path>
-              </a:pathLst>
-            </a:custGeom>
-            <a:solidFill>
-              <a:srgbClr val="FFB600"/>
-            </a:solidFill>
-            <a:ln>
-              <a:noFill/>
-            </a:ln>
-          </p:spPr>
-          <p:txBody>
-            <a:bodyPr spcFirstLastPara="1" wrap="square" lIns="91425" tIns="91425" rIns="91425" bIns="91425" anchor="ctr" anchorCtr="0">
-              <a:noAutofit/>
-            </a:bodyPr>
-            <a:lstStyle/>
-            <a:p>
-              <a:pPr marL="0" lvl="0" indent="0" algn="l" rtl="0">
-                <a:spcBef>
-                  <a:spcPts val="0"/>
-                </a:spcBef>
-                <a:spcAft>
-                  <a:spcPts val="0"/>
-                </a:spcAft>
-                <a:buNone/>
-              </a:pPr>
-              <a:endParaRPr/>
-            </a:p>
-          </p:txBody>
-        </p:sp>
-      </p:grpSp>
-      <p:sp>
-        <p:nvSpPr>
-          <p:cNvPr id="12" name="TextBox 11"/>
-          <p:cNvSpPr txBox="1"/>
-          <p:nvPr/>
-        </p:nvSpPr>
-        <p:spPr>
-          <a:xfrm>
-            <a:off x="1676400" y="616375"/>
-            <a:ext cx="5105400" cy="461665"/>
-          </a:xfrm>
-          <a:prstGeom prst="rect">
-            <a:avLst/>
-          </a:prstGeom>
-          <a:noFill/>
-        </p:spPr>
-        <p:txBody>
-          <a:bodyPr wrap="square" rtlCol="0">
-            <a:spAutoFit/>
-          </a:bodyPr>
-          <a:lstStyle/>
-          <a:p>
-            <a:r>
-              <a:rPr lang="en-US" sz="2400" dirty="0"/>
-              <a:t>2.2 </a:t>
-            </a:r>
-            <a:r>
-              <a:rPr lang="en-US" sz="2400" dirty="0" err="1"/>
-              <a:t>Thiết</a:t>
-            </a:r>
-            <a:r>
-              <a:rPr lang="en-US" sz="2400" dirty="0"/>
-              <a:t> </a:t>
-            </a:r>
-            <a:r>
-              <a:rPr lang="en-US" sz="2400" dirty="0" err="1"/>
-              <a:t>kế</a:t>
-            </a:r>
-            <a:r>
-              <a:rPr lang="en-US" sz="2400" dirty="0"/>
-              <a:t> </a:t>
-            </a:r>
-            <a:r>
-              <a:rPr lang="en-US" sz="2400" dirty="0" err="1"/>
-              <a:t>cơ</a:t>
-            </a:r>
-            <a:r>
-              <a:rPr lang="en-US" sz="2400" dirty="0"/>
-              <a:t> </a:t>
-            </a:r>
-            <a:r>
-              <a:rPr lang="en-US" sz="2400" dirty="0" err="1"/>
-              <a:t>sở</a:t>
-            </a:r>
-            <a:r>
-              <a:rPr lang="en-US" sz="2400" dirty="0"/>
-              <a:t> </a:t>
-            </a:r>
-            <a:r>
-              <a:rPr lang="en-US" sz="2400" dirty="0" err="1"/>
-              <a:t>dữ</a:t>
-            </a:r>
-            <a:r>
-              <a:rPr lang="en-US" sz="2400" dirty="0"/>
-              <a:t> </a:t>
-            </a:r>
-            <a:r>
-              <a:rPr lang="en-US" sz="2400" dirty="0" err="1"/>
-              <a:t>liệu</a:t>
-            </a:r>
-            <a:endParaRPr lang="en-US" sz="2400" dirty="0"/>
-          </a:p>
-        </p:txBody>
-      </p:sp>
-      <p:pic>
-        <p:nvPicPr>
-          <p:cNvPr id="3" name="Picture 2">
-            <a:extLst>
-              <a:ext uri="{FF2B5EF4-FFF2-40B4-BE49-F238E27FC236}">
-                <a16:creationId xmlns:a16="http://schemas.microsoft.com/office/drawing/2014/main" id="{4FD2CF34-EE42-4CAE-99E1-AEA8CB947B5B}"/>
-              </a:ext>
-            </a:extLst>
-          </p:cNvPr>
-          <p:cNvPicPr>
-            <a:picLocks noChangeAspect="1"/>
-          </p:cNvPicPr>
-          <p:nvPr/>
-        </p:nvPicPr>
-        <p:blipFill>
-          <a:blip r:embed="rId3">
-            <a:extLst>
-              <a:ext uri="{28A0092B-C50C-407E-A947-70E740481C1C}">
-                <a14:useLocalDpi xmlns:a14="http://schemas.microsoft.com/office/drawing/2010/main" val="0"/>
-              </a:ext>
-            </a:extLst>
-          </a:blip>
-          <a:stretch>
-            <a:fillRect/>
-          </a:stretch>
-        </p:blipFill>
-        <p:spPr>
-          <a:xfrm>
-            <a:off x="1066800" y="1332465"/>
-            <a:ext cx="6946033" cy="3201113"/>
+            <a:off x="1219200" y="754036"/>
+            <a:ext cx="3615926" cy="430887"/>
           </a:xfrm>
           <a:prstGeom prst="rect">
             <a:avLst/>
           </a:prstGeom>
         </p:spPr>
-      </p:pic>
+        <p:txBody>
+          <a:bodyPr wrap="none">
+            <a:spAutoFit/>
+          </a:bodyPr>
+          <a:lstStyle/>
+          <a:p>
+            <a:r>
+              <a:rPr lang="en-US" sz="2200" dirty="0"/>
+              <a:t>2.1 </a:t>
+            </a:r>
+            <a:r>
+              <a:rPr lang="en-US" sz="2200" dirty="0" err="1"/>
+              <a:t>Sơ</a:t>
+            </a:r>
+            <a:r>
+              <a:rPr lang="en-US" sz="2200" dirty="0"/>
+              <a:t> </a:t>
+            </a:r>
+            <a:r>
+              <a:rPr lang="en-US" sz="2200" dirty="0" err="1"/>
+              <a:t>đồ</a:t>
+            </a:r>
+            <a:r>
+              <a:rPr lang="en-US" sz="2200" dirty="0"/>
+              <a:t> </a:t>
+            </a:r>
+            <a:r>
+              <a:rPr lang="en-US" sz="2200" dirty="0" err="1"/>
+              <a:t>phân</a:t>
+            </a:r>
+            <a:r>
+              <a:rPr lang="en-US" sz="2200" dirty="0"/>
+              <a:t> </a:t>
+            </a:r>
+            <a:r>
+              <a:rPr lang="en-US" sz="2200" dirty="0" err="1"/>
+              <a:t>cấp</a:t>
+            </a:r>
+            <a:r>
+              <a:rPr lang="en-US" sz="2200" dirty="0"/>
+              <a:t> </a:t>
+            </a:r>
+            <a:r>
+              <a:rPr lang="en-US" sz="2200" dirty="0" err="1"/>
+              <a:t>chức</a:t>
+            </a:r>
+            <a:r>
+              <a:rPr lang="en-US" sz="2200" dirty="0"/>
+              <a:t> </a:t>
+            </a:r>
+            <a:r>
+              <a:rPr lang="en-US" sz="2200" dirty="0" err="1"/>
+              <a:t>năng</a:t>
+            </a:r>
+            <a:endParaRPr lang="en-US" sz="2200" dirty="0"/>
+          </a:p>
+        </p:txBody>
+      </p:sp>
+      <p:sp>
+        <p:nvSpPr>
+          <p:cNvPr id="8" name="Rectangle 7"/>
+          <p:cNvSpPr/>
+          <p:nvPr/>
+        </p:nvSpPr>
+        <p:spPr>
+          <a:xfrm>
+            <a:off x="1114942" y="284394"/>
+            <a:ext cx="7391400" cy="461665"/>
+          </a:xfrm>
+          <a:prstGeom prst="rect">
+            <a:avLst/>
+          </a:prstGeom>
+        </p:spPr>
+        <p:txBody>
+          <a:bodyPr wrap="square">
+            <a:spAutoFit/>
+          </a:bodyPr>
+          <a:lstStyle/>
+          <a:p>
+            <a:r>
+              <a:rPr lang="vi-VN" sz="2400" b="1" dirty="0"/>
+              <a:t>2.</a:t>
+            </a:r>
+            <a:r>
+              <a:rPr lang="en-US" sz="2400" b="1" dirty="0"/>
+              <a:t> </a:t>
+            </a:r>
+            <a:r>
+              <a:rPr lang="vi-VN" sz="2400" b="1" dirty="0"/>
+              <a:t>Phân tích quy trình và chức năng</a:t>
+            </a:r>
+            <a:r>
+              <a:rPr lang="en-US" sz="2400" b="1" dirty="0"/>
+              <a:t>.</a:t>
+            </a:r>
+          </a:p>
+        </p:txBody>
+      </p:sp>
+      <p:graphicFrame>
+        <p:nvGraphicFramePr>
+          <p:cNvPr id="9" name="Diagram 8"/>
+          <p:cNvGraphicFramePr/>
+          <p:nvPr>
+            <p:extLst>
+              <p:ext uri="{D42A27DB-BD31-4B8C-83A1-F6EECF244321}">
+                <p14:modId xmlns:p14="http://schemas.microsoft.com/office/powerpoint/2010/main" val="623983571"/>
+              </p:ext>
+            </p:extLst>
+          </p:nvPr>
+        </p:nvGraphicFramePr>
+        <p:xfrm>
+          <a:off x="533400" y="654947"/>
+          <a:ext cx="8077200" cy="4441804"/>
+        </p:xfrm>
+        <a:graphic>
+          <a:graphicData uri="http://schemas.openxmlformats.org/drawingml/2006/diagram">
+            <dgm:relIds xmlns:dgm="http://schemas.openxmlformats.org/drawingml/2006/diagram" xmlns:r="http://schemas.openxmlformats.org/officeDocument/2006/relationships" r:dm="rId2" r:lo="rId3" r:qs="rId4" r:cs="rId5"/>
+          </a:graphicData>
+        </a:graphic>
+      </p:graphicFrame>
     </p:spTree>
     <p:extLst>
       <p:ext uri="{BB962C8B-B14F-4D97-AF65-F5344CB8AC3E}">
-        <p14:creationId xmlns:p14="http://schemas.microsoft.com/office/powerpoint/2010/main" val="2624961967"/>
+        <p14:creationId xmlns:p14="http://schemas.microsoft.com/office/powerpoint/2010/main" val="2663527285"/>
       </p:ext>
     </p:extLst>
   </p:cSld>
   <p:clrMapOvr>
     <a:masterClrMapping/>
   </p:clrMapOvr>
+  <p:timing>
+    <p:tnLst>
+      <p:par>
+        <p:cTn id="1" dur="indefinite" restart="never" nodeType="tmRoot">
+          <p:childTnLst>
+            <p:seq concurrent="1" nextAc="seek">
+              <p:cTn id="2" dur="indefinite" nodeType="mainSeq">
+                <p:childTnLst>
+                  <p:par>
+                    <p:cTn id="3" fill="hold">
+                      <p:stCondLst>
+                        <p:cond delay="indefinite"/>
+                      </p:stCondLst>
+                      <p:childTnLst>
+                        <p:par>
+                          <p:cTn id="4" fill="hold">
+                            <p:stCondLst>
+                              <p:cond delay="0"/>
+                            </p:stCondLst>
+                            <p:childTnLst>
+                              <p:par>
+                                <p:cTn id="5" presetID="22" presetClass="entr" presetSubtype="1" fill="hold" grpId="0" nodeType="clickEffect">
+                                  <p:stCondLst>
+                                    <p:cond delay="0"/>
+                                  </p:stCondLst>
+                                  <p:childTnLst>
+                                    <p:set>
+                                      <p:cBhvr>
+                                        <p:cTn id="6" dur="1" fill="hold">
+                                          <p:stCondLst>
+                                            <p:cond delay="0"/>
+                                          </p:stCondLst>
+                                        </p:cTn>
+                                        <p:tgtEl>
+                                          <p:spTgt spid="9"/>
+                                        </p:tgtEl>
+                                        <p:attrNameLst>
+                                          <p:attrName>style.visibility</p:attrName>
+                                        </p:attrNameLst>
+                                      </p:cBhvr>
+                                      <p:to>
+                                        <p:strVal val="visible"/>
+                                      </p:to>
+                                    </p:set>
+                                    <p:animEffect transition="in" filter="wipe(up)">
+                                      <p:cBhvr>
+                                        <p:cTn id="7" dur="500"/>
+                                        <p:tgtEl>
+                                          <p:spTgt spid="9"/>
+                                        </p:tgtEl>
+                                      </p:cBhvr>
+                                    </p:animEffect>
+                                  </p:childTnLst>
+                                </p:cTn>
+                              </p:par>
+                            </p:childTnLst>
+                          </p:cTn>
+                        </p:par>
+                      </p:childTnLst>
+                    </p:cTn>
+                  </p:par>
+                </p:childTnLst>
+              </p:cTn>
+              <p:prevCondLst>
+                <p:cond evt="onPrev" delay="0">
+                  <p:tgtEl>
+                    <p:sldTgt/>
+                  </p:tgtEl>
+                </p:cond>
+              </p:prevCondLst>
+              <p:nextCondLst>
+                <p:cond evt="onNext" delay="0">
+                  <p:tgtEl>
+                    <p:sldTgt/>
+                  </p:tgtEl>
+                </p:cond>
+              </p:nextCondLst>
+            </p:seq>
+          </p:childTnLst>
+        </p:cTn>
+      </p:par>
+    </p:tnLst>
+    <p:bldLst>
+      <p:bldGraphic spid="9" grpId="0">
+        <p:bldAsOne/>
+      </p:bldGraphic>
+    </p:bldLst>
+  </p:timing>
 </p:sld>
 </file>
 
@@ -33810,6 +32468,1602 @@
         </p:nvSpPr>
         <p:spPr>
           <a:xfrm>
+            <a:off x="1676400" y="616375"/>
+            <a:ext cx="5105400" cy="461665"/>
+          </a:xfrm>
+          <a:prstGeom prst="rect">
+            <a:avLst/>
+          </a:prstGeom>
+          <a:noFill/>
+        </p:spPr>
+        <p:txBody>
+          <a:bodyPr wrap="square" rtlCol="0">
+            <a:spAutoFit/>
+          </a:bodyPr>
+          <a:lstStyle/>
+          <a:p>
+            <a:r>
+              <a:rPr lang="en-US" sz="2400" dirty="0"/>
+              <a:t>2.2 </a:t>
+            </a:r>
+            <a:r>
+              <a:rPr lang="en-US" sz="2400" dirty="0" err="1"/>
+              <a:t>Thiết</a:t>
+            </a:r>
+            <a:r>
+              <a:rPr lang="en-US" sz="2400" dirty="0"/>
+              <a:t> </a:t>
+            </a:r>
+            <a:r>
+              <a:rPr lang="en-US" sz="2400" dirty="0" err="1"/>
+              <a:t>kế</a:t>
+            </a:r>
+            <a:r>
+              <a:rPr lang="en-US" sz="2400" dirty="0"/>
+              <a:t> </a:t>
+            </a:r>
+            <a:r>
+              <a:rPr lang="en-US" sz="2400" dirty="0" err="1"/>
+              <a:t>cơ</a:t>
+            </a:r>
+            <a:r>
+              <a:rPr lang="en-US" sz="2400" dirty="0"/>
+              <a:t> </a:t>
+            </a:r>
+            <a:r>
+              <a:rPr lang="en-US" sz="2400" dirty="0" err="1"/>
+              <a:t>sở</a:t>
+            </a:r>
+            <a:r>
+              <a:rPr lang="en-US" sz="2400" dirty="0"/>
+              <a:t> </a:t>
+            </a:r>
+            <a:r>
+              <a:rPr lang="en-US" sz="2400" dirty="0" err="1"/>
+              <a:t>dữ</a:t>
+            </a:r>
+            <a:r>
+              <a:rPr lang="en-US" sz="2400" dirty="0"/>
+              <a:t> </a:t>
+            </a:r>
+            <a:r>
+              <a:rPr lang="en-US" sz="2400" dirty="0" err="1"/>
+              <a:t>liệu</a:t>
+            </a:r>
+            <a:endParaRPr lang="en-US" sz="2400" dirty="0"/>
+          </a:p>
+        </p:txBody>
+      </p:sp>
+      <p:pic>
+        <p:nvPicPr>
+          <p:cNvPr id="3" name="Picture 2">
+            <a:extLst>
+              <a:ext uri="{FF2B5EF4-FFF2-40B4-BE49-F238E27FC236}">
+                <a16:creationId xmlns:a16="http://schemas.microsoft.com/office/drawing/2014/main" id="{4FD2CF34-EE42-4CAE-99E1-AEA8CB947B5B}"/>
+              </a:ext>
+            </a:extLst>
+          </p:cNvPr>
+          <p:cNvPicPr>
+            <a:picLocks noChangeAspect="1"/>
+          </p:cNvPicPr>
+          <p:nvPr/>
+        </p:nvPicPr>
+        <p:blipFill>
+          <a:blip r:embed="rId3">
+            <a:extLst>
+              <a:ext uri="{28A0092B-C50C-407E-A947-70E740481C1C}">
+                <a14:useLocalDpi xmlns:a14="http://schemas.microsoft.com/office/drawing/2010/main" val="0"/>
+              </a:ext>
+            </a:extLst>
+          </a:blip>
+          <a:stretch>
+            <a:fillRect/>
+          </a:stretch>
+        </p:blipFill>
+        <p:spPr>
+          <a:xfrm>
+            <a:off x="1066800" y="1332465"/>
+            <a:ext cx="6946033" cy="3201113"/>
+          </a:xfrm>
+          <a:prstGeom prst="rect">
+            <a:avLst/>
+          </a:prstGeom>
+        </p:spPr>
+      </p:pic>
+    </p:spTree>
+    <p:extLst>
+      <p:ext uri="{BB962C8B-B14F-4D97-AF65-F5344CB8AC3E}">
+        <p14:creationId xmlns:p14="http://schemas.microsoft.com/office/powerpoint/2010/main" val="2624961967"/>
+      </p:ext>
+    </p:extLst>
+  </p:cSld>
+  <p:clrMapOvr>
+    <a:masterClrMapping/>
+  </p:clrMapOvr>
+</p:sld>
+</file>
+
+<file path=ppt/slides/slide12.xml><?xml version="1.0" encoding="utf-8"?>
+<p:sld xmlns:a="http://schemas.openxmlformats.org/drawingml/2006/main" xmlns:r="http://schemas.openxmlformats.org/officeDocument/2006/relationships" xmlns:p="http://schemas.openxmlformats.org/presentationml/2006/main">
+  <p:cSld>
+    <p:spTree>
+      <p:nvGrpSpPr>
+        <p:cNvPr id="1" name=""/>
+        <p:cNvGrpSpPr/>
+        <p:nvPr/>
+      </p:nvGrpSpPr>
+      <p:grpSpPr>
+        <a:xfrm>
+          <a:off x="0" y="0"/>
+          <a:ext cx="0" cy="0"/>
+          <a:chOff x="0" y="0"/>
+          <a:chExt cx="0" cy="0"/>
+        </a:xfrm>
+      </p:grpSpPr>
+      <p:sp>
+        <p:nvSpPr>
+          <p:cNvPr id="4" name="Rounded Rectangle 3"/>
+          <p:cNvSpPr/>
+          <p:nvPr/>
+        </p:nvSpPr>
+        <p:spPr>
+          <a:xfrm>
+            <a:off x="457200" y="361950"/>
+            <a:ext cx="8229600" cy="4572000"/>
+          </a:xfrm>
+          <a:prstGeom prst="roundRect">
+            <a:avLst/>
+          </a:prstGeom>
+          <a:noFill/>
+          <a:ln w="19050">
+            <a:solidFill>
+              <a:srgbClr val="FFFF00"/>
+            </a:solidFill>
+            <a:prstDash val="dash"/>
+          </a:ln>
+        </p:spPr>
+        <p:style>
+          <a:lnRef idx="2">
+            <a:schemeClr val="accent1">
+              <a:shade val="50000"/>
+            </a:schemeClr>
+          </a:lnRef>
+          <a:fillRef idx="1">
+            <a:schemeClr val="accent1"/>
+          </a:fillRef>
+          <a:effectRef idx="0">
+            <a:schemeClr val="accent1"/>
+          </a:effectRef>
+          <a:fontRef idx="minor">
+            <a:schemeClr val="lt1"/>
+          </a:fontRef>
+        </p:style>
+        <p:txBody>
+          <a:bodyPr rtlCol="0" anchor="ctr"/>
+          <a:lstStyle/>
+          <a:p>
+            <a:pPr algn="ctr"/>
+            <a:endParaRPr lang="en-US"/>
+          </a:p>
+        </p:txBody>
+      </p:sp>
+      <p:pic>
+        <p:nvPicPr>
+          <p:cNvPr id="5" name="Picture 12" descr="HÃ¬nh áº£nh cÃ³ liÃªn quan"/>
+          <p:cNvPicPr>
+            <a:picLocks noChangeAspect="1" noChangeArrowheads="1"/>
+          </p:cNvPicPr>
+          <p:nvPr/>
+        </p:nvPicPr>
+        <p:blipFill>
+          <a:blip r:embed="rId2" cstate="print">
+            <a:extLst>
+              <a:ext uri="{28A0092B-C50C-407E-A947-70E740481C1C}">
+                <a14:useLocalDpi xmlns:a14="http://schemas.microsoft.com/office/drawing/2010/main" val="0"/>
+              </a:ext>
+            </a:extLst>
+          </a:blip>
+          <a:srcRect/>
+          <a:stretch>
+            <a:fillRect/>
+          </a:stretch>
+        </p:blipFill>
+        <p:spPr bwMode="auto">
+          <a:xfrm>
+            <a:off x="7727385" y="3714750"/>
+            <a:ext cx="1109238" cy="1109238"/>
+          </a:xfrm>
+          <a:prstGeom prst="rect">
+            <a:avLst/>
+          </a:prstGeom>
+          <a:ln>
+            <a:noFill/>
+          </a:ln>
+          <a:effectLst>
+            <a:outerShdw blurRad="292100" dist="139700" dir="2700000" algn="tl" rotWithShape="0">
+              <a:srgbClr val="333333">
+                <a:alpha val="65000"/>
+              </a:srgbClr>
+            </a:outerShdw>
+          </a:effectLst>
+          <a:extLst>
+            <a:ext uri="{909E8E84-426E-40DD-AFC4-6F175D3DCCD1}">
+              <a14:hiddenFill xmlns:a14="http://schemas.microsoft.com/office/drawing/2010/main">
+                <a:solidFill>
+                  <a:srgbClr val="FFFFFF"/>
+                </a:solidFill>
+              </a14:hiddenFill>
+            </a:ext>
+          </a:extLst>
+        </p:spPr>
+      </p:pic>
+      <p:grpSp>
+        <p:nvGrpSpPr>
+          <p:cNvPr id="6" name="Google Shape;622;p38"/>
+          <p:cNvGrpSpPr/>
+          <p:nvPr/>
+        </p:nvGrpSpPr>
+        <p:grpSpPr>
+          <a:xfrm>
+            <a:off x="8012833" y="145908"/>
+            <a:ext cx="697289" cy="685800"/>
+            <a:chOff x="1244325" y="4999400"/>
+            <a:chExt cx="444525" cy="437200"/>
+          </a:xfrm>
+        </p:grpSpPr>
+        <p:sp>
+          <p:nvSpPr>
+            <p:cNvPr id="7" name="Google Shape;623;p38"/>
+            <p:cNvSpPr/>
+            <p:nvPr/>
+          </p:nvSpPr>
+          <p:spPr>
+            <a:xfrm>
+              <a:off x="1244325" y="5161200"/>
+              <a:ext cx="374925" cy="222275"/>
+            </a:xfrm>
+            <a:custGeom>
+              <a:avLst/>
+              <a:gdLst/>
+              <a:ahLst/>
+              <a:cxnLst/>
+              <a:rect l="l" t="t" r="r" b="b"/>
+              <a:pathLst>
+                <a:path w="14997" h="8891" extrusionOk="0">
+                  <a:moveTo>
+                    <a:pt x="2077" y="1661"/>
+                  </a:moveTo>
+                  <a:lnTo>
+                    <a:pt x="2199" y="1685"/>
+                  </a:lnTo>
+                  <a:lnTo>
+                    <a:pt x="2468" y="1783"/>
+                  </a:lnTo>
+                  <a:lnTo>
+                    <a:pt x="2687" y="1930"/>
+                  </a:lnTo>
+                  <a:lnTo>
+                    <a:pt x="2883" y="2076"/>
+                  </a:lnTo>
+                  <a:lnTo>
+                    <a:pt x="2932" y="2443"/>
+                  </a:lnTo>
+                  <a:lnTo>
+                    <a:pt x="3005" y="2833"/>
+                  </a:lnTo>
+                  <a:lnTo>
+                    <a:pt x="3176" y="3664"/>
+                  </a:lnTo>
+                  <a:lnTo>
+                    <a:pt x="3396" y="4470"/>
+                  </a:lnTo>
+                  <a:lnTo>
+                    <a:pt x="3567" y="5154"/>
+                  </a:lnTo>
+                  <a:lnTo>
+                    <a:pt x="3371" y="5105"/>
+                  </a:lnTo>
+                  <a:lnTo>
+                    <a:pt x="3152" y="5031"/>
+                  </a:lnTo>
+                  <a:lnTo>
+                    <a:pt x="2956" y="4934"/>
+                  </a:lnTo>
+                  <a:lnTo>
+                    <a:pt x="2736" y="4812"/>
+                  </a:lnTo>
+                  <a:lnTo>
+                    <a:pt x="2541" y="4690"/>
+                  </a:lnTo>
+                  <a:lnTo>
+                    <a:pt x="2321" y="4543"/>
+                  </a:lnTo>
+                  <a:lnTo>
+                    <a:pt x="2126" y="4372"/>
+                  </a:lnTo>
+                  <a:lnTo>
+                    <a:pt x="1930" y="4201"/>
+                  </a:lnTo>
+                  <a:lnTo>
+                    <a:pt x="1759" y="4006"/>
+                  </a:lnTo>
+                  <a:lnTo>
+                    <a:pt x="1613" y="3810"/>
+                  </a:lnTo>
+                  <a:lnTo>
+                    <a:pt x="1466" y="3590"/>
+                  </a:lnTo>
+                  <a:lnTo>
+                    <a:pt x="1344" y="3395"/>
+                  </a:lnTo>
+                  <a:lnTo>
+                    <a:pt x="1247" y="3175"/>
+                  </a:lnTo>
+                  <a:lnTo>
+                    <a:pt x="1173" y="2931"/>
+                  </a:lnTo>
+                  <a:lnTo>
+                    <a:pt x="1124" y="2711"/>
+                  </a:lnTo>
+                  <a:lnTo>
+                    <a:pt x="1124" y="2491"/>
+                  </a:lnTo>
+                  <a:lnTo>
+                    <a:pt x="1124" y="2320"/>
+                  </a:lnTo>
+                  <a:lnTo>
+                    <a:pt x="1173" y="2174"/>
+                  </a:lnTo>
+                  <a:lnTo>
+                    <a:pt x="1247" y="2027"/>
+                  </a:lnTo>
+                  <a:lnTo>
+                    <a:pt x="1369" y="1905"/>
+                  </a:lnTo>
+                  <a:lnTo>
+                    <a:pt x="1491" y="1808"/>
+                  </a:lnTo>
+                  <a:lnTo>
+                    <a:pt x="1613" y="1734"/>
+                  </a:lnTo>
+                  <a:lnTo>
+                    <a:pt x="1784" y="1685"/>
+                  </a:lnTo>
+                  <a:lnTo>
+                    <a:pt x="1955" y="1661"/>
+                  </a:lnTo>
+                  <a:close/>
+                  <a:moveTo>
+                    <a:pt x="3225" y="0"/>
+                  </a:moveTo>
+                  <a:lnTo>
+                    <a:pt x="3127" y="25"/>
+                  </a:lnTo>
+                  <a:lnTo>
+                    <a:pt x="3029" y="98"/>
+                  </a:lnTo>
+                  <a:lnTo>
+                    <a:pt x="2932" y="147"/>
+                  </a:lnTo>
+                  <a:lnTo>
+                    <a:pt x="2883" y="245"/>
+                  </a:lnTo>
+                  <a:lnTo>
+                    <a:pt x="2834" y="342"/>
+                  </a:lnTo>
+                  <a:lnTo>
+                    <a:pt x="2785" y="440"/>
+                  </a:lnTo>
+                  <a:lnTo>
+                    <a:pt x="2785" y="538"/>
+                  </a:lnTo>
+                  <a:lnTo>
+                    <a:pt x="2785" y="709"/>
+                  </a:lnTo>
+                  <a:lnTo>
+                    <a:pt x="2565" y="635"/>
+                  </a:lnTo>
+                  <a:lnTo>
+                    <a:pt x="2370" y="586"/>
+                  </a:lnTo>
+                  <a:lnTo>
+                    <a:pt x="2150" y="562"/>
+                  </a:lnTo>
+                  <a:lnTo>
+                    <a:pt x="1955" y="538"/>
+                  </a:lnTo>
+                  <a:lnTo>
+                    <a:pt x="1759" y="562"/>
+                  </a:lnTo>
+                  <a:lnTo>
+                    <a:pt x="1564" y="586"/>
+                  </a:lnTo>
+                  <a:lnTo>
+                    <a:pt x="1369" y="635"/>
+                  </a:lnTo>
+                  <a:lnTo>
+                    <a:pt x="1198" y="709"/>
+                  </a:lnTo>
+                  <a:lnTo>
+                    <a:pt x="1027" y="782"/>
+                  </a:lnTo>
+                  <a:lnTo>
+                    <a:pt x="856" y="880"/>
+                  </a:lnTo>
+                  <a:lnTo>
+                    <a:pt x="709" y="1002"/>
+                  </a:lnTo>
+                  <a:lnTo>
+                    <a:pt x="563" y="1124"/>
+                  </a:lnTo>
+                  <a:lnTo>
+                    <a:pt x="441" y="1246"/>
+                  </a:lnTo>
+                  <a:lnTo>
+                    <a:pt x="343" y="1417"/>
+                  </a:lnTo>
+                  <a:lnTo>
+                    <a:pt x="245" y="1563"/>
+                  </a:lnTo>
+                  <a:lnTo>
+                    <a:pt x="147" y="1734"/>
+                  </a:lnTo>
+                  <a:lnTo>
+                    <a:pt x="99" y="1905"/>
+                  </a:lnTo>
+                  <a:lnTo>
+                    <a:pt x="50" y="2101"/>
+                  </a:lnTo>
+                  <a:lnTo>
+                    <a:pt x="1" y="2296"/>
+                  </a:lnTo>
+                  <a:lnTo>
+                    <a:pt x="1" y="2491"/>
+                  </a:lnTo>
+                  <a:lnTo>
+                    <a:pt x="25" y="2858"/>
+                  </a:lnTo>
+                  <a:lnTo>
+                    <a:pt x="99" y="3200"/>
+                  </a:lnTo>
+                  <a:lnTo>
+                    <a:pt x="221" y="3566"/>
+                  </a:lnTo>
+                  <a:lnTo>
+                    <a:pt x="367" y="3884"/>
+                  </a:lnTo>
+                  <a:lnTo>
+                    <a:pt x="563" y="4225"/>
+                  </a:lnTo>
+                  <a:lnTo>
+                    <a:pt x="782" y="4543"/>
+                  </a:lnTo>
+                  <a:lnTo>
+                    <a:pt x="1027" y="4836"/>
+                  </a:lnTo>
+                  <a:lnTo>
+                    <a:pt x="1295" y="5105"/>
+                  </a:lnTo>
+                  <a:lnTo>
+                    <a:pt x="1588" y="5349"/>
+                  </a:lnTo>
+                  <a:lnTo>
+                    <a:pt x="1906" y="5593"/>
+                  </a:lnTo>
+                  <a:lnTo>
+                    <a:pt x="2248" y="5789"/>
+                  </a:lnTo>
+                  <a:lnTo>
+                    <a:pt x="2590" y="5960"/>
+                  </a:lnTo>
+                  <a:lnTo>
+                    <a:pt x="2932" y="6106"/>
+                  </a:lnTo>
+                  <a:lnTo>
+                    <a:pt x="3274" y="6204"/>
+                  </a:lnTo>
+                  <a:lnTo>
+                    <a:pt x="3616" y="6277"/>
+                  </a:lnTo>
+                  <a:lnTo>
+                    <a:pt x="3957" y="6301"/>
+                  </a:lnTo>
+                  <a:lnTo>
+                    <a:pt x="4080" y="6643"/>
+                  </a:lnTo>
+                  <a:lnTo>
+                    <a:pt x="4226" y="6961"/>
+                  </a:lnTo>
+                  <a:lnTo>
+                    <a:pt x="4519" y="7596"/>
+                  </a:lnTo>
+                  <a:lnTo>
+                    <a:pt x="4812" y="8133"/>
+                  </a:lnTo>
+                  <a:lnTo>
+                    <a:pt x="5081" y="8597"/>
+                  </a:lnTo>
+                  <a:lnTo>
+                    <a:pt x="5154" y="8719"/>
+                  </a:lnTo>
+                  <a:lnTo>
+                    <a:pt x="5276" y="8817"/>
+                  </a:lnTo>
+                  <a:lnTo>
+                    <a:pt x="5423" y="8866"/>
+                  </a:lnTo>
+                  <a:lnTo>
+                    <a:pt x="5569" y="8890"/>
+                  </a:lnTo>
+                  <a:lnTo>
+                    <a:pt x="12212" y="8890"/>
+                  </a:lnTo>
+                  <a:lnTo>
+                    <a:pt x="12359" y="8866"/>
+                  </a:lnTo>
+                  <a:lnTo>
+                    <a:pt x="12506" y="8817"/>
+                  </a:lnTo>
+                  <a:lnTo>
+                    <a:pt x="12628" y="8719"/>
+                  </a:lnTo>
+                  <a:lnTo>
+                    <a:pt x="12701" y="8597"/>
+                  </a:lnTo>
+                  <a:lnTo>
+                    <a:pt x="12994" y="8060"/>
+                  </a:lnTo>
+                  <a:lnTo>
+                    <a:pt x="13360" y="7352"/>
+                  </a:lnTo>
+                  <a:lnTo>
+                    <a:pt x="13727" y="6472"/>
+                  </a:lnTo>
+                  <a:lnTo>
+                    <a:pt x="13922" y="6008"/>
+                  </a:lnTo>
+                  <a:lnTo>
+                    <a:pt x="14117" y="5495"/>
+                  </a:lnTo>
+                  <a:lnTo>
+                    <a:pt x="14288" y="4958"/>
+                  </a:lnTo>
+                  <a:lnTo>
+                    <a:pt x="14459" y="4372"/>
+                  </a:lnTo>
+                  <a:lnTo>
+                    <a:pt x="14606" y="3786"/>
+                  </a:lnTo>
+                  <a:lnTo>
+                    <a:pt x="14752" y="3175"/>
+                  </a:lnTo>
+                  <a:lnTo>
+                    <a:pt x="14850" y="2540"/>
+                  </a:lnTo>
+                  <a:lnTo>
+                    <a:pt x="14923" y="1881"/>
+                  </a:lnTo>
+                  <a:lnTo>
+                    <a:pt x="14972" y="1221"/>
+                  </a:lnTo>
+                  <a:lnTo>
+                    <a:pt x="14997" y="538"/>
+                  </a:lnTo>
+                  <a:lnTo>
+                    <a:pt x="14997" y="440"/>
+                  </a:lnTo>
+                  <a:lnTo>
+                    <a:pt x="14948" y="342"/>
+                  </a:lnTo>
+                  <a:lnTo>
+                    <a:pt x="14899" y="245"/>
+                  </a:lnTo>
+                  <a:lnTo>
+                    <a:pt x="14850" y="147"/>
+                  </a:lnTo>
+                  <a:lnTo>
+                    <a:pt x="14752" y="98"/>
+                  </a:lnTo>
+                  <a:lnTo>
+                    <a:pt x="14655" y="25"/>
+                  </a:lnTo>
+                  <a:lnTo>
+                    <a:pt x="14557" y="0"/>
+                  </a:lnTo>
+                  <a:close/>
+                </a:path>
+              </a:pathLst>
+            </a:custGeom>
+            <a:solidFill>
+              <a:srgbClr val="FFB600"/>
+            </a:solidFill>
+            <a:ln>
+              <a:noFill/>
+            </a:ln>
+          </p:spPr>
+          <p:txBody>
+            <a:bodyPr spcFirstLastPara="1" wrap="square" lIns="91425" tIns="91425" rIns="91425" bIns="91425" anchor="ctr" anchorCtr="0">
+              <a:noAutofit/>
+            </a:bodyPr>
+            <a:lstStyle/>
+            <a:p>
+              <a:pPr marL="0" lvl="0" indent="0" algn="l" rtl="0">
+                <a:spcBef>
+                  <a:spcPts val="0"/>
+                </a:spcBef>
+                <a:spcAft>
+                  <a:spcPts val="0"/>
+                </a:spcAft>
+                <a:buNone/>
+              </a:pPr>
+              <a:endParaRPr/>
+            </a:p>
+          </p:txBody>
+        </p:sp>
+        <p:sp>
+          <p:nvSpPr>
+            <p:cNvPr id="8" name="Google Shape;624;p38"/>
+            <p:cNvSpPr/>
+            <p:nvPr/>
+          </p:nvSpPr>
+          <p:spPr>
+            <a:xfrm>
+              <a:off x="1244325" y="5397500"/>
+              <a:ext cx="444525" cy="39100"/>
+            </a:xfrm>
+            <a:custGeom>
+              <a:avLst/>
+              <a:gdLst/>
+              <a:ahLst/>
+              <a:cxnLst/>
+              <a:rect l="l" t="t" r="r" b="b"/>
+              <a:pathLst>
+                <a:path w="17781" h="1564" extrusionOk="0">
+                  <a:moveTo>
+                    <a:pt x="1" y="0"/>
+                  </a:moveTo>
+                  <a:lnTo>
+                    <a:pt x="25" y="244"/>
+                  </a:lnTo>
+                  <a:lnTo>
+                    <a:pt x="99" y="488"/>
+                  </a:lnTo>
+                  <a:lnTo>
+                    <a:pt x="196" y="757"/>
+                  </a:lnTo>
+                  <a:lnTo>
+                    <a:pt x="318" y="1001"/>
+                  </a:lnTo>
+                  <a:lnTo>
+                    <a:pt x="489" y="1221"/>
+                  </a:lnTo>
+                  <a:lnTo>
+                    <a:pt x="685" y="1392"/>
+                  </a:lnTo>
+                  <a:lnTo>
+                    <a:pt x="782" y="1465"/>
+                  </a:lnTo>
+                  <a:lnTo>
+                    <a:pt x="880" y="1514"/>
+                  </a:lnTo>
+                  <a:lnTo>
+                    <a:pt x="1002" y="1539"/>
+                  </a:lnTo>
+                  <a:lnTo>
+                    <a:pt x="1124" y="1563"/>
+                  </a:lnTo>
+                  <a:lnTo>
+                    <a:pt x="16657" y="1563"/>
+                  </a:lnTo>
+                  <a:lnTo>
+                    <a:pt x="16780" y="1539"/>
+                  </a:lnTo>
+                  <a:lnTo>
+                    <a:pt x="16902" y="1514"/>
+                  </a:lnTo>
+                  <a:lnTo>
+                    <a:pt x="16999" y="1465"/>
+                  </a:lnTo>
+                  <a:lnTo>
+                    <a:pt x="17097" y="1392"/>
+                  </a:lnTo>
+                  <a:lnTo>
+                    <a:pt x="17292" y="1221"/>
+                  </a:lnTo>
+                  <a:lnTo>
+                    <a:pt x="17463" y="1001"/>
+                  </a:lnTo>
+                  <a:lnTo>
+                    <a:pt x="17586" y="757"/>
+                  </a:lnTo>
+                  <a:lnTo>
+                    <a:pt x="17683" y="488"/>
+                  </a:lnTo>
+                  <a:lnTo>
+                    <a:pt x="17756" y="244"/>
+                  </a:lnTo>
+                  <a:lnTo>
+                    <a:pt x="17781" y="0"/>
+                  </a:lnTo>
+                  <a:close/>
+                </a:path>
+              </a:pathLst>
+            </a:custGeom>
+            <a:solidFill>
+              <a:srgbClr val="FFB600"/>
+            </a:solidFill>
+            <a:ln>
+              <a:noFill/>
+            </a:ln>
+          </p:spPr>
+          <p:txBody>
+            <a:bodyPr spcFirstLastPara="1" wrap="square" lIns="91425" tIns="91425" rIns="91425" bIns="91425" anchor="ctr" anchorCtr="0">
+              <a:noAutofit/>
+            </a:bodyPr>
+            <a:lstStyle/>
+            <a:p>
+              <a:pPr marL="0" lvl="0" indent="0" algn="l" rtl="0">
+                <a:spcBef>
+                  <a:spcPts val="0"/>
+                </a:spcBef>
+                <a:spcAft>
+                  <a:spcPts val="0"/>
+                </a:spcAft>
+                <a:buNone/>
+              </a:pPr>
+              <a:endParaRPr/>
+            </a:p>
+          </p:txBody>
+        </p:sp>
+        <p:sp>
+          <p:nvSpPr>
+            <p:cNvPr id="9" name="Google Shape;625;p38"/>
+            <p:cNvSpPr/>
+            <p:nvPr/>
+          </p:nvSpPr>
+          <p:spPr>
+            <a:xfrm>
+              <a:off x="1451925" y="4999400"/>
+              <a:ext cx="31175" cy="129450"/>
+            </a:xfrm>
+            <a:custGeom>
+              <a:avLst/>
+              <a:gdLst/>
+              <a:ahLst/>
+              <a:cxnLst/>
+              <a:rect l="l" t="t" r="r" b="b"/>
+              <a:pathLst>
+                <a:path w="1247" h="5178" extrusionOk="0">
+                  <a:moveTo>
+                    <a:pt x="953" y="0"/>
+                  </a:moveTo>
+                  <a:lnTo>
+                    <a:pt x="856" y="25"/>
+                  </a:lnTo>
+                  <a:lnTo>
+                    <a:pt x="758" y="98"/>
+                  </a:lnTo>
+                  <a:lnTo>
+                    <a:pt x="709" y="171"/>
+                  </a:lnTo>
+                  <a:lnTo>
+                    <a:pt x="685" y="293"/>
+                  </a:lnTo>
+                  <a:lnTo>
+                    <a:pt x="660" y="464"/>
+                  </a:lnTo>
+                  <a:lnTo>
+                    <a:pt x="611" y="611"/>
+                  </a:lnTo>
+                  <a:lnTo>
+                    <a:pt x="514" y="733"/>
+                  </a:lnTo>
+                  <a:lnTo>
+                    <a:pt x="416" y="879"/>
+                  </a:lnTo>
+                  <a:lnTo>
+                    <a:pt x="269" y="1026"/>
+                  </a:lnTo>
+                  <a:lnTo>
+                    <a:pt x="147" y="1246"/>
+                  </a:lnTo>
+                  <a:lnTo>
+                    <a:pt x="74" y="1368"/>
+                  </a:lnTo>
+                  <a:lnTo>
+                    <a:pt x="50" y="1490"/>
+                  </a:lnTo>
+                  <a:lnTo>
+                    <a:pt x="1" y="1661"/>
+                  </a:lnTo>
+                  <a:lnTo>
+                    <a:pt x="1" y="1832"/>
+                  </a:lnTo>
+                  <a:lnTo>
+                    <a:pt x="1" y="2003"/>
+                  </a:lnTo>
+                  <a:lnTo>
+                    <a:pt x="50" y="2149"/>
+                  </a:lnTo>
+                  <a:lnTo>
+                    <a:pt x="74" y="2296"/>
+                  </a:lnTo>
+                  <a:lnTo>
+                    <a:pt x="147" y="2394"/>
+                  </a:lnTo>
+                  <a:lnTo>
+                    <a:pt x="269" y="2613"/>
+                  </a:lnTo>
+                  <a:lnTo>
+                    <a:pt x="416" y="2784"/>
+                  </a:lnTo>
+                  <a:lnTo>
+                    <a:pt x="514" y="2907"/>
+                  </a:lnTo>
+                  <a:lnTo>
+                    <a:pt x="611" y="3029"/>
+                  </a:lnTo>
+                  <a:lnTo>
+                    <a:pt x="660" y="3175"/>
+                  </a:lnTo>
+                  <a:lnTo>
+                    <a:pt x="685" y="3346"/>
+                  </a:lnTo>
+                  <a:lnTo>
+                    <a:pt x="660" y="3542"/>
+                  </a:lnTo>
+                  <a:lnTo>
+                    <a:pt x="611" y="3688"/>
+                  </a:lnTo>
+                  <a:lnTo>
+                    <a:pt x="514" y="3810"/>
+                  </a:lnTo>
+                  <a:lnTo>
+                    <a:pt x="416" y="3932"/>
+                  </a:lnTo>
+                  <a:lnTo>
+                    <a:pt x="269" y="4103"/>
+                  </a:lnTo>
+                  <a:lnTo>
+                    <a:pt x="147" y="4299"/>
+                  </a:lnTo>
+                  <a:lnTo>
+                    <a:pt x="74" y="4421"/>
+                  </a:lnTo>
+                  <a:lnTo>
+                    <a:pt x="50" y="4567"/>
+                  </a:lnTo>
+                  <a:lnTo>
+                    <a:pt x="1" y="4714"/>
+                  </a:lnTo>
+                  <a:lnTo>
+                    <a:pt x="1" y="4885"/>
+                  </a:lnTo>
+                  <a:lnTo>
+                    <a:pt x="25" y="5007"/>
+                  </a:lnTo>
+                  <a:lnTo>
+                    <a:pt x="74" y="5080"/>
+                  </a:lnTo>
+                  <a:lnTo>
+                    <a:pt x="172" y="5153"/>
+                  </a:lnTo>
+                  <a:lnTo>
+                    <a:pt x="294" y="5178"/>
+                  </a:lnTo>
+                  <a:lnTo>
+                    <a:pt x="392" y="5153"/>
+                  </a:lnTo>
+                  <a:lnTo>
+                    <a:pt x="489" y="5080"/>
+                  </a:lnTo>
+                  <a:lnTo>
+                    <a:pt x="538" y="5007"/>
+                  </a:lnTo>
+                  <a:lnTo>
+                    <a:pt x="563" y="4885"/>
+                  </a:lnTo>
+                  <a:lnTo>
+                    <a:pt x="587" y="4714"/>
+                  </a:lnTo>
+                  <a:lnTo>
+                    <a:pt x="636" y="4567"/>
+                  </a:lnTo>
+                  <a:lnTo>
+                    <a:pt x="733" y="4445"/>
+                  </a:lnTo>
+                  <a:lnTo>
+                    <a:pt x="831" y="4299"/>
+                  </a:lnTo>
+                  <a:lnTo>
+                    <a:pt x="978" y="4152"/>
+                  </a:lnTo>
+                  <a:lnTo>
+                    <a:pt x="1100" y="3932"/>
+                  </a:lnTo>
+                  <a:lnTo>
+                    <a:pt x="1149" y="3810"/>
+                  </a:lnTo>
+                  <a:lnTo>
+                    <a:pt x="1197" y="3688"/>
+                  </a:lnTo>
+                  <a:lnTo>
+                    <a:pt x="1222" y="3542"/>
+                  </a:lnTo>
+                  <a:lnTo>
+                    <a:pt x="1246" y="3346"/>
+                  </a:lnTo>
+                  <a:lnTo>
+                    <a:pt x="1222" y="3175"/>
+                  </a:lnTo>
+                  <a:lnTo>
+                    <a:pt x="1197" y="3029"/>
+                  </a:lnTo>
+                  <a:lnTo>
+                    <a:pt x="1149" y="2882"/>
+                  </a:lnTo>
+                  <a:lnTo>
+                    <a:pt x="1100" y="2784"/>
+                  </a:lnTo>
+                  <a:lnTo>
+                    <a:pt x="978" y="2565"/>
+                  </a:lnTo>
+                  <a:lnTo>
+                    <a:pt x="831" y="2394"/>
+                  </a:lnTo>
+                  <a:lnTo>
+                    <a:pt x="733" y="2272"/>
+                  </a:lnTo>
+                  <a:lnTo>
+                    <a:pt x="636" y="2149"/>
+                  </a:lnTo>
+                  <a:lnTo>
+                    <a:pt x="587" y="2003"/>
+                  </a:lnTo>
+                  <a:lnTo>
+                    <a:pt x="563" y="1832"/>
+                  </a:lnTo>
+                  <a:lnTo>
+                    <a:pt x="587" y="1637"/>
+                  </a:lnTo>
+                  <a:lnTo>
+                    <a:pt x="636" y="1490"/>
+                  </a:lnTo>
+                  <a:lnTo>
+                    <a:pt x="733" y="1368"/>
+                  </a:lnTo>
+                  <a:lnTo>
+                    <a:pt x="831" y="1246"/>
+                  </a:lnTo>
+                  <a:lnTo>
+                    <a:pt x="978" y="1075"/>
+                  </a:lnTo>
+                  <a:lnTo>
+                    <a:pt x="1100" y="879"/>
+                  </a:lnTo>
+                  <a:lnTo>
+                    <a:pt x="1149" y="757"/>
+                  </a:lnTo>
+                  <a:lnTo>
+                    <a:pt x="1197" y="611"/>
+                  </a:lnTo>
+                  <a:lnTo>
+                    <a:pt x="1222" y="464"/>
+                  </a:lnTo>
+                  <a:lnTo>
+                    <a:pt x="1246" y="293"/>
+                  </a:lnTo>
+                  <a:lnTo>
+                    <a:pt x="1222" y="171"/>
+                  </a:lnTo>
+                  <a:lnTo>
+                    <a:pt x="1149" y="98"/>
+                  </a:lnTo>
+                  <a:lnTo>
+                    <a:pt x="1075" y="25"/>
+                  </a:lnTo>
+                  <a:lnTo>
+                    <a:pt x="953" y="0"/>
+                  </a:lnTo>
+                  <a:close/>
+                </a:path>
+              </a:pathLst>
+            </a:custGeom>
+            <a:solidFill>
+              <a:srgbClr val="FFB600"/>
+            </a:solidFill>
+            <a:ln>
+              <a:noFill/>
+            </a:ln>
+          </p:spPr>
+          <p:txBody>
+            <a:bodyPr spcFirstLastPara="1" wrap="square" lIns="91425" tIns="91425" rIns="91425" bIns="91425" anchor="ctr" anchorCtr="0">
+              <a:noAutofit/>
+            </a:bodyPr>
+            <a:lstStyle/>
+            <a:p>
+              <a:pPr marL="0" lvl="0" indent="0" algn="l" rtl="0">
+                <a:spcBef>
+                  <a:spcPts val="0"/>
+                </a:spcBef>
+                <a:spcAft>
+                  <a:spcPts val="0"/>
+                </a:spcAft>
+                <a:buNone/>
+              </a:pPr>
+              <a:endParaRPr/>
+            </a:p>
+          </p:txBody>
+        </p:sp>
+        <p:sp>
+          <p:nvSpPr>
+            <p:cNvPr id="10" name="Google Shape;626;p38"/>
+            <p:cNvSpPr/>
+            <p:nvPr/>
+          </p:nvSpPr>
+          <p:spPr>
+            <a:xfrm>
+              <a:off x="1407975" y="4999400"/>
+              <a:ext cx="31150" cy="129450"/>
+            </a:xfrm>
+            <a:custGeom>
+              <a:avLst/>
+              <a:gdLst/>
+              <a:ahLst/>
+              <a:cxnLst/>
+              <a:rect l="l" t="t" r="r" b="b"/>
+              <a:pathLst>
+                <a:path w="1246" h="5178" extrusionOk="0">
+                  <a:moveTo>
+                    <a:pt x="977" y="0"/>
+                  </a:moveTo>
+                  <a:lnTo>
+                    <a:pt x="855" y="25"/>
+                  </a:lnTo>
+                  <a:lnTo>
+                    <a:pt x="782" y="98"/>
+                  </a:lnTo>
+                  <a:lnTo>
+                    <a:pt x="709" y="171"/>
+                  </a:lnTo>
+                  <a:lnTo>
+                    <a:pt x="684" y="293"/>
+                  </a:lnTo>
+                  <a:lnTo>
+                    <a:pt x="660" y="464"/>
+                  </a:lnTo>
+                  <a:lnTo>
+                    <a:pt x="611" y="611"/>
+                  </a:lnTo>
+                  <a:lnTo>
+                    <a:pt x="538" y="733"/>
+                  </a:lnTo>
+                  <a:lnTo>
+                    <a:pt x="416" y="879"/>
+                  </a:lnTo>
+                  <a:lnTo>
+                    <a:pt x="269" y="1026"/>
+                  </a:lnTo>
+                  <a:lnTo>
+                    <a:pt x="147" y="1246"/>
+                  </a:lnTo>
+                  <a:lnTo>
+                    <a:pt x="98" y="1368"/>
+                  </a:lnTo>
+                  <a:lnTo>
+                    <a:pt x="49" y="1490"/>
+                  </a:lnTo>
+                  <a:lnTo>
+                    <a:pt x="25" y="1661"/>
+                  </a:lnTo>
+                  <a:lnTo>
+                    <a:pt x="0" y="1832"/>
+                  </a:lnTo>
+                  <a:lnTo>
+                    <a:pt x="25" y="2003"/>
+                  </a:lnTo>
+                  <a:lnTo>
+                    <a:pt x="49" y="2149"/>
+                  </a:lnTo>
+                  <a:lnTo>
+                    <a:pt x="98" y="2296"/>
+                  </a:lnTo>
+                  <a:lnTo>
+                    <a:pt x="147" y="2394"/>
+                  </a:lnTo>
+                  <a:lnTo>
+                    <a:pt x="269" y="2613"/>
+                  </a:lnTo>
+                  <a:lnTo>
+                    <a:pt x="416" y="2784"/>
+                  </a:lnTo>
+                  <a:lnTo>
+                    <a:pt x="538" y="2907"/>
+                  </a:lnTo>
+                  <a:lnTo>
+                    <a:pt x="611" y="3029"/>
+                  </a:lnTo>
+                  <a:lnTo>
+                    <a:pt x="660" y="3175"/>
+                  </a:lnTo>
+                  <a:lnTo>
+                    <a:pt x="684" y="3346"/>
+                  </a:lnTo>
+                  <a:lnTo>
+                    <a:pt x="660" y="3542"/>
+                  </a:lnTo>
+                  <a:lnTo>
+                    <a:pt x="611" y="3688"/>
+                  </a:lnTo>
+                  <a:lnTo>
+                    <a:pt x="538" y="3810"/>
+                  </a:lnTo>
+                  <a:lnTo>
+                    <a:pt x="416" y="3932"/>
+                  </a:lnTo>
+                  <a:lnTo>
+                    <a:pt x="269" y="4103"/>
+                  </a:lnTo>
+                  <a:lnTo>
+                    <a:pt x="147" y="4299"/>
+                  </a:lnTo>
+                  <a:lnTo>
+                    <a:pt x="98" y="4421"/>
+                  </a:lnTo>
+                  <a:lnTo>
+                    <a:pt x="49" y="4567"/>
+                  </a:lnTo>
+                  <a:lnTo>
+                    <a:pt x="25" y="4714"/>
+                  </a:lnTo>
+                  <a:lnTo>
+                    <a:pt x="0" y="4885"/>
+                  </a:lnTo>
+                  <a:lnTo>
+                    <a:pt x="25" y="5007"/>
+                  </a:lnTo>
+                  <a:lnTo>
+                    <a:pt x="98" y="5080"/>
+                  </a:lnTo>
+                  <a:lnTo>
+                    <a:pt x="171" y="5153"/>
+                  </a:lnTo>
+                  <a:lnTo>
+                    <a:pt x="293" y="5178"/>
+                  </a:lnTo>
+                  <a:lnTo>
+                    <a:pt x="391" y="5153"/>
+                  </a:lnTo>
+                  <a:lnTo>
+                    <a:pt x="489" y="5080"/>
+                  </a:lnTo>
+                  <a:lnTo>
+                    <a:pt x="562" y="5007"/>
+                  </a:lnTo>
+                  <a:lnTo>
+                    <a:pt x="586" y="4885"/>
+                  </a:lnTo>
+                  <a:lnTo>
+                    <a:pt x="586" y="4714"/>
+                  </a:lnTo>
+                  <a:lnTo>
+                    <a:pt x="660" y="4567"/>
+                  </a:lnTo>
+                  <a:lnTo>
+                    <a:pt x="733" y="4445"/>
+                  </a:lnTo>
+                  <a:lnTo>
+                    <a:pt x="831" y="4299"/>
+                  </a:lnTo>
+                  <a:lnTo>
+                    <a:pt x="977" y="4152"/>
+                  </a:lnTo>
+                  <a:lnTo>
+                    <a:pt x="1124" y="3932"/>
+                  </a:lnTo>
+                  <a:lnTo>
+                    <a:pt x="1173" y="3810"/>
+                  </a:lnTo>
+                  <a:lnTo>
+                    <a:pt x="1221" y="3688"/>
+                  </a:lnTo>
+                  <a:lnTo>
+                    <a:pt x="1246" y="3542"/>
+                  </a:lnTo>
+                  <a:lnTo>
+                    <a:pt x="1246" y="3346"/>
+                  </a:lnTo>
+                  <a:lnTo>
+                    <a:pt x="1246" y="3175"/>
+                  </a:lnTo>
+                  <a:lnTo>
+                    <a:pt x="1221" y="3029"/>
+                  </a:lnTo>
+                  <a:lnTo>
+                    <a:pt x="1173" y="2882"/>
+                  </a:lnTo>
+                  <a:lnTo>
+                    <a:pt x="1124" y="2784"/>
+                  </a:lnTo>
+                  <a:lnTo>
+                    <a:pt x="977" y="2565"/>
+                  </a:lnTo>
+                  <a:lnTo>
+                    <a:pt x="831" y="2394"/>
+                  </a:lnTo>
+                  <a:lnTo>
+                    <a:pt x="733" y="2272"/>
+                  </a:lnTo>
+                  <a:lnTo>
+                    <a:pt x="660" y="2149"/>
+                  </a:lnTo>
+                  <a:lnTo>
+                    <a:pt x="586" y="2003"/>
+                  </a:lnTo>
+                  <a:lnTo>
+                    <a:pt x="586" y="1832"/>
+                  </a:lnTo>
+                  <a:lnTo>
+                    <a:pt x="586" y="1637"/>
+                  </a:lnTo>
+                  <a:lnTo>
+                    <a:pt x="660" y="1490"/>
+                  </a:lnTo>
+                  <a:lnTo>
+                    <a:pt x="733" y="1368"/>
+                  </a:lnTo>
+                  <a:lnTo>
+                    <a:pt x="831" y="1246"/>
+                  </a:lnTo>
+                  <a:lnTo>
+                    <a:pt x="977" y="1075"/>
+                  </a:lnTo>
+                  <a:lnTo>
+                    <a:pt x="1124" y="879"/>
+                  </a:lnTo>
+                  <a:lnTo>
+                    <a:pt x="1173" y="757"/>
+                  </a:lnTo>
+                  <a:lnTo>
+                    <a:pt x="1221" y="611"/>
+                  </a:lnTo>
+                  <a:lnTo>
+                    <a:pt x="1246" y="464"/>
+                  </a:lnTo>
+                  <a:lnTo>
+                    <a:pt x="1246" y="293"/>
+                  </a:lnTo>
+                  <a:lnTo>
+                    <a:pt x="1221" y="171"/>
+                  </a:lnTo>
+                  <a:lnTo>
+                    <a:pt x="1173" y="98"/>
+                  </a:lnTo>
+                  <a:lnTo>
+                    <a:pt x="1075" y="25"/>
+                  </a:lnTo>
+                  <a:lnTo>
+                    <a:pt x="977" y="0"/>
+                  </a:lnTo>
+                  <a:close/>
+                </a:path>
+              </a:pathLst>
+            </a:custGeom>
+            <a:solidFill>
+              <a:srgbClr val="FFB600"/>
+            </a:solidFill>
+            <a:ln>
+              <a:noFill/>
+            </a:ln>
+          </p:spPr>
+          <p:txBody>
+            <a:bodyPr spcFirstLastPara="1" wrap="square" lIns="91425" tIns="91425" rIns="91425" bIns="91425" anchor="ctr" anchorCtr="0">
+              <a:noAutofit/>
+            </a:bodyPr>
+            <a:lstStyle/>
+            <a:p>
+              <a:pPr marL="0" lvl="0" indent="0" algn="l" rtl="0">
+                <a:spcBef>
+                  <a:spcPts val="0"/>
+                </a:spcBef>
+                <a:spcAft>
+                  <a:spcPts val="0"/>
+                </a:spcAft>
+                <a:buNone/>
+              </a:pPr>
+              <a:endParaRPr/>
+            </a:p>
+          </p:txBody>
+        </p:sp>
+        <p:sp>
+          <p:nvSpPr>
+            <p:cNvPr id="11" name="Google Shape;627;p38"/>
+            <p:cNvSpPr/>
+            <p:nvPr/>
+          </p:nvSpPr>
+          <p:spPr>
+            <a:xfrm>
+              <a:off x="1495900" y="4999400"/>
+              <a:ext cx="30550" cy="129450"/>
+            </a:xfrm>
+            <a:custGeom>
+              <a:avLst/>
+              <a:gdLst/>
+              <a:ahLst/>
+              <a:cxnLst/>
+              <a:rect l="l" t="t" r="r" b="b"/>
+              <a:pathLst>
+                <a:path w="1222" h="5178" extrusionOk="0">
+                  <a:moveTo>
+                    <a:pt x="953" y="0"/>
+                  </a:moveTo>
+                  <a:lnTo>
+                    <a:pt x="831" y="25"/>
+                  </a:lnTo>
+                  <a:lnTo>
+                    <a:pt x="757" y="98"/>
+                  </a:lnTo>
+                  <a:lnTo>
+                    <a:pt x="684" y="171"/>
+                  </a:lnTo>
+                  <a:lnTo>
+                    <a:pt x="660" y="293"/>
+                  </a:lnTo>
+                  <a:lnTo>
+                    <a:pt x="660" y="464"/>
+                  </a:lnTo>
+                  <a:lnTo>
+                    <a:pt x="586" y="611"/>
+                  </a:lnTo>
+                  <a:lnTo>
+                    <a:pt x="513" y="733"/>
+                  </a:lnTo>
+                  <a:lnTo>
+                    <a:pt x="391" y="879"/>
+                  </a:lnTo>
+                  <a:lnTo>
+                    <a:pt x="269" y="1026"/>
+                  </a:lnTo>
+                  <a:lnTo>
+                    <a:pt x="122" y="1246"/>
+                  </a:lnTo>
+                  <a:lnTo>
+                    <a:pt x="73" y="1368"/>
+                  </a:lnTo>
+                  <a:lnTo>
+                    <a:pt x="25" y="1490"/>
+                  </a:lnTo>
+                  <a:lnTo>
+                    <a:pt x="0" y="1661"/>
+                  </a:lnTo>
+                  <a:lnTo>
+                    <a:pt x="0" y="1832"/>
+                  </a:lnTo>
+                  <a:lnTo>
+                    <a:pt x="0" y="2003"/>
+                  </a:lnTo>
+                  <a:lnTo>
+                    <a:pt x="25" y="2149"/>
+                  </a:lnTo>
+                  <a:lnTo>
+                    <a:pt x="73" y="2296"/>
+                  </a:lnTo>
+                  <a:lnTo>
+                    <a:pt x="122" y="2394"/>
+                  </a:lnTo>
+                  <a:lnTo>
+                    <a:pt x="269" y="2613"/>
+                  </a:lnTo>
+                  <a:lnTo>
+                    <a:pt x="391" y="2784"/>
+                  </a:lnTo>
+                  <a:lnTo>
+                    <a:pt x="513" y="2907"/>
+                  </a:lnTo>
+                  <a:lnTo>
+                    <a:pt x="586" y="3029"/>
+                  </a:lnTo>
+                  <a:lnTo>
+                    <a:pt x="660" y="3175"/>
+                  </a:lnTo>
+                  <a:lnTo>
+                    <a:pt x="660" y="3346"/>
+                  </a:lnTo>
+                  <a:lnTo>
+                    <a:pt x="660" y="3542"/>
+                  </a:lnTo>
+                  <a:lnTo>
+                    <a:pt x="586" y="3688"/>
+                  </a:lnTo>
+                  <a:lnTo>
+                    <a:pt x="513" y="3810"/>
+                  </a:lnTo>
+                  <a:lnTo>
+                    <a:pt x="391" y="3932"/>
+                  </a:lnTo>
+                  <a:lnTo>
+                    <a:pt x="269" y="4103"/>
+                  </a:lnTo>
+                  <a:lnTo>
+                    <a:pt x="122" y="4299"/>
+                  </a:lnTo>
+                  <a:lnTo>
+                    <a:pt x="73" y="4421"/>
+                  </a:lnTo>
+                  <a:lnTo>
+                    <a:pt x="25" y="4567"/>
+                  </a:lnTo>
+                  <a:lnTo>
+                    <a:pt x="0" y="4714"/>
+                  </a:lnTo>
+                  <a:lnTo>
+                    <a:pt x="0" y="4885"/>
+                  </a:lnTo>
+                  <a:lnTo>
+                    <a:pt x="25" y="5007"/>
+                  </a:lnTo>
+                  <a:lnTo>
+                    <a:pt x="73" y="5080"/>
+                  </a:lnTo>
+                  <a:lnTo>
+                    <a:pt x="171" y="5153"/>
+                  </a:lnTo>
+                  <a:lnTo>
+                    <a:pt x="269" y="5178"/>
+                  </a:lnTo>
+                  <a:lnTo>
+                    <a:pt x="391" y="5153"/>
+                  </a:lnTo>
+                  <a:lnTo>
+                    <a:pt x="464" y="5080"/>
+                  </a:lnTo>
+                  <a:lnTo>
+                    <a:pt x="538" y="5007"/>
+                  </a:lnTo>
+                  <a:lnTo>
+                    <a:pt x="562" y="4885"/>
+                  </a:lnTo>
+                  <a:lnTo>
+                    <a:pt x="586" y="4714"/>
+                  </a:lnTo>
+                  <a:lnTo>
+                    <a:pt x="635" y="4567"/>
+                  </a:lnTo>
+                  <a:lnTo>
+                    <a:pt x="708" y="4445"/>
+                  </a:lnTo>
+                  <a:lnTo>
+                    <a:pt x="831" y="4299"/>
+                  </a:lnTo>
+                  <a:lnTo>
+                    <a:pt x="953" y="4152"/>
+                  </a:lnTo>
+                  <a:lnTo>
+                    <a:pt x="1099" y="3932"/>
+                  </a:lnTo>
+                  <a:lnTo>
+                    <a:pt x="1148" y="3810"/>
+                  </a:lnTo>
+                  <a:lnTo>
+                    <a:pt x="1197" y="3688"/>
+                  </a:lnTo>
+                  <a:lnTo>
+                    <a:pt x="1221" y="3542"/>
+                  </a:lnTo>
+                  <a:lnTo>
+                    <a:pt x="1221" y="3346"/>
+                  </a:lnTo>
+                  <a:lnTo>
+                    <a:pt x="1221" y="3175"/>
+                  </a:lnTo>
+                  <a:lnTo>
+                    <a:pt x="1197" y="3029"/>
+                  </a:lnTo>
+                  <a:lnTo>
+                    <a:pt x="1148" y="2882"/>
+                  </a:lnTo>
+                  <a:lnTo>
+                    <a:pt x="1099" y="2784"/>
+                  </a:lnTo>
+                  <a:lnTo>
+                    <a:pt x="953" y="2565"/>
+                  </a:lnTo>
+                  <a:lnTo>
+                    <a:pt x="831" y="2394"/>
+                  </a:lnTo>
+                  <a:lnTo>
+                    <a:pt x="708" y="2272"/>
+                  </a:lnTo>
+                  <a:lnTo>
+                    <a:pt x="635" y="2149"/>
+                  </a:lnTo>
+                  <a:lnTo>
+                    <a:pt x="586" y="2003"/>
+                  </a:lnTo>
+                  <a:lnTo>
+                    <a:pt x="562" y="1832"/>
+                  </a:lnTo>
+                  <a:lnTo>
+                    <a:pt x="586" y="1637"/>
+                  </a:lnTo>
+                  <a:lnTo>
+                    <a:pt x="635" y="1490"/>
+                  </a:lnTo>
+                  <a:lnTo>
+                    <a:pt x="708" y="1368"/>
+                  </a:lnTo>
+                  <a:lnTo>
+                    <a:pt x="831" y="1246"/>
+                  </a:lnTo>
+                  <a:lnTo>
+                    <a:pt x="953" y="1075"/>
+                  </a:lnTo>
+                  <a:lnTo>
+                    <a:pt x="1099" y="879"/>
+                  </a:lnTo>
+                  <a:lnTo>
+                    <a:pt x="1148" y="757"/>
+                  </a:lnTo>
+                  <a:lnTo>
+                    <a:pt x="1197" y="611"/>
+                  </a:lnTo>
+                  <a:lnTo>
+                    <a:pt x="1221" y="464"/>
+                  </a:lnTo>
+                  <a:lnTo>
+                    <a:pt x="1221" y="293"/>
+                  </a:lnTo>
+                  <a:lnTo>
+                    <a:pt x="1221" y="171"/>
+                  </a:lnTo>
+                  <a:lnTo>
+                    <a:pt x="1148" y="98"/>
+                  </a:lnTo>
+                  <a:lnTo>
+                    <a:pt x="1050" y="25"/>
+                  </a:lnTo>
+                  <a:lnTo>
+                    <a:pt x="953" y="0"/>
+                  </a:lnTo>
+                  <a:close/>
+                </a:path>
+              </a:pathLst>
+            </a:custGeom>
+            <a:solidFill>
+              <a:srgbClr val="FFB600"/>
+            </a:solidFill>
+            <a:ln>
+              <a:noFill/>
+            </a:ln>
+          </p:spPr>
+          <p:txBody>
+            <a:bodyPr spcFirstLastPara="1" wrap="square" lIns="91425" tIns="91425" rIns="91425" bIns="91425" anchor="ctr" anchorCtr="0">
+              <a:noAutofit/>
+            </a:bodyPr>
+            <a:lstStyle/>
+            <a:p>
+              <a:pPr marL="0" lvl="0" indent="0" algn="l" rtl="0">
+                <a:spcBef>
+                  <a:spcPts val="0"/>
+                </a:spcBef>
+                <a:spcAft>
+                  <a:spcPts val="0"/>
+                </a:spcAft>
+                <a:buNone/>
+              </a:pPr>
+              <a:endParaRPr/>
+            </a:p>
+          </p:txBody>
+        </p:sp>
+      </p:grpSp>
+      <p:sp>
+        <p:nvSpPr>
+          <p:cNvPr id="12" name="TextBox 11"/>
+          <p:cNvSpPr txBox="1"/>
+          <p:nvPr/>
+        </p:nvSpPr>
+        <p:spPr>
+          <a:xfrm>
             <a:off x="990600" y="616375"/>
             <a:ext cx="5105400" cy="461665"/>
           </a:xfrm>
@@ -33879,7 +34133,7 @@
 </p:sld>
 </file>
 
-<file path=ppt/slides/slide12.xml><?xml version="1.0" encoding="utf-8"?>
+<file path=ppt/slides/slide13.xml><?xml version="1.0" encoding="utf-8"?>
 <p:sld xmlns:a="http://schemas.openxmlformats.org/drawingml/2006/main" xmlns:r="http://schemas.openxmlformats.org/officeDocument/2006/relationships" xmlns:p="http://schemas.openxmlformats.org/presentationml/2006/main">
   <p:cSld>
     <p:spTree>
@@ -33932,7 +34186,7 @@
             </a:pPr>
             <a:fld id="{00000000-1234-1234-1234-123412341234}" type="slidenum">
               <a:rPr lang="en"/>
-              <a:t>12</a:t>
+              <a:t>13</a:t>
             </a:fld>
             <a:endParaRPr/>
           </a:p>
@@ -34048,7 +34302,7 @@
 </p:sld>
 </file>
 
-<file path=ppt/slides/slide13.xml><?xml version="1.0" encoding="utf-8"?>
+<file path=ppt/slides/slide14.xml><?xml version="1.0" encoding="utf-8"?>
 <p:sld xmlns:a="http://schemas.openxmlformats.org/drawingml/2006/main" xmlns:r="http://schemas.openxmlformats.org/officeDocument/2006/relationships" xmlns:p="http://schemas.openxmlformats.org/presentationml/2006/main">
   <p:cSld>
     <p:spTree>
@@ -34078,7 +34332,7 @@
 </p:sld>
 </file>
 
-<file path=ppt/slides/slide14.xml><?xml version="1.0" encoding="utf-8"?>
+<file path=ppt/slides/slide15.xml><?xml version="1.0" encoding="utf-8"?>
 <p:sld xmlns:a="http://schemas.openxmlformats.org/drawingml/2006/main" xmlns:r="http://schemas.openxmlformats.org/officeDocument/2006/relationships" xmlns:p="http://schemas.openxmlformats.org/presentationml/2006/main">
   <p:cSld>
     <p:spTree>
@@ -34922,7 +35176,7 @@
 </p:sld>
 </file>
 
-<file path=ppt/slides/slide15.xml><?xml version="1.0" encoding="utf-8"?>
+<file path=ppt/slides/slide16.xml><?xml version="1.0" encoding="utf-8"?>
 <p:sld xmlns:a="http://schemas.openxmlformats.org/drawingml/2006/main" xmlns:r="http://schemas.openxmlformats.org/officeDocument/2006/relationships" xmlns:p="http://schemas.openxmlformats.org/presentationml/2006/main">
   <p:cSld>
     <p:spTree>
@@ -36524,6 +36778,160 @@
   <p:cSld>
     <p:spTree>
       <p:nvGrpSpPr>
+        <p:cNvPr id="1" name=""/>
+        <p:cNvGrpSpPr/>
+        <p:nvPr/>
+      </p:nvGrpSpPr>
+      <p:grpSpPr>
+        <a:xfrm>
+          <a:off x="0" y="0"/>
+          <a:ext cx="0" cy="0"/>
+          <a:chOff x="0" y="0"/>
+          <a:chExt cx="0" cy="0"/>
+        </a:xfrm>
+      </p:grpSpPr>
+      <p:sp>
+        <p:nvSpPr>
+          <p:cNvPr id="2" name="Title 1">
+            <a:extLst>
+              <a:ext uri="{FF2B5EF4-FFF2-40B4-BE49-F238E27FC236}">
+                <a16:creationId xmlns:a16="http://schemas.microsoft.com/office/drawing/2014/main" id="{4206C9D2-4FF2-4679-83FB-2B23D1BCC51A}"/>
+              </a:ext>
+            </a:extLst>
+          </p:cNvPr>
+          <p:cNvSpPr>
+            <a:spLocks noGrp="1"/>
+          </p:cNvSpPr>
+          <p:nvPr>
+            <p:ph type="title"/>
+          </p:nvPr>
+        </p:nvSpPr>
+        <p:spPr>
+          <a:xfrm>
+            <a:off x="838200" y="575252"/>
+            <a:ext cx="6866100" cy="857400"/>
+          </a:xfrm>
+        </p:spPr>
+        <p:txBody>
+          <a:bodyPr/>
+          <a:lstStyle/>
+          <a:p>
+            <a:r>
+              <a:rPr lang="en-US"/>
+              <a:t>Biểu đồ Grantt</a:t>
+            </a:r>
+          </a:p>
+        </p:txBody>
+      </p:sp>
+      <p:sp>
+        <p:nvSpPr>
+          <p:cNvPr id="3" name="Text Placeholder 2">
+            <a:extLst>
+              <a:ext uri="{FF2B5EF4-FFF2-40B4-BE49-F238E27FC236}">
+                <a16:creationId xmlns:a16="http://schemas.microsoft.com/office/drawing/2014/main" id="{EB16B2E6-4519-4232-8E36-874392AD1C65}"/>
+              </a:ext>
+            </a:extLst>
+          </p:cNvPr>
+          <p:cNvSpPr>
+            <a:spLocks noGrp="1"/>
+          </p:cNvSpPr>
+          <p:nvPr>
+            <p:ph type="body" idx="1"/>
+          </p:nvPr>
+        </p:nvSpPr>
+        <p:spPr/>
+        <p:txBody>
+          <a:bodyPr/>
+          <a:lstStyle/>
+          <a:p>
+            <a:endParaRPr lang="en-US"/>
+          </a:p>
+        </p:txBody>
+      </p:sp>
+      <p:sp>
+        <p:nvSpPr>
+          <p:cNvPr id="4" name="Slide Number Placeholder 3">
+            <a:extLst>
+              <a:ext uri="{FF2B5EF4-FFF2-40B4-BE49-F238E27FC236}">
+                <a16:creationId xmlns:a16="http://schemas.microsoft.com/office/drawing/2014/main" id="{6E99EF4A-78B1-48CA-AB81-6D78382F1D65}"/>
+              </a:ext>
+            </a:extLst>
+          </p:cNvPr>
+          <p:cNvSpPr>
+            <a:spLocks noGrp="1"/>
+          </p:cNvSpPr>
+          <p:nvPr>
+            <p:ph type="sldNum" idx="12"/>
+          </p:nvPr>
+        </p:nvSpPr>
+        <p:spPr/>
+        <p:txBody>
+          <a:bodyPr/>
+          <a:lstStyle/>
+          <a:p>
+            <a:fld id="{00000000-1234-1234-1234-123412341234}" type="slidenum">
+              <a:rPr lang="en" smtClean="0"/>
+              <a:pPr/>
+              <a:t>3</a:t>
+            </a:fld>
+            <a:endParaRPr lang="en"/>
+          </a:p>
+        </p:txBody>
+      </p:sp>
+      <p:pic>
+        <p:nvPicPr>
+          <p:cNvPr id="6" name="Picture 5">
+            <a:extLst>
+              <a:ext uri="{FF2B5EF4-FFF2-40B4-BE49-F238E27FC236}">
+                <a16:creationId xmlns:a16="http://schemas.microsoft.com/office/drawing/2014/main" id="{E171AFF2-3F73-489C-B3D2-F91EA25621F7}"/>
+              </a:ext>
+            </a:extLst>
+          </p:cNvPr>
+          <p:cNvPicPr>
+            <a:picLocks noChangeAspect="1"/>
+          </p:cNvPicPr>
+          <p:nvPr/>
+        </p:nvPicPr>
+        <p:blipFill>
+          <a:blip r:embed="rId2">
+            <a:extLst>
+              <a:ext uri="{28A0092B-C50C-407E-A947-70E740481C1C}">
+                <a14:useLocalDpi xmlns:a14="http://schemas.microsoft.com/office/drawing/2010/main" val="0"/>
+              </a:ext>
+            </a:extLst>
+          </a:blip>
+          <a:stretch>
+            <a:fillRect/>
+          </a:stretch>
+        </p:blipFill>
+        <p:spPr>
+          <a:xfrm>
+            <a:off x="457200" y="1885951"/>
+            <a:ext cx="7848600" cy="2819399"/>
+          </a:xfrm>
+          <a:prstGeom prst="rect">
+            <a:avLst/>
+          </a:prstGeom>
+        </p:spPr>
+      </p:pic>
+    </p:spTree>
+    <p:extLst>
+      <p:ext uri="{BB962C8B-B14F-4D97-AF65-F5344CB8AC3E}">
+        <p14:creationId xmlns:p14="http://schemas.microsoft.com/office/powerpoint/2010/main" val="169123952"/>
+      </p:ext>
+    </p:extLst>
+  </p:cSld>
+  <p:clrMapOvr>
+    <a:masterClrMapping/>
+  </p:clrMapOvr>
+</p:sld>
+</file>
+
+<file path=ppt/slides/slide4.xml><?xml version="1.0" encoding="utf-8"?>
+<p:sld xmlns:a="http://schemas.openxmlformats.org/drawingml/2006/main" xmlns:r="http://schemas.openxmlformats.org/officeDocument/2006/relationships" xmlns:p="http://schemas.openxmlformats.org/presentationml/2006/main">
+  <p:cSld>
+    <p:spTree>
+      <p:nvGrpSpPr>
         <p:cNvPr id="1" name="Shape 100"/>
         <p:cNvGrpSpPr/>
         <p:nvPr/>
@@ -36565,7 +36973,7 @@
             <a:fld id="{00000000-1234-1234-1234-123412341234}" type="slidenum">
               <a:rPr lang="en"/>
               <a:pPr algn="ctr"/>
-              <a:t>3</a:t>
+              <a:t>4</a:t>
             </a:fld>
             <a:endParaRPr/>
           </a:p>
@@ -36860,7 +37268,7 @@
 </p:sld>
 </file>
 
-<file path=ppt/slides/slide4.xml><?xml version="1.0" encoding="utf-8"?>
+<file path=ppt/slides/slide5.xml><?xml version="1.0" encoding="utf-8"?>
 <p:sld xmlns:a="http://schemas.openxmlformats.org/drawingml/2006/main" xmlns:r="http://schemas.openxmlformats.org/officeDocument/2006/relationships" xmlns:p="http://schemas.openxmlformats.org/presentationml/2006/main">
   <p:cSld>
     <p:spTree>
@@ -36905,7 +37313,7 @@
             <a:fld id="{00000000-1234-1234-1234-123412341234}" type="slidenum">
               <a:rPr lang="en"/>
               <a:pPr/>
-              <a:t>4</a:t>
+              <a:t>5</a:t>
             </a:fld>
             <a:endParaRPr/>
           </a:p>
@@ -38147,7 +38555,7 @@
 </p:sld>
 </file>
 
-<file path=ppt/slides/slide5.xml><?xml version="1.0" encoding="utf-8"?>
+<file path=ppt/slides/slide6.xml><?xml version="1.0" encoding="utf-8"?>
 <p:sld xmlns:a="http://schemas.openxmlformats.org/drawingml/2006/main" xmlns:r="http://schemas.openxmlformats.org/officeDocument/2006/relationships" xmlns:p="http://schemas.openxmlformats.org/presentationml/2006/main">
   <p:cSld>
     <p:spTree>
@@ -38193,7 +38601,7 @@
             <a:fld id="{00000000-1234-1234-1234-123412341234}" type="slidenum">
               <a:rPr lang="en"/>
               <a:pPr algn="ctr"/>
-              <a:t>5</a:t>
+              <a:t>6</a:t>
             </a:fld>
             <a:endParaRPr/>
           </a:p>
@@ -39128,7 +39536,7 @@
 </p:sld>
 </file>
 
-<file path=ppt/slides/slide6.xml><?xml version="1.0" encoding="utf-8"?>
+<file path=ppt/slides/slide7.xml><?xml version="1.0" encoding="utf-8"?>
 <p:sld xmlns:a="http://schemas.openxmlformats.org/drawingml/2006/main" xmlns:r="http://schemas.openxmlformats.org/officeDocument/2006/relationships" xmlns:p="http://schemas.openxmlformats.org/presentationml/2006/main">
   <p:cSld>
     <p:spTree>
@@ -40657,7 +41065,7 @@
 </p:sld>
 </file>
 
-<file path=ppt/slides/slide7.xml><?xml version="1.0" encoding="utf-8"?>
+<file path=ppt/slides/slide8.xml><?xml version="1.0" encoding="utf-8"?>
 <p:sld xmlns:a="http://schemas.openxmlformats.org/drawingml/2006/main" xmlns:r="http://schemas.openxmlformats.org/officeDocument/2006/relationships" xmlns:p="http://schemas.openxmlformats.org/presentationml/2006/main">
   <p:cSld>
     <p:spTree>
@@ -42369,7 +42777,7 @@
 </p:sld>
 </file>
 
-<file path=ppt/slides/slide8.xml><?xml version="1.0" encoding="utf-8"?>
+<file path=ppt/slides/slide9.xml><?xml version="1.0" encoding="utf-8"?>
 <p:sld xmlns:a="http://schemas.openxmlformats.org/drawingml/2006/main" xmlns:r="http://schemas.openxmlformats.org/officeDocument/2006/relationships" xmlns:p="http://schemas.openxmlformats.org/presentationml/2006/main">
   <p:cSld>
     <p:spTree>
@@ -42593,259 +43001,6 @@
         <p:bldAsOne/>
       </p:bldGraphic>
       <p:bldP spid="5" grpId="0"/>
-    </p:bldLst>
-  </p:timing>
-</p:sld>
-</file>
-
-<file path=ppt/slides/slide9.xml><?xml version="1.0" encoding="utf-8"?>
-<p:sld xmlns:a="http://schemas.openxmlformats.org/drawingml/2006/main" xmlns:r="http://schemas.openxmlformats.org/officeDocument/2006/relationships" xmlns:p="http://schemas.openxmlformats.org/presentationml/2006/main">
-  <p:cSld>
-    <p:spTree>
-      <p:nvGrpSpPr>
-        <p:cNvPr id="1" name=""/>
-        <p:cNvGrpSpPr/>
-        <p:nvPr/>
-      </p:nvGrpSpPr>
-      <p:grpSpPr>
-        <a:xfrm>
-          <a:off x="0" y="0"/>
-          <a:ext cx="0" cy="0"/>
-          <a:chOff x="0" y="0"/>
-          <a:chExt cx="0" cy="0"/>
-        </a:xfrm>
-      </p:grpSpPr>
-      <p:sp>
-        <p:nvSpPr>
-          <p:cNvPr id="7" name="Rectangle 6"/>
-          <p:cNvSpPr/>
-          <p:nvPr/>
-        </p:nvSpPr>
-        <p:spPr>
-          <a:xfrm>
-            <a:off x="1219200" y="754036"/>
-            <a:ext cx="3615926" cy="430887"/>
-          </a:xfrm>
-          <a:prstGeom prst="rect">
-            <a:avLst/>
-          </a:prstGeom>
-        </p:spPr>
-        <p:txBody>
-          <a:bodyPr wrap="none">
-            <a:spAutoFit/>
-          </a:bodyPr>
-          <a:lstStyle/>
-          <a:p>
-            <a:r>
-              <a:rPr lang="en-US" sz="2200" dirty="0"/>
-              <a:t>2.1 </a:t>
-            </a:r>
-            <a:r>
-              <a:rPr lang="en-US" sz="2200" dirty="0" err="1"/>
-              <a:t>Sơ</a:t>
-            </a:r>
-            <a:r>
-              <a:rPr lang="en-US" sz="2200" dirty="0"/>
-              <a:t> </a:t>
-            </a:r>
-            <a:r>
-              <a:rPr lang="en-US" sz="2200" dirty="0" err="1"/>
-              <a:t>đồ</a:t>
-            </a:r>
-            <a:r>
-              <a:rPr lang="en-US" sz="2200" dirty="0"/>
-              <a:t> </a:t>
-            </a:r>
-            <a:r>
-              <a:rPr lang="en-US" sz="2200" dirty="0" err="1"/>
-              <a:t>phân</a:t>
-            </a:r>
-            <a:r>
-              <a:rPr lang="en-US" sz="2200" dirty="0"/>
-              <a:t> </a:t>
-            </a:r>
-            <a:r>
-              <a:rPr lang="en-US" sz="2200" dirty="0" err="1"/>
-              <a:t>cấp</a:t>
-            </a:r>
-            <a:r>
-              <a:rPr lang="en-US" sz="2200" dirty="0"/>
-              <a:t> </a:t>
-            </a:r>
-            <a:r>
-              <a:rPr lang="en-US" sz="2200" dirty="0" err="1"/>
-              <a:t>chức</a:t>
-            </a:r>
-            <a:r>
-              <a:rPr lang="en-US" sz="2200" dirty="0"/>
-              <a:t> </a:t>
-            </a:r>
-            <a:r>
-              <a:rPr lang="en-US" sz="2200" dirty="0" err="1"/>
-              <a:t>năng</a:t>
-            </a:r>
-            <a:endParaRPr lang="en-US" sz="2200" dirty="0"/>
-          </a:p>
-        </p:txBody>
-      </p:sp>
-      <p:sp>
-        <p:nvSpPr>
-          <p:cNvPr id="8" name="Rectangle 7"/>
-          <p:cNvSpPr/>
-          <p:nvPr/>
-        </p:nvSpPr>
-        <p:spPr>
-          <a:xfrm>
-            <a:off x="1114942" y="284394"/>
-            <a:ext cx="7391400" cy="461665"/>
-          </a:xfrm>
-          <a:prstGeom prst="rect">
-            <a:avLst/>
-          </a:prstGeom>
-        </p:spPr>
-        <p:txBody>
-          <a:bodyPr wrap="square">
-            <a:spAutoFit/>
-          </a:bodyPr>
-          <a:lstStyle/>
-          <a:p>
-            <a:r>
-              <a:rPr lang="vi-VN" sz="2400" b="1" dirty="0"/>
-              <a:t>2.</a:t>
-            </a:r>
-            <a:r>
-              <a:rPr lang="en-US" sz="2400" b="1" dirty="0"/>
-              <a:t> </a:t>
-            </a:r>
-            <a:r>
-              <a:rPr lang="vi-VN" sz="2400" b="1" dirty="0"/>
-              <a:t>Phân tích quy trình và chức năng</a:t>
-            </a:r>
-            <a:r>
-              <a:rPr lang="en-US" sz="2400" b="1" dirty="0"/>
-              <a:t>.</a:t>
-            </a:r>
-          </a:p>
-        </p:txBody>
-      </p:sp>
-      <p:graphicFrame>
-        <p:nvGraphicFramePr>
-          <p:cNvPr id="9" name="Diagram 8"/>
-          <p:cNvGraphicFramePr/>
-          <p:nvPr>
-            <p:extLst>
-              <p:ext uri="{D42A27DB-BD31-4B8C-83A1-F6EECF244321}">
-                <p14:modId xmlns:p14="http://schemas.microsoft.com/office/powerpoint/2010/main" val="623983571"/>
-              </p:ext>
-            </p:extLst>
-          </p:nvPr>
-        </p:nvGraphicFramePr>
-        <p:xfrm>
-          <a:off x="533400" y="654947"/>
-          <a:ext cx="8077200" cy="4441804"/>
-        </p:xfrm>
-        <a:graphic>
-          <a:graphicData uri="http://schemas.openxmlformats.org/drawingml/2006/diagram">
-            <dgm:relIds xmlns:dgm="http://schemas.openxmlformats.org/drawingml/2006/diagram" xmlns:r="http://schemas.openxmlformats.org/officeDocument/2006/relationships" r:dm="rId2" r:lo="rId3" r:qs="rId4" r:cs="rId5"/>
-          </a:graphicData>
-        </a:graphic>
-      </p:graphicFrame>
-    </p:spTree>
-    <p:extLst>
-      <p:ext uri="{BB962C8B-B14F-4D97-AF65-F5344CB8AC3E}">
-        <p14:creationId xmlns:p14="http://schemas.microsoft.com/office/powerpoint/2010/main" val="2663527285"/>
-      </p:ext>
-    </p:extLst>
-  </p:cSld>
-  <p:clrMapOvr>
-    <a:masterClrMapping/>
-  </p:clrMapOvr>
-  <p:timing>
-    <p:tnLst>
-      <p:par>
-        <p:cTn id="1" dur="indefinite" restart="never" nodeType="tmRoot">
-          <p:childTnLst>
-            <p:seq concurrent="1" nextAc="seek">
-              <p:cTn id="2" dur="indefinite" nodeType="mainSeq">
-                <p:childTnLst>
-                  <p:par>
-                    <p:cTn id="3" fill="hold">
-                      <p:stCondLst>
-                        <p:cond delay="indefinite"/>
-                      </p:stCondLst>
-                      <p:childTnLst>
-                        <p:par>
-                          <p:cTn id="4" fill="hold">
-                            <p:stCondLst>
-                              <p:cond delay="0"/>
-                            </p:stCondLst>
-                            <p:childTnLst>
-                              <p:par>
-                                <p:cTn id="5" presetID="22" presetClass="entr" presetSubtype="1" fill="hold" grpId="0" nodeType="clickEffect">
-                                  <p:stCondLst>
-                                    <p:cond delay="0"/>
-                                  </p:stCondLst>
-                                  <p:childTnLst>
-                                    <p:set>
-                                      <p:cBhvr>
-                                        <p:cTn id="6" dur="1" fill="hold">
-                                          <p:stCondLst>
-                                            <p:cond delay="0"/>
-                                          </p:stCondLst>
-                                        </p:cTn>
-                                        <p:tgtEl>
-                                          <p:spTgt spid="9"/>
-                                        </p:tgtEl>
-                                        <p:attrNameLst>
-                                          <p:attrName>style.visibility</p:attrName>
-                                        </p:attrNameLst>
-                                      </p:cBhvr>
-                                      <p:to>
-                                        <p:strVal val="visible"/>
-                                      </p:to>
-                                    </p:set>
-                                    <p:animEffect transition="in" filter="wipe(up)">
-                                      <p:cBhvr>
-                                        <p:cTn id="7" dur="500"/>
-                                        <p:tgtEl>
-                                          <p:spTgt spid="9"/>
-                                        </p:tgtEl>
-                                      </p:cBhvr>
-                                    </p:animEffect>
-                                  </p:childTnLst>
-                                </p:cTn>
-                              </p:par>
-                            </p:childTnLst>
-                          </p:cTn>
-                        </p:par>
-                      </p:childTnLst>
-                    </p:cTn>
-                  </p:par>
-                </p:childTnLst>
-              </p:cTn>
-              <p:prevCondLst>
-                <p:cond evt="onPrev" delay="0">
-                  <p:tgtEl>
-                    <p:sldTgt/>
-                  </p:tgtEl>
-                </p:cond>
-              </p:prevCondLst>
-              <p:nextCondLst>
-                <p:cond evt="onNext" delay="0">
-                  <p:tgtEl>
-                    <p:sldTgt/>
-                  </p:tgtEl>
-                </p:cond>
-              </p:nextCondLst>
-            </p:seq>
-          </p:childTnLst>
-        </p:cTn>
-      </p:par>
-    </p:tnLst>
-    <p:bldLst>
-      <p:bldGraphic spid="9" grpId="0">
-        <p:bldAsOne/>
-      </p:bldGraphic>
     </p:bldLst>
   </p:timing>
 </p:sld>

--- a/bccnpm2_1.pptx
+++ b/bccnpm2_1.pptx
@@ -126,7 +126,7 @@
   </p:defaultTextStyle>
   <p:extLst>
     <p:ext uri="{EFAFB233-063F-42B5-8137-9DF3F51BA10A}">
-      <p15:sldGuideLst xmlns:p15="http://schemas.microsoft.com/office/powerpoint/2012/main">
+      <p15:sldGuideLst xmlns:p15="http://schemas.microsoft.com/office/powerpoint/2012/main" xmlns="">
         <p15:guide id="1" orient="horz" pos="1620">
           <p15:clr>
             <a:srgbClr val="A4A3A4"/>
@@ -2992,6 +2992,13 @@
         </dgm:presLayoutVars>
       </dgm:prSet>
       <dgm:spPr/>
+      <dgm:t>
+        <a:bodyPr/>
+        <a:lstStyle/>
+        <a:p>
+          <a:endParaRPr lang="en-US"/>
+        </a:p>
+      </dgm:t>
     </dgm:pt>
     <dgm:pt modelId="{E717CFFF-2EBE-43E6-9612-CD7CAB48D8E6}" type="pres">
       <dgm:prSet presAssocID="{1D32DFE3-9A16-4A0F-85D1-34A794D7A500}" presName="hierRoot1" presStyleCnt="0"/>
@@ -3012,6 +3019,13 @@
         </dgm:presLayoutVars>
       </dgm:prSet>
       <dgm:spPr/>
+      <dgm:t>
+        <a:bodyPr/>
+        <a:lstStyle/>
+        <a:p>
+          <a:endParaRPr lang="en-US"/>
+        </a:p>
+      </dgm:t>
     </dgm:pt>
     <dgm:pt modelId="{04CFBF51-E7CF-4155-A2F9-E99258C3954C}" type="pres">
       <dgm:prSet presAssocID="{1D32DFE3-9A16-4A0F-85D1-34A794D7A500}" presName="hierChild2" presStyleCnt="0"/>
@@ -3020,6 +3034,13 @@
     <dgm:pt modelId="{F89F6CE0-1ECE-4CE3-9B65-B4E7F9708D82}" type="pres">
       <dgm:prSet presAssocID="{7329B386-B35F-4CFB-906C-61C1599AD121}" presName="Name10" presStyleLbl="parChTrans1D2" presStyleIdx="0" presStyleCnt="2"/>
       <dgm:spPr/>
+      <dgm:t>
+        <a:bodyPr/>
+        <a:lstStyle/>
+        <a:p>
+          <a:endParaRPr lang="en-US"/>
+        </a:p>
+      </dgm:t>
     </dgm:pt>
     <dgm:pt modelId="{47327BE9-19D3-4468-8435-7A2D9307470C}" type="pres">
       <dgm:prSet presAssocID="{95796C9F-B4F8-4672-9989-922379664523}" presName="hierRoot2" presStyleCnt="0"/>
@@ -3040,6 +3061,13 @@
         </dgm:presLayoutVars>
       </dgm:prSet>
       <dgm:spPr/>
+      <dgm:t>
+        <a:bodyPr/>
+        <a:lstStyle/>
+        <a:p>
+          <a:endParaRPr lang="en-US"/>
+        </a:p>
+      </dgm:t>
     </dgm:pt>
     <dgm:pt modelId="{7FECC80A-9C2F-4121-961D-549A02C0C804}" type="pres">
       <dgm:prSet presAssocID="{95796C9F-B4F8-4672-9989-922379664523}" presName="hierChild3" presStyleCnt="0"/>
@@ -3048,6 +3076,13 @@
     <dgm:pt modelId="{96769A0B-EE7E-46FC-9E96-7ECD5333085B}" type="pres">
       <dgm:prSet presAssocID="{57DD8661-501E-4AF4-BB47-9F9067AA275C}" presName="Name10" presStyleLbl="parChTrans1D2" presStyleIdx="1" presStyleCnt="2"/>
       <dgm:spPr/>
+      <dgm:t>
+        <a:bodyPr/>
+        <a:lstStyle/>
+        <a:p>
+          <a:endParaRPr lang="en-US"/>
+        </a:p>
+      </dgm:t>
     </dgm:pt>
     <dgm:pt modelId="{170AB8BB-F04B-468C-A8BF-A7312C73701C}" type="pres">
       <dgm:prSet presAssocID="{00737D0B-5E6B-4F45-9898-38209F00DF4E}" presName="hierRoot2" presStyleCnt="0"/>
@@ -3068,6 +3103,13 @@
         </dgm:presLayoutVars>
       </dgm:prSet>
       <dgm:spPr/>
+      <dgm:t>
+        <a:bodyPr/>
+        <a:lstStyle/>
+        <a:p>
+          <a:endParaRPr lang="en-US"/>
+        </a:p>
+      </dgm:t>
     </dgm:pt>
     <dgm:pt modelId="{130A42D1-0CEF-441F-B699-2E4190F54B9C}" type="pres">
       <dgm:prSet presAssocID="{00737D0B-5E6B-4F45-9898-38209F00DF4E}" presName="hierChild3" presStyleCnt="0"/>
@@ -3076,6 +3118,13 @@
     <dgm:pt modelId="{5EE0B7C9-250F-4DF4-9C76-5054339A9A68}" type="pres">
       <dgm:prSet presAssocID="{1B7F4B63-74FA-4101-AEC3-AEA87AEB8991}" presName="Name17" presStyleLbl="parChTrans1D3" presStyleIdx="0" presStyleCnt="5"/>
       <dgm:spPr/>
+      <dgm:t>
+        <a:bodyPr/>
+        <a:lstStyle/>
+        <a:p>
+          <a:endParaRPr lang="en-US"/>
+        </a:p>
+      </dgm:t>
     </dgm:pt>
     <dgm:pt modelId="{0E9AB160-6826-46AC-992D-9EBB41F08661}" type="pres">
       <dgm:prSet presAssocID="{1719B7AB-FB45-4244-83ED-89A4C4E485C0}" presName="hierRoot3" presStyleCnt="0"/>
@@ -3096,6 +3145,13 @@
         </dgm:presLayoutVars>
       </dgm:prSet>
       <dgm:spPr/>
+      <dgm:t>
+        <a:bodyPr/>
+        <a:lstStyle/>
+        <a:p>
+          <a:endParaRPr lang="en-US"/>
+        </a:p>
+      </dgm:t>
     </dgm:pt>
     <dgm:pt modelId="{07A8AB25-36DA-4359-8E58-7BE6CE916120}" type="pres">
       <dgm:prSet presAssocID="{1719B7AB-FB45-4244-83ED-89A4C4E485C0}" presName="hierChild4" presStyleCnt="0"/>
@@ -3104,6 +3160,13 @@
     <dgm:pt modelId="{4B37ACDE-F13A-4804-84C6-6D5CDC08CE43}" type="pres">
       <dgm:prSet presAssocID="{713201F2-AD4D-4BD9-9658-5F6C68C88887}" presName="Name17" presStyleLbl="parChTrans1D3" presStyleIdx="1" presStyleCnt="5"/>
       <dgm:spPr/>
+      <dgm:t>
+        <a:bodyPr/>
+        <a:lstStyle/>
+        <a:p>
+          <a:endParaRPr lang="en-US"/>
+        </a:p>
+      </dgm:t>
     </dgm:pt>
     <dgm:pt modelId="{0A1BB359-9FE3-41CF-A905-004A3E6E9F30}" type="pres">
       <dgm:prSet presAssocID="{5E09DA6C-F056-41AE-B88D-7705FA04A593}" presName="hierRoot3" presStyleCnt="0"/>
@@ -3124,6 +3187,13 @@
         </dgm:presLayoutVars>
       </dgm:prSet>
       <dgm:spPr/>
+      <dgm:t>
+        <a:bodyPr/>
+        <a:lstStyle/>
+        <a:p>
+          <a:endParaRPr lang="en-US"/>
+        </a:p>
+      </dgm:t>
     </dgm:pt>
     <dgm:pt modelId="{782BF2C6-784B-4714-9E89-D5FE4ADAA802}" type="pres">
       <dgm:prSet presAssocID="{5E09DA6C-F056-41AE-B88D-7705FA04A593}" presName="hierChild4" presStyleCnt="0"/>
@@ -3132,6 +3202,13 @@
     <dgm:pt modelId="{09AA0362-79FE-4101-999A-113370CAE729}" type="pres">
       <dgm:prSet presAssocID="{DD3B0936-C10F-4987-8BA4-0CF4B2533118}" presName="Name17" presStyleLbl="parChTrans1D3" presStyleIdx="2" presStyleCnt="5"/>
       <dgm:spPr/>
+      <dgm:t>
+        <a:bodyPr/>
+        <a:lstStyle/>
+        <a:p>
+          <a:endParaRPr lang="en-US"/>
+        </a:p>
+      </dgm:t>
     </dgm:pt>
     <dgm:pt modelId="{2EC2F640-FB06-4727-AE6B-DFC8BB39C7CB}" type="pres">
       <dgm:prSet presAssocID="{23E8CC71-4892-4CC5-9EF5-ED4A40E6D11A}" presName="hierRoot3" presStyleCnt="0"/>
@@ -3152,6 +3229,13 @@
         </dgm:presLayoutVars>
       </dgm:prSet>
       <dgm:spPr/>
+      <dgm:t>
+        <a:bodyPr/>
+        <a:lstStyle/>
+        <a:p>
+          <a:endParaRPr lang="en-US"/>
+        </a:p>
+      </dgm:t>
     </dgm:pt>
     <dgm:pt modelId="{D009A0AD-7886-4206-97E7-52D219348AB6}" type="pres">
       <dgm:prSet presAssocID="{23E8CC71-4892-4CC5-9EF5-ED4A40E6D11A}" presName="hierChild4" presStyleCnt="0"/>
@@ -3160,6 +3244,13 @@
     <dgm:pt modelId="{947C25EC-5A4C-4DC2-9A72-EE19FB63D411}" type="pres">
       <dgm:prSet presAssocID="{E5A7026C-E0E5-4FA1-8BE7-F17940E92153}" presName="Name17" presStyleLbl="parChTrans1D3" presStyleIdx="3" presStyleCnt="5"/>
       <dgm:spPr/>
+      <dgm:t>
+        <a:bodyPr/>
+        <a:lstStyle/>
+        <a:p>
+          <a:endParaRPr lang="en-US"/>
+        </a:p>
+      </dgm:t>
     </dgm:pt>
     <dgm:pt modelId="{35486A9A-823E-44B5-B6AC-00EACCF25ACF}" type="pres">
       <dgm:prSet presAssocID="{1ED487F3-1BF5-4101-8C3A-850803A6CC64}" presName="hierRoot3" presStyleCnt="0"/>
@@ -3180,6 +3271,13 @@
         </dgm:presLayoutVars>
       </dgm:prSet>
       <dgm:spPr/>
+      <dgm:t>
+        <a:bodyPr/>
+        <a:lstStyle/>
+        <a:p>
+          <a:endParaRPr lang="en-US"/>
+        </a:p>
+      </dgm:t>
     </dgm:pt>
     <dgm:pt modelId="{1D15EEAA-705C-485F-B1EC-5B412A697467}" type="pres">
       <dgm:prSet presAssocID="{1ED487F3-1BF5-4101-8C3A-850803A6CC64}" presName="hierChild4" presStyleCnt="0"/>
@@ -3188,6 +3286,13 @@
     <dgm:pt modelId="{6B19997B-5D88-4871-818C-4FA4F0E4CC6E}" type="pres">
       <dgm:prSet presAssocID="{C25DE688-AD36-4DBD-8833-FF287120B912}" presName="Name17" presStyleLbl="parChTrans1D3" presStyleIdx="4" presStyleCnt="5"/>
       <dgm:spPr/>
+      <dgm:t>
+        <a:bodyPr/>
+        <a:lstStyle/>
+        <a:p>
+          <a:endParaRPr lang="en-US"/>
+        </a:p>
+      </dgm:t>
     </dgm:pt>
     <dgm:pt modelId="{49424C2F-39B5-478B-A2F1-79151D35F429}" type="pres">
       <dgm:prSet presAssocID="{44371AE1-CC91-4B6B-8118-5A4F9921A92E}" presName="hierRoot3" presStyleCnt="0"/>
@@ -3208,6 +3313,13 @@
         </dgm:presLayoutVars>
       </dgm:prSet>
       <dgm:spPr/>
+      <dgm:t>
+        <a:bodyPr/>
+        <a:lstStyle/>
+        <a:p>
+          <a:endParaRPr lang="en-US"/>
+        </a:p>
+      </dgm:t>
     </dgm:pt>
     <dgm:pt modelId="{05BD4309-D72F-46E1-8172-9A13CEA8FFC6}" type="pres">
       <dgm:prSet presAssocID="{44371AE1-CC91-4B6B-8118-5A4F9921A92E}" presName="hierChild4" presStyleCnt="0"/>
@@ -3215,30 +3327,30 @@
     </dgm:pt>
   </dgm:ptLst>
   <dgm:cxnLst>
-    <dgm:cxn modelId="{F534B900-E9B7-4C75-8A36-51E4A85CE269}" type="presOf" srcId="{1D32DFE3-9A16-4A0F-85D1-34A794D7A500}" destId="{8F0CCF51-3EB9-4C9D-98C6-B1F49B7EFCB6}" srcOrd="0" destOrd="0" presId="urn:microsoft.com/office/officeart/2005/8/layout/hierarchy1"/>
-    <dgm:cxn modelId="{3C544906-8360-4A49-9FEE-FAE7171B354E}" type="presOf" srcId="{95796C9F-B4F8-4672-9989-922379664523}" destId="{79B06C8B-73E5-4EC3-826F-2FD31046C912}" srcOrd="0" destOrd="0" presId="urn:microsoft.com/office/officeart/2005/8/layout/hierarchy1"/>
-    <dgm:cxn modelId="{24A01508-D618-4FEC-825E-76AC8A05542B}" type="presOf" srcId="{1ED487F3-1BF5-4101-8C3A-850803A6CC64}" destId="{5DB09422-5B0B-441A-8059-6F05B670EB4A}" srcOrd="0" destOrd="0" presId="urn:microsoft.com/office/officeart/2005/8/layout/hierarchy1"/>
+    <dgm:cxn modelId="{9AFFA6F7-578F-4BEA-BE72-E515FDC304B4}" srcId="{00737D0B-5E6B-4F45-9898-38209F00DF4E}" destId="{1ED487F3-1BF5-4101-8C3A-850803A6CC64}" srcOrd="3" destOrd="0" parTransId="{E5A7026C-E0E5-4FA1-8BE7-F17940E92153}" sibTransId="{28A76F82-B578-4E3C-AC3E-3844EEB53A6C}"/>
+    <dgm:cxn modelId="{ACAE38E6-8316-49FC-92DA-0D42016CB504}" srcId="{00737D0B-5E6B-4F45-9898-38209F00DF4E}" destId="{1719B7AB-FB45-4244-83ED-89A4C4E485C0}" srcOrd="0" destOrd="0" parTransId="{1B7F4B63-74FA-4101-AEC3-AEA87AEB8991}" sibTransId="{5AC50164-8264-4368-9B18-2710558DF91F}"/>
+    <dgm:cxn modelId="{0168CD83-4013-4354-8E08-E5ED1456CC99}" srcId="{00737D0B-5E6B-4F45-9898-38209F00DF4E}" destId="{44371AE1-CC91-4B6B-8118-5A4F9921A92E}" srcOrd="4" destOrd="0" parTransId="{C25DE688-AD36-4DBD-8833-FF287120B912}" sibTransId="{F5ED702F-4BDE-442B-9FE6-0160386E15D7}"/>
+    <dgm:cxn modelId="{A97ED556-352D-47BA-904B-79EF46617752}" srcId="{00737D0B-5E6B-4F45-9898-38209F00DF4E}" destId="{5E09DA6C-F056-41AE-B88D-7705FA04A593}" srcOrd="1" destOrd="0" parTransId="{713201F2-AD4D-4BD9-9658-5F6C68C88887}" sibTransId="{BFC3633B-E524-4A48-8A25-0DDA9DE7AD0A}"/>
     <dgm:cxn modelId="{95D4CA10-AD03-4233-BBBE-A3086A7DCD85}" type="presOf" srcId="{C25DE688-AD36-4DBD-8833-FF287120B912}" destId="{6B19997B-5D88-4871-818C-4FA4F0E4CC6E}" srcOrd="0" destOrd="0" presId="urn:microsoft.com/office/officeart/2005/8/layout/hierarchy1"/>
-    <dgm:cxn modelId="{5122DA16-5940-4FB1-BCFF-7D07B7A598B7}" srcId="{00737D0B-5E6B-4F45-9898-38209F00DF4E}" destId="{23E8CC71-4892-4CC5-9EF5-ED4A40E6D11A}" srcOrd="2" destOrd="0" parTransId="{DD3B0936-C10F-4987-8BA4-0CF4B2533118}" sibTransId="{8F9C6236-F81F-47C7-8331-7FBF5056229C}"/>
-    <dgm:cxn modelId="{BEAC1829-3507-4019-97FC-D26A24B5F0A9}" type="presOf" srcId="{1B7F4B63-74FA-4101-AEC3-AEA87AEB8991}" destId="{5EE0B7C9-250F-4DF4-9C76-5054339A9A68}" srcOrd="0" destOrd="0" presId="urn:microsoft.com/office/officeart/2005/8/layout/hierarchy1"/>
     <dgm:cxn modelId="{EB94143D-BD87-442C-A6E3-54AF88F649C1}" type="presOf" srcId="{7329B386-B35F-4CFB-906C-61C1599AD121}" destId="{F89F6CE0-1ECE-4CE3-9B65-B4E7F9708D82}" srcOrd="0" destOrd="0" presId="urn:microsoft.com/office/officeart/2005/8/layout/hierarchy1"/>
-    <dgm:cxn modelId="{2E169C3D-9EC5-4A59-9BCB-B073724B8718}" type="presOf" srcId="{713201F2-AD4D-4BD9-9658-5F6C68C88887}" destId="{4B37ACDE-F13A-4804-84C6-6D5CDC08CE43}" srcOrd="0" destOrd="0" presId="urn:microsoft.com/office/officeart/2005/8/layout/hierarchy1"/>
-    <dgm:cxn modelId="{7B16F742-1919-4F6B-9680-B5B8ADF49C02}" type="presOf" srcId="{1719B7AB-FB45-4244-83ED-89A4C4E485C0}" destId="{B4242F71-E919-4987-AB01-03070C025E2C}" srcOrd="0" destOrd="0" presId="urn:microsoft.com/office/officeart/2005/8/layout/hierarchy1"/>
-    <dgm:cxn modelId="{859E0C69-30D1-4E94-9A84-5D9884F22C76}" type="presOf" srcId="{00737D0B-5E6B-4F45-9898-38209F00DF4E}" destId="{7FD02768-2C65-47D4-ACCE-F438DC71BA50}" srcOrd="0" destOrd="0" presId="urn:microsoft.com/office/officeart/2005/8/layout/hierarchy1"/>
-    <dgm:cxn modelId="{A7483C4D-17D8-44A8-9984-D47B40B18219}" srcId="{61A41450-09B4-42D5-BCE4-C292A4B09CD1}" destId="{1D32DFE3-9A16-4A0F-85D1-34A794D7A500}" srcOrd="0" destOrd="0" parTransId="{2C37E51B-1EDB-46B9-BEB9-8037E1452658}" sibTransId="{4A705E68-BEF8-4A8B-887C-016E3D430E9B}"/>
-    <dgm:cxn modelId="{A97ED556-352D-47BA-904B-79EF46617752}" srcId="{00737D0B-5E6B-4F45-9898-38209F00DF4E}" destId="{5E09DA6C-F056-41AE-B88D-7705FA04A593}" srcOrd="1" destOrd="0" parTransId="{713201F2-AD4D-4BD9-9658-5F6C68C88887}" sibTransId="{BFC3633B-E524-4A48-8A25-0DDA9DE7AD0A}"/>
-    <dgm:cxn modelId="{0168CD83-4013-4354-8E08-E5ED1456CC99}" srcId="{00737D0B-5E6B-4F45-9898-38209F00DF4E}" destId="{44371AE1-CC91-4B6B-8118-5A4F9921A92E}" srcOrd="4" destOrd="0" parTransId="{C25DE688-AD36-4DBD-8833-FF287120B912}" sibTransId="{F5ED702F-4BDE-442B-9FE6-0160386E15D7}"/>
-    <dgm:cxn modelId="{887D7496-0D25-4A48-B0A9-30014A5C06E8}" type="presOf" srcId="{5E09DA6C-F056-41AE-B88D-7705FA04A593}" destId="{7AED5F97-B4F8-444D-8534-EB45BC10D98C}" srcOrd="0" destOrd="0" presId="urn:microsoft.com/office/officeart/2005/8/layout/hierarchy1"/>
     <dgm:cxn modelId="{BC0BCD9E-1E34-4293-BB12-B71364E9FB2D}" srcId="{1D32DFE3-9A16-4A0F-85D1-34A794D7A500}" destId="{00737D0B-5E6B-4F45-9898-38209F00DF4E}" srcOrd="1" destOrd="0" parTransId="{57DD8661-501E-4AF4-BB47-9F9067AA275C}" sibTransId="{7A188BE7-FF80-45F8-A108-5BB8C262A269}"/>
-    <dgm:cxn modelId="{295932A0-6C3A-4A4A-BE3D-3DC452DE8D46}" type="presOf" srcId="{44371AE1-CC91-4B6B-8118-5A4F9921A92E}" destId="{A7233822-B3DE-4C99-9668-C004828A308B}" srcOrd="0" destOrd="0" presId="urn:microsoft.com/office/officeart/2005/8/layout/hierarchy1"/>
-    <dgm:cxn modelId="{184572AD-0261-40B5-B090-0579DBF40A48}" type="presOf" srcId="{61A41450-09B4-42D5-BCE4-C292A4B09CD1}" destId="{93FB690B-B7A6-464F-BC71-F11E08D068B7}" srcOrd="0" destOrd="0" presId="urn:microsoft.com/office/officeart/2005/8/layout/hierarchy1"/>
     <dgm:cxn modelId="{2BF1C1B0-2CA3-458A-86B8-37A12DD1AD32}" srcId="{1D32DFE3-9A16-4A0F-85D1-34A794D7A500}" destId="{95796C9F-B4F8-4672-9989-922379664523}" srcOrd="0" destOrd="0" parTransId="{7329B386-B35F-4CFB-906C-61C1599AD121}" sibTransId="{74C214D7-5627-43D7-906C-5FD29F74DDB3}"/>
     <dgm:cxn modelId="{6B34DAB9-5B4F-43A1-9A0F-65CDC80A9717}" type="presOf" srcId="{23E8CC71-4892-4CC5-9EF5-ED4A40E6D11A}" destId="{AA339BD4-580C-4F49-8C53-0088F278E9AF}" srcOrd="0" destOrd="0" presId="urn:microsoft.com/office/officeart/2005/8/layout/hierarchy1"/>
+    <dgm:cxn modelId="{295932A0-6C3A-4A4A-BE3D-3DC452DE8D46}" type="presOf" srcId="{44371AE1-CC91-4B6B-8118-5A4F9921A92E}" destId="{A7233822-B3DE-4C99-9668-C004828A308B}" srcOrd="0" destOrd="0" presId="urn:microsoft.com/office/officeart/2005/8/layout/hierarchy1"/>
+    <dgm:cxn modelId="{BEAC1829-3507-4019-97FC-D26A24B5F0A9}" type="presOf" srcId="{1B7F4B63-74FA-4101-AEC3-AEA87AEB8991}" destId="{5EE0B7C9-250F-4DF4-9C76-5054339A9A68}" srcOrd="0" destOrd="0" presId="urn:microsoft.com/office/officeart/2005/8/layout/hierarchy1"/>
+    <dgm:cxn modelId="{859E0C69-30D1-4E94-9A84-5D9884F22C76}" type="presOf" srcId="{00737D0B-5E6B-4F45-9898-38209F00DF4E}" destId="{7FD02768-2C65-47D4-ACCE-F438DC71BA50}" srcOrd="0" destOrd="0" presId="urn:microsoft.com/office/officeart/2005/8/layout/hierarchy1"/>
+    <dgm:cxn modelId="{184572AD-0261-40B5-B090-0579DBF40A48}" type="presOf" srcId="{61A41450-09B4-42D5-BCE4-C292A4B09CD1}" destId="{93FB690B-B7A6-464F-BC71-F11E08D068B7}" srcOrd="0" destOrd="0" presId="urn:microsoft.com/office/officeart/2005/8/layout/hierarchy1"/>
+    <dgm:cxn modelId="{2E169C3D-9EC5-4A59-9BCB-B073724B8718}" type="presOf" srcId="{713201F2-AD4D-4BD9-9658-5F6C68C88887}" destId="{4B37ACDE-F13A-4804-84C6-6D5CDC08CE43}" srcOrd="0" destOrd="0" presId="urn:microsoft.com/office/officeart/2005/8/layout/hierarchy1"/>
+    <dgm:cxn modelId="{F534B900-E9B7-4C75-8A36-51E4A85CE269}" type="presOf" srcId="{1D32DFE3-9A16-4A0F-85D1-34A794D7A500}" destId="{8F0CCF51-3EB9-4C9D-98C6-B1F49B7EFCB6}" srcOrd="0" destOrd="0" presId="urn:microsoft.com/office/officeart/2005/8/layout/hierarchy1"/>
+    <dgm:cxn modelId="{5122DA16-5940-4FB1-BCFF-7D07B7A598B7}" srcId="{00737D0B-5E6B-4F45-9898-38209F00DF4E}" destId="{23E8CC71-4892-4CC5-9EF5-ED4A40E6D11A}" srcOrd="2" destOrd="0" parTransId="{DD3B0936-C10F-4987-8BA4-0CF4B2533118}" sibTransId="{8F9C6236-F81F-47C7-8331-7FBF5056229C}"/>
     <dgm:cxn modelId="{6B32CBC2-F6E1-4335-8877-7281AB2FE6AF}" type="presOf" srcId="{E5A7026C-E0E5-4FA1-8BE7-F17940E92153}" destId="{947C25EC-5A4C-4DC2-9A72-EE19FB63D411}" srcOrd="0" destOrd="0" presId="urn:microsoft.com/office/officeart/2005/8/layout/hierarchy1"/>
     <dgm:cxn modelId="{806C6EC6-AE08-44A1-AB97-7DAFF2C3F5E5}" type="presOf" srcId="{DD3B0936-C10F-4987-8BA4-0CF4B2533118}" destId="{09AA0362-79FE-4101-999A-113370CAE729}" srcOrd="0" destOrd="0" presId="urn:microsoft.com/office/officeart/2005/8/layout/hierarchy1"/>
-    <dgm:cxn modelId="{ACAE38E6-8316-49FC-92DA-0D42016CB504}" srcId="{00737D0B-5E6B-4F45-9898-38209F00DF4E}" destId="{1719B7AB-FB45-4244-83ED-89A4C4E485C0}" srcOrd="0" destOrd="0" parTransId="{1B7F4B63-74FA-4101-AEC3-AEA87AEB8991}" sibTransId="{5AC50164-8264-4368-9B18-2710558DF91F}"/>
+    <dgm:cxn modelId="{A7483C4D-17D8-44A8-9984-D47B40B18219}" srcId="{61A41450-09B4-42D5-BCE4-C292A4B09CD1}" destId="{1D32DFE3-9A16-4A0F-85D1-34A794D7A500}" srcOrd="0" destOrd="0" parTransId="{2C37E51B-1EDB-46B9-BEB9-8037E1452658}" sibTransId="{4A705E68-BEF8-4A8B-887C-016E3D430E9B}"/>
+    <dgm:cxn modelId="{3C544906-8360-4A49-9FEE-FAE7171B354E}" type="presOf" srcId="{95796C9F-B4F8-4672-9989-922379664523}" destId="{79B06C8B-73E5-4EC3-826F-2FD31046C912}" srcOrd="0" destOrd="0" presId="urn:microsoft.com/office/officeart/2005/8/layout/hierarchy1"/>
+    <dgm:cxn modelId="{887D7496-0D25-4A48-B0A9-30014A5C06E8}" type="presOf" srcId="{5E09DA6C-F056-41AE-B88D-7705FA04A593}" destId="{7AED5F97-B4F8-444D-8534-EB45BC10D98C}" srcOrd="0" destOrd="0" presId="urn:microsoft.com/office/officeart/2005/8/layout/hierarchy1"/>
+    <dgm:cxn modelId="{24A01508-D618-4FEC-825E-76AC8A05542B}" type="presOf" srcId="{1ED487F3-1BF5-4101-8C3A-850803A6CC64}" destId="{5DB09422-5B0B-441A-8059-6F05B670EB4A}" srcOrd="0" destOrd="0" presId="urn:microsoft.com/office/officeart/2005/8/layout/hierarchy1"/>
+    <dgm:cxn modelId="{7B16F742-1919-4F6B-9680-B5B8ADF49C02}" type="presOf" srcId="{1719B7AB-FB45-4244-83ED-89A4C4E485C0}" destId="{B4242F71-E919-4987-AB01-03070C025E2C}" srcOrd="0" destOrd="0" presId="urn:microsoft.com/office/officeart/2005/8/layout/hierarchy1"/>
     <dgm:cxn modelId="{6D5CF1E8-C57A-4D15-9C73-759033D1353A}" type="presOf" srcId="{57DD8661-501E-4AF4-BB47-9F9067AA275C}" destId="{96769A0B-EE7E-46FC-9E96-7ECD5333085B}" srcOrd="0" destOrd="0" presId="urn:microsoft.com/office/officeart/2005/8/layout/hierarchy1"/>
-    <dgm:cxn modelId="{9AFFA6F7-578F-4BEA-BE72-E515FDC304B4}" srcId="{00737D0B-5E6B-4F45-9898-38209F00DF4E}" destId="{1ED487F3-1BF5-4101-8C3A-850803A6CC64}" srcOrd="3" destOrd="0" parTransId="{E5A7026C-E0E5-4FA1-8BE7-F17940E92153}" sibTransId="{28A76F82-B578-4E3C-AC3E-3844EEB53A6C}"/>
     <dgm:cxn modelId="{D56B6A80-6A4E-4E43-AC3B-037DBCDD17D0}" type="presParOf" srcId="{93FB690B-B7A6-464F-BC71-F11E08D068B7}" destId="{E717CFFF-2EBE-43E6-9612-CD7CAB48D8E6}" srcOrd="0" destOrd="0" presId="urn:microsoft.com/office/officeart/2005/8/layout/hierarchy1"/>
     <dgm:cxn modelId="{7FDE080B-7801-4741-A72A-2008794817EA}" type="presParOf" srcId="{E717CFFF-2EBE-43E6-9612-CD7CAB48D8E6}" destId="{D00248EB-71C7-41C7-B83C-B5B84038F1D1}" srcOrd="0" destOrd="0" presId="urn:microsoft.com/office/officeart/2005/8/layout/hierarchy1"/>
     <dgm:cxn modelId="{34930EAD-F1FE-490D-9285-DDADA85D518E}" type="presParOf" srcId="{D00248EB-71C7-41C7-B83C-B5B84038F1D1}" destId="{F4234D91-5143-4B63-BED7-3C1D70518372}" srcOrd="0" destOrd="0" presId="urn:microsoft.com/office/officeart/2005/8/layout/hierarchy1"/>
@@ -4059,6 +4171,13 @@
         </dgm:presLayoutVars>
       </dgm:prSet>
       <dgm:spPr/>
+      <dgm:t>
+        <a:bodyPr/>
+        <a:lstStyle/>
+        <a:p>
+          <a:endParaRPr lang="en-US"/>
+        </a:p>
+      </dgm:t>
     </dgm:pt>
     <dgm:pt modelId="{E717CFFF-2EBE-43E6-9612-CD7CAB48D8E6}" type="pres">
       <dgm:prSet presAssocID="{1D32DFE3-9A16-4A0F-85D1-34A794D7A500}" presName="hierRoot1" presStyleCnt="0"/>
@@ -4079,6 +4198,13 @@
         </dgm:presLayoutVars>
       </dgm:prSet>
       <dgm:spPr/>
+      <dgm:t>
+        <a:bodyPr/>
+        <a:lstStyle/>
+        <a:p>
+          <a:endParaRPr lang="en-US"/>
+        </a:p>
+      </dgm:t>
     </dgm:pt>
     <dgm:pt modelId="{04CFBF51-E7CF-4155-A2F9-E99258C3954C}" type="pres">
       <dgm:prSet presAssocID="{1D32DFE3-9A16-4A0F-85D1-34A794D7A500}" presName="hierChild2" presStyleCnt="0"/>
@@ -4087,6 +4213,13 @@
     <dgm:pt modelId="{F89F6CE0-1ECE-4CE3-9B65-B4E7F9708D82}" type="pres">
       <dgm:prSet presAssocID="{7329B386-B35F-4CFB-906C-61C1599AD121}" presName="Name10" presStyleLbl="parChTrans1D2" presStyleIdx="0" presStyleCnt="4"/>
       <dgm:spPr/>
+      <dgm:t>
+        <a:bodyPr/>
+        <a:lstStyle/>
+        <a:p>
+          <a:endParaRPr lang="en-US"/>
+        </a:p>
+      </dgm:t>
     </dgm:pt>
     <dgm:pt modelId="{47327BE9-19D3-4468-8435-7A2D9307470C}" type="pres">
       <dgm:prSet presAssocID="{95796C9F-B4F8-4672-9989-922379664523}" presName="hierRoot2" presStyleCnt="0"/>
@@ -4107,6 +4240,13 @@
         </dgm:presLayoutVars>
       </dgm:prSet>
       <dgm:spPr/>
+      <dgm:t>
+        <a:bodyPr/>
+        <a:lstStyle/>
+        <a:p>
+          <a:endParaRPr lang="en-US"/>
+        </a:p>
+      </dgm:t>
     </dgm:pt>
     <dgm:pt modelId="{7FECC80A-9C2F-4121-961D-549A02C0C804}" type="pres">
       <dgm:prSet presAssocID="{95796C9F-B4F8-4672-9989-922379664523}" presName="hierChild3" presStyleCnt="0"/>
@@ -4115,6 +4255,13 @@
     <dgm:pt modelId="{F2170DE8-2661-45E8-B4F0-68CF51FD4B8F}" type="pres">
       <dgm:prSet presAssocID="{43C910A3-62CA-45BA-A880-92F098C035CC}" presName="Name17" presStyleLbl="parChTrans1D3" presStyleIdx="0" presStyleCnt="8"/>
       <dgm:spPr/>
+      <dgm:t>
+        <a:bodyPr/>
+        <a:lstStyle/>
+        <a:p>
+          <a:endParaRPr lang="en-US"/>
+        </a:p>
+      </dgm:t>
     </dgm:pt>
     <dgm:pt modelId="{71622EDE-93BD-4EDC-8913-4C52C9F88423}" type="pres">
       <dgm:prSet presAssocID="{CF1A2CE0-3866-47F6-B4FE-4B864AA20991}" presName="hierRoot3" presStyleCnt="0"/>
@@ -4135,6 +4282,13 @@
         </dgm:presLayoutVars>
       </dgm:prSet>
       <dgm:spPr/>
+      <dgm:t>
+        <a:bodyPr/>
+        <a:lstStyle/>
+        <a:p>
+          <a:endParaRPr lang="en-US"/>
+        </a:p>
+      </dgm:t>
     </dgm:pt>
     <dgm:pt modelId="{6F9E4E3D-22EC-4AC7-9BF6-742B296445B4}" type="pres">
       <dgm:prSet presAssocID="{CF1A2CE0-3866-47F6-B4FE-4B864AA20991}" presName="hierChild4" presStyleCnt="0"/>
@@ -4143,6 +4297,13 @@
     <dgm:pt modelId="{96769A0B-EE7E-46FC-9E96-7ECD5333085B}" type="pres">
       <dgm:prSet presAssocID="{57DD8661-501E-4AF4-BB47-9F9067AA275C}" presName="Name10" presStyleLbl="parChTrans1D2" presStyleIdx="1" presStyleCnt="4"/>
       <dgm:spPr/>
+      <dgm:t>
+        <a:bodyPr/>
+        <a:lstStyle/>
+        <a:p>
+          <a:endParaRPr lang="en-US"/>
+        </a:p>
+      </dgm:t>
     </dgm:pt>
     <dgm:pt modelId="{170AB8BB-F04B-468C-A8BF-A7312C73701C}" type="pres">
       <dgm:prSet presAssocID="{00737D0B-5E6B-4F45-9898-38209F00DF4E}" presName="hierRoot2" presStyleCnt="0"/>
@@ -4163,6 +4324,13 @@
         </dgm:presLayoutVars>
       </dgm:prSet>
       <dgm:spPr/>
+      <dgm:t>
+        <a:bodyPr/>
+        <a:lstStyle/>
+        <a:p>
+          <a:endParaRPr lang="en-US"/>
+        </a:p>
+      </dgm:t>
     </dgm:pt>
     <dgm:pt modelId="{130A42D1-0CEF-441F-B699-2E4190F54B9C}" type="pres">
       <dgm:prSet presAssocID="{00737D0B-5E6B-4F45-9898-38209F00DF4E}" presName="hierChild3" presStyleCnt="0"/>
@@ -4171,6 +4339,13 @@
     <dgm:pt modelId="{7809C915-0E71-44A9-9FF5-FA809221B027}" type="pres">
       <dgm:prSet presAssocID="{354A7CA3-37A5-4F0C-B13F-121E73872409}" presName="Name17" presStyleLbl="parChTrans1D3" presStyleIdx="1" presStyleCnt="8"/>
       <dgm:spPr/>
+      <dgm:t>
+        <a:bodyPr/>
+        <a:lstStyle/>
+        <a:p>
+          <a:endParaRPr lang="en-US"/>
+        </a:p>
+      </dgm:t>
     </dgm:pt>
     <dgm:pt modelId="{7B995C41-ED05-4C1D-9578-0D7C6D447052}" type="pres">
       <dgm:prSet presAssocID="{1A73E19A-2FF9-40AE-A45F-D8E4A180812F}" presName="hierRoot3" presStyleCnt="0"/>
@@ -4191,6 +4366,13 @@
         </dgm:presLayoutVars>
       </dgm:prSet>
       <dgm:spPr/>
+      <dgm:t>
+        <a:bodyPr/>
+        <a:lstStyle/>
+        <a:p>
+          <a:endParaRPr lang="en-US"/>
+        </a:p>
+      </dgm:t>
     </dgm:pt>
     <dgm:pt modelId="{270C92C7-2C27-4315-9889-A22543B40960}" type="pres">
       <dgm:prSet presAssocID="{1A73E19A-2FF9-40AE-A45F-D8E4A180812F}" presName="hierChild4" presStyleCnt="0"/>
@@ -4199,6 +4381,13 @@
     <dgm:pt modelId="{5AE8CEAA-A85E-4C12-B690-63E2E87ECBFC}" type="pres">
       <dgm:prSet presAssocID="{9B95F094-F8C1-447A-82D6-EEBA9A3B5961}" presName="Name17" presStyleLbl="parChTrans1D3" presStyleIdx="2" presStyleCnt="8"/>
       <dgm:spPr/>
+      <dgm:t>
+        <a:bodyPr/>
+        <a:lstStyle/>
+        <a:p>
+          <a:endParaRPr lang="en-US"/>
+        </a:p>
+      </dgm:t>
     </dgm:pt>
     <dgm:pt modelId="{135C2544-5E6C-4C1A-9629-EF859CBF9EA2}" type="pres">
       <dgm:prSet presAssocID="{95066E40-B066-4D97-B339-BFD34CD796EF}" presName="hierRoot3" presStyleCnt="0"/>
@@ -4219,6 +4408,13 @@
         </dgm:presLayoutVars>
       </dgm:prSet>
       <dgm:spPr/>
+      <dgm:t>
+        <a:bodyPr/>
+        <a:lstStyle/>
+        <a:p>
+          <a:endParaRPr lang="en-US"/>
+        </a:p>
+      </dgm:t>
     </dgm:pt>
     <dgm:pt modelId="{5689194E-C861-4DED-93FA-6E349DF91E47}" type="pres">
       <dgm:prSet presAssocID="{95066E40-B066-4D97-B339-BFD34CD796EF}" presName="hierChild4" presStyleCnt="0"/>
@@ -4227,6 +4423,13 @@
     <dgm:pt modelId="{2F4409EB-492B-40E5-87B5-52AA833B8D60}" type="pres">
       <dgm:prSet presAssocID="{C519D907-A4B6-456E-B610-C4D537321AF0}" presName="Name10" presStyleLbl="parChTrans1D2" presStyleIdx="2" presStyleCnt="4"/>
       <dgm:spPr/>
+      <dgm:t>
+        <a:bodyPr/>
+        <a:lstStyle/>
+        <a:p>
+          <a:endParaRPr lang="en-US"/>
+        </a:p>
+      </dgm:t>
     </dgm:pt>
     <dgm:pt modelId="{44FBA045-8DA5-4DCA-A14A-4B3DEF9F5D8F}" type="pres">
       <dgm:prSet presAssocID="{3902BBE7-986B-4D03-81D5-EEEB24D738DA}" presName="hierRoot2" presStyleCnt="0"/>
@@ -4247,6 +4450,13 @@
         </dgm:presLayoutVars>
       </dgm:prSet>
       <dgm:spPr/>
+      <dgm:t>
+        <a:bodyPr/>
+        <a:lstStyle/>
+        <a:p>
+          <a:endParaRPr lang="en-US"/>
+        </a:p>
+      </dgm:t>
     </dgm:pt>
     <dgm:pt modelId="{E8AB108F-C39F-476F-9FD7-AEE01B7A81A8}" type="pres">
       <dgm:prSet presAssocID="{3902BBE7-986B-4D03-81D5-EEEB24D738DA}" presName="hierChild3" presStyleCnt="0"/>
@@ -4255,6 +4465,13 @@
     <dgm:pt modelId="{3E924B02-F8E0-4EAF-A6D8-5CFB06DD746D}" type="pres">
       <dgm:prSet presAssocID="{82259B30-C376-45B8-A634-278C2FD90138}" presName="Name17" presStyleLbl="parChTrans1D3" presStyleIdx="3" presStyleCnt="8"/>
       <dgm:spPr/>
+      <dgm:t>
+        <a:bodyPr/>
+        <a:lstStyle/>
+        <a:p>
+          <a:endParaRPr lang="en-US"/>
+        </a:p>
+      </dgm:t>
     </dgm:pt>
     <dgm:pt modelId="{D997238A-945B-42C8-AD1E-C8FB40891F1C}" type="pres">
       <dgm:prSet presAssocID="{0725A183-E8CE-4EDC-AB97-6584AA1A7199}" presName="hierRoot3" presStyleCnt="0"/>
@@ -4275,6 +4492,13 @@
         </dgm:presLayoutVars>
       </dgm:prSet>
       <dgm:spPr/>
+      <dgm:t>
+        <a:bodyPr/>
+        <a:lstStyle/>
+        <a:p>
+          <a:endParaRPr lang="en-US"/>
+        </a:p>
+      </dgm:t>
     </dgm:pt>
     <dgm:pt modelId="{0582FB2A-5B90-4034-8F71-290E5CA76297}" type="pres">
       <dgm:prSet presAssocID="{0725A183-E8CE-4EDC-AB97-6584AA1A7199}" presName="hierChild4" presStyleCnt="0"/>
@@ -4283,6 +4507,13 @@
     <dgm:pt modelId="{E80E1B74-AC53-4CED-9382-30C5965CB41F}" type="pres">
       <dgm:prSet presAssocID="{73D878AF-0D6A-4447-94C7-DF750A1BFD5D}" presName="Name17" presStyleLbl="parChTrans1D3" presStyleIdx="4" presStyleCnt="8"/>
       <dgm:spPr/>
+      <dgm:t>
+        <a:bodyPr/>
+        <a:lstStyle/>
+        <a:p>
+          <a:endParaRPr lang="en-US"/>
+        </a:p>
+      </dgm:t>
     </dgm:pt>
     <dgm:pt modelId="{D79B79C2-DEB8-40B5-B67F-07F4836241AE}" type="pres">
       <dgm:prSet presAssocID="{3D652887-738C-4EC8-8EFE-96A444630371}" presName="hierRoot3" presStyleCnt="0"/>
@@ -4303,6 +4534,13 @@
         </dgm:presLayoutVars>
       </dgm:prSet>
       <dgm:spPr/>
+      <dgm:t>
+        <a:bodyPr/>
+        <a:lstStyle/>
+        <a:p>
+          <a:endParaRPr lang="en-US"/>
+        </a:p>
+      </dgm:t>
     </dgm:pt>
     <dgm:pt modelId="{D3181C3B-0A25-4686-AE8D-3C7AC7822A6A}" type="pres">
       <dgm:prSet presAssocID="{3D652887-738C-4EC8-8EFE-96A444630371}" presName="hierChild4" presStyleCnt="0"/>
@@ -4311,6 +4549,13 @@
     <dgm:pt modelId="{D14F1C3E-DE0C-4DD0-97FE-7694C1DBAEA8}" type="pres">
       <dgm:prSet presAssocID="{0B46BE59-F535-4406-87ED-ACE8C7DDC305}" presName="Name17" presStyleLbl="parChTrans1D3" presStyleIdx="5" presStyleCnt="8"/>
       <dgm:spPr/>
+      <dgm:t>
+        <a:bodyPr/>
+        <a:lstStyle/>
+        <a:p>
+          <a:endParaRPr lang="en-US"/>
+        </a:p>
+      </dgm:t>
     </dgm:pt>
     <dgm:pt modelId="{96A24D3C-07A9-4309-A7B0-F72EC47FC4A7}" type="pres">
       <dgm:prSet presAssocID="{EC48B371-0F87-45D8-A43F-E87DC2930AE4}" presName="hierRoot3" presStyleCnt="0"/>
@@ -4331,6 +4576,13 @@
         </dgm:presLayoutVars>
       </dgm:prSet>
       <dgm:spPr/>
+      <dgm:t>
+        <a:bodyPr/>
+        <a:lstStyle/>
+        <a:p>
+          <a:endParaRPr lang="en-US"/>
+        </a:p>
+      </dgm:t>
     </dgm:pt>
     <dgm:pt modelId="{ED3EAF3D-9902-4CDF-9671-58AC378D8D2F}" type="pres">
       <dgm:prSet presAssocID="{EC48B371-0F87-45D8-A43F-E87DC2930AE4}" presName="hierChild4" presStyleCnt="0"/>
@@ -4339,6 +4591,13 @@
     <dgm:pt modelId="{36DDFE3A-5712-4842-BB5B-64071B63C365}" type="pres">
       <dgm:prSet presAssocID="{115ECDC7-DA82-408D-B398-B8BC4A1BB09A}" presName="Name10" presStyleLbl="parChTrans1D2" presStyleIdx="3" presStyleCnt="4"/>
       <dgm:spPr/>
+      <dgm:t>
+        <a:bodyPr/>
+        <a:lstStyle/>
+        <a:p>
+          <a:endParaRPr lang="en-US"/>
+        </a:p>
+      </dgm:t>
     </dgm:pt>
     <dgm:pt modelId="{93206744-91BA-48E9-9BE6-46CBCAC5AF8F}" type="pres">
       <dgm:prSet presAssocID="{CBAC448E-F8A5-426F-9DA4-668DBB9E9752}" presName="hierRoot2" presStyleCnt="0"/>
@@ -4359,6 +4618,13 @@
         </dgm:presLayoutVars>
       </dgm:prSet>
       <dgm:spPr/>
+      <dgm:t>
+        <a:bodyPr/>
+        <a:lstStyle/>
+        <a:p>
+          <a:endParaRPr lang="en-US"/>
+        </a:p>
+      </dgm:t>
     </dgm:pt>
     <dgm:pt modelId="{98A7CF96-839A-490C-AB56-63FD09686F17}" type="pres">
       <dgm:prSet presAssocID="{CBAC448E-F8A5-426F-9DA4-668DBB9E9752}" presName="hierChild3" presStyleCnt="0"/>
@@ -4367,6 +4633,13 @@
     <dgm:pt modelId="{E5991229-FCE0-42F8-A05A-4194599906BF}" type="pres">
       <dgm:prSet presAssocID="{D7B15259-DEA4-4D6E-9D7B-AFDD0C455D39}" presName="Name17" presStyleLbl="parChTrans1D3" presStyleIdx="6" presStyleCnt="8"/>
       <dgm:spPr/>
+      <dgm:t>
+        <a:bodyPr/>
+        <a:lstStyle/>
+        <a:p>
+          <a:endParaRPr lang="en-US"/>
+        </a:p>
+      </dgm:t>
     </dgm:pt>
     <dgm:pt modelId="{DA17D875-83A0-4749-AAAA-58377DEB9854}" type="pres">
       <dgm:prSet presAssocID="{4A35AFF6-FE67-4C04-8002-061C138CB54E}" presName="hierRoot3" presStyleCnt="0"/>
@@ -4387,6 +4660,13 @@
         </dgm:presLayoutVars>
       </dgm:prSet>
       <dgm:spPr/>
+      <dgm:t>
+        <a:bodyPr/>
+        <a:lstStyle/>
+        <a:p>
+          <a:endParaRPr lang="en-US"/>
+        </a:p>
+      </dgm:t>
     </dgm:pt>
     <dgm:pt modelId="{C826CFEE-67A4-4CF5-95C1-83BCEDAF9521}" type="pres">
       <dgm:prSet presAssocID="{4A35AFF6-FE67-4C04-8002-061C138CB54E}" presName="hierChild4" presStyleCnt="0"/>
@@ -4395,6 +4675,13 @@
     <dgm:pt modelId="{9C99C6ED-2F02-4176-9F85-1E45FA9EA0AA}" type="pres">
       <dgm:prSet presAssocID="{A60E8972-07D1-4A91-8D19-243E8B3F8651}" presName="Name17" presStyleLbl="parChTrans1D3" presStyleIdx="7" presStyleCnt="8"/>
       <dgm:spPr/>
+      <dgm:t>
+        <a:bodyPr/>
+        <a:lstStyle/>
+        <a:p>
+          <a:endParaRPr lang="en-US"/>
+        </a:p>
+      </dgm:t>
     </dgm:pt>
     <dgm:pt modelId="{9FEC2DB9-597B-4ABC-A902-27240FF3F6E0}" type="pres">
       <dgm:prSet presAssocID="{46031091-2721-4FAD-89A7-A9A54B6E5E30}" presName="hierRoot3" presStyleCnt="0"/>
@@ -4415,6 +4702,13 @@
         </dgm:presLayoutVars>
       </dgm:prSet>
       <dgm:spPr/>
+      <dgm:t>
+        <a:bodyPr/>
+        <a:lstStyle/>
+        <a:p>
+          <a:endParaRPr lang="en-US"/>
+        </a:p>
+      </dgm:t>
     </dgm:pt>
     <dgm:pt modelId="{590392CE-3930-43AB-825F-7BC77D1A1322}" type="pres">
       <dgm:prSet presAssocID="{46031091-2721-4FAD-89A7-A9A54B6E5E30}" presName="hierChild4" presStyleCnt="0"/>
@@ -4422,45 +4716,45 @@
     </dgm:pt>
   </dgm:ptLst>
   <dgm:cxnLst>
+    <dgm:cxn modelId="{20030FA1-B9DF-4338-8B3C-93A2888A3F5D}" type="presOf" srcId="{95066E40-B066-4D97-B339-BFD34CD796EF}" destId="{0D3DCDBB-A84F-42B9-ABEE-1BECED108683}" srcOrd="0" destOrd="0" presId="urn:microsoft.com/office/officeart/2005/8/layout/hierarchy1"/>
+    <dgm:cxn modelId="{09CBCA3C-8B72-4908-8178-333221182EE0}" type="presOf" srcId="{1A73E19A-2FF9-40AE-A45F-D8E4A180812F}" destId="{D28FA95C-085E-49A5-9DCD-7D22E001624C}" srcOrd="0" destOrd="0" presId="urn:microsoft.com/office/officeart/2005/8/layout/hierarchy1"/>
+    <dgm:cxn modelId="{75955785-A637-4D28-AC5D-30A609743373}" srcId="{CBAC448E-F8A5-426F-9DA4-668DBB9E9752}" destId="{4A35AFF6-FE67-4C04-8002-061C138CB54E}" srcOrd="0" destOrd="0" parTransId="{D7B15259-DEA4-4D6E-9D7B-AFDD0C455D39}" sibTransId="{3DA22FAA-006A-4463-8BA7-1D776542AB8D}"/>
+    <dgm:cxn modelId="{6DBB54F5-FE6D-4A71-BDD2-71232E445EDA}" type="presOf" srcId="{46031091-2721-4FAD-89A7-A9A54B6E5E30}" destId="{94A211FF-1BB4-4B0D-BE9E-AA3C43E0ED35}" srcOrd="0" destOrd="0" presId="urn:microsoft.com/office/officeart/2005/8/layout/hierarchy1"/>
+    <dgm:cxn modelId="{57B6DBD9-BE97-406D-8567-B60E6B8AAFCD}" type="presOf" srcId="{4A35AFF6-FE67-4C04-8002-061C138CB54E}" destId="{B2878017-EE1E-4BE3-889A-8F47489EAD50}" srcOrd="0" destOrd="0" presId="urn:microsoft.com/office/officeart/2005/8/layout/hierarchy1"/>
+    <dgm:cxn modelId="{892B223E-F7C8-4DBD-ADDD-26F566D6FC3A}" srcId="{1D32DFE3-9A16-4A0F-85D1-34A794D7A500}" destId="{CBAC448E-F8A5-426F-9DA4-668DBB9E9752}" srcOrd="3" destOrd="0" parTransId="{115ECDC7-DA82-408D-B398-B8BC4A1BB09A}" sibTransId="{C682E407-DE90-4A53-901E-E0B6F281313C}"/>
+    <dgm:cxn modelId="{10D7855A-B6A1-4C95-B895-0E77E6566430}" type="presOf" srcId="{73D878AF-0D6A-4447-94C7-DF750A1BFD5D}" destId="{E80E1B74-AC53-4CED-9382-30C5965CB41F}" srcOrd="0" destOrd="0" presId="urn:microsoft.com/office/officeart/2005/8/layout/hierarchy1"/>
+    <dgm:cxn modelId="{F7E7946A-3217-4816-A246-0809644C9716}" type="presOf" srcId="{3D652887-738C-4EC8-8EFE-96A444630371}" destId="{C4E63A1F-4245-4A0E-9832-78DB9FD3C52A}" srcOrd="0" destOrd="0" presId="urn:microsoft.com/office/officeart/2005/8/layout/hierarchy1"/>
+    <dgm:cxn modelId="{67FCB315-3A73-4324-A5C1-EA49AC953AEB}" type="presOf" srcId="{A60E8972-07D1-4A91-8D19-243E8B3F8651}" destId="{9C99C6ED-2F02-4176-9F85-1E45FA9EA0AA}" srcOrd="0" destOrd="0" presId="urn:microsoft.com/office/officeart/2005/8/layout/hierarchy1"/>
+    <dgm:cxn modelId="{47865AA6-86FF-42CD-BAC3-7CFE41F6EDFF}" type="presOf" srcId="{95796C9F-B4F8-4672-9989-922379664523}" destId="{79B06C8B-73E5-4EC3-826F-2FD31046C912}" srcOrd="0" destOrd="0" presId="urn:microsoft.com/office/officeart/2005/8/layout/hierarchy1"/>
+    <dgm:cxn modelId="{BC0BCD9E-1E34-4293-BB12-B71364E9FB2D}" srcId="{1D32DFE3-9A16-4A0F-85D1-34A794D7A500}" destId="{00737D0B-5E6B-4F45-9898-38209F00DF4E}" srcOrd="1" destOrd="0" parTransId="{57DD8661-501E-4AF4-BB47-9F9067AA275C}" sibTransId="{7A188BE7-FF80-45F8-A108-5BB8C262A269}"/>
+    <dgm:cxn modelId="{71106DA4-2A09-4F4C-808F-2D7A7C958730}" type="presOf" srcId="{0B46BE59-F535-4406-87ED-ACE8C7DDC305}" destId="{D14F1C3E-DE0C-4DD0-97FE-7694C1DBAEA8}" srcOrd="0" destOrd="0" presId="urn:microsoft.com/office/officeart/2005/8/layout/hierarchy1"/>
+    <dgm:cxn modelId="{EA939071-32D0-4F86-9BDC-4B5F85F49091}" srcId="{CBAC448E-F8A5-426F-9DA4-668DBB9E9752}" destId="{46031091-2721-4FAD-89A7-A9A54B6E5E30}" srcOrd="1" destOrd="0" parTransId="{A60E8972-07D1-4A91-8D19-243E8B3F8651}" sibTransId="{CE1A56BF-944D-41FF-9B2F-9BAD3026EB4B}"/>
+    <dgm:cxn modelId="{89484744-5F73-4498-BE17-2D2C04FEE4AB}" type="presOf" srcId="{354A7CA3-37A5-4F0C-B13F-121E73872409}" destId="{7809C915-0E71-44A9-9FF5-FA809221B027}" srcOrd="0" destOrd="0" presId="urn:microsoft.com/office/officeart/2005/8/layout/hierarchy1"/>
+    <dgm:cxn modelId="{574100DC-B806-4E1C-9942-0622AAC05200}" type="presOf" srcId="{115ECDC7-DA82-408D-B398-B8BC4A1BB09A}" destId="{36DDFE3A-5712-4842-BB5B-64071B63C365}" srcOrd="0" destOrd="0" presId="urn:microsoft.com/office/officeart/2005/8/layout/hierarchy1"/>
+    <dgm:cxn modelId="{2BF1C1B0-2CA3-458A-86B8-37A12DD1AD32}" srcId="{1D32DFE3-9A16-4A0F-85D1-34A794D7A500}" destId="{95796C9F-B4F8-4672-9989-922379664523}" srcOrd="0" destOrd="0" parTransId="{7329B386-B35F-4CFB-906C-61C1599AD121}" sibTransId="{74C214D7-5627-43D7-906C-5FD29F74DDB3}"/>
+    <dgm:cxn modelId="{3AD84EF3-5646-44F1-8F79-C2661B0D4665}" type="presOf" srcId="{C519D907-A4B6-456E-B610-C4D537321AF0}" destId="{2F4409EB-492B-40E5-87B5-52AA833B8D60}" srcOrd="0" destOrd="0" presId="urn:microsoft.com/office/officeart/2005/8/layout/hierarchy1"/>
+    <dgm:cxn modelId="{B3293DE4-E865-4DA4-97D9-164634493B81}" type="presOf" srcId="{82259B30-C376-45B8-A634-278C2FD90138}" destId="{3E924B02-F8E0-4EAF-A6D8-5CFB06DD746D}" srcOrd="0" destOrd="0" presId="urn:microsoft.com/office/officeart/2005/8/layout/hierarchy1"/>
+    <dgm:cxn modelId="{DABA9648-29D2-4ED6-9344-568EF6FEAF86}" srcId="{3902BBE7-986B-4D03-81D5-EEEB24D738DA}" destId="{0725A183-E8CE-4EDC-AB97-6584AA1A7199}" srcOrd="0" destOrd="0" parTransId="{82259B30-C376-45B8-A634-278C2FD90138}" sibTransId="{4318E9B2-973E-48F6-9006-574464EDBD31}"/>
+    <dgm:cxn modelId="{A7483C4D-17D8-44A8-9984-D47B40B18219}" srcId="{61A41450-09B4-42D5-BCE4-C292A4B09CD1}" destId="{1D32DFE3-9A16-4A0F-85D1-34A794D7A500}" srcOrd="0" destOrd="0" parTransId="{2C37E51B-1EDB-46B9-BEB9-8037E1452658}" sibTransId="{4A705E68-BEF8-4A8B-887C-016E3D430E9B}"/>
+    <dgm:cxn modelId="{55431BEE-5C7A-4F70-B544-8D5731EE2E11}" type="presOf" srcId="{9B95F094-F8C1-447A-82D6-EEBA9A3B5961}" destId="{5AE8CEAA-A85E-4C12-B690-63E2E87ECBFC}" srcOrd="0" destOrd="0" presId="urn:microsoft.com/office/officeart/2005/8/layout/hierarchy1"/>
+    <dgm:cxn modelId="{096C9F90-FD45-4821-BBE8-48D85C04CA79}" type="presOf" srcId="{00737D0B-5E6B-4F45-9898-38209F00DF4E}" destId="{7FD02768-2C65-47D4-ACCE-F438DC71BA50}" srcOrd="0" destOrd="0" presId="urn:microsoft.com/office/officeart/2005/8/layout/hierarchy1"/>
+    <dgm:cxn modelId="{3E2E51CD-07BE-444A-9A4A-446234526C58}" srcId="{3902BBE7-986B-4D03-81D5-EEEB24D738DA}" destId="{3D652887-738C-4EC8-8EFE-96A444630371}" srcOrd="1" destOrd="0" parTransId="{73D878AF-0D6A-4447-94C7-DF750A1BFD5D}" sibTransId="{5A028A64-D5A6-4DEF-94B0-4BE0C506733D}"/>
+    <dgm:cxn modelId="{B79DFFF7-1C9A-41A6-A76C-CC08439144F5}" type="presOf" srcId="{D7B15259-DEA4-4D6E-9D7B-AFDD0C455D39}" destId="{E5991229-FCE0-42F8-A05A-4194599906BF}" srcOrd="0" destOrd="0" presId="urn:microsoft.com/office/officeart/2005/8/layout/hierarchy1"/>
     <dgm:cxn modelId="{DED9B801-9383-40AE-956D-BC484032A2EB}" type="presOf" srcId="{57DD8661-501E-4AF4-BB47-9F9067AA275C}" destId="{96769A0B-EE7E-46FC-9E96-7ECD5333085B}" srcOrd="0" destOrd="0" presId="urn:microsoft.com/office/officeart/2005/8/layout/hierarchy1"/>
+    <dgm:cxn modelId="{5D95A1C5-6453-42CF-9277-4E618911E3D5}" srcId="{00737D0B-5E6B-4F45-9898-38209F00DF4E}" destId="{95066E40-B066-4D97-B339-BFD34CD796EF}" srcOrd="1" destOrd="0" parTransId="{9B95F094-F8C1-447A-82D6-EEBA9A3B5961}" sibTransId="{45854762-3170-4235-A39A-6FFC23A3B8BA}"/>
     <dgm:cxn modelId="{8948EC03-CCE7-481E-86D2-A4F73BFB7450}" type="presOf" srcId="{3902BBE7-986B-4D03-81D5-EEEB24D738DA}" destId="{212A66FE-904A-4E5C-A5F5-704E02122B96}" srcOrd="0" destOrd="0" presId="urn:microsoft.com/office/officeart/2005/8/layout/hierarchy1"/>
+    <dgm:cxn modelId="{D0535FB2-3190-411A-B124-D6DF62CEF94E}" type="presOf" srcId="{1D32DFE3-9A16-4A0F-85D1-34A794D7A500}" destId="{8F0CCF51-3EB9-4C9D-98C6-B1F49B7EFCB6}" srcOrd="0" destOrd="0" presId="urn:microsoft.com/office/officeart/2005/8/layout/hierarchy1"/>
+    <dgm:cxn modelId="{116F5CEF-3F4E-45B9-9B8F-C28E2B25A102}" srcId="{1D32DFE3-9A16-4A0F-85D1-34A794D7A500}" destId="{3902BBE7-986B-4D03-81D5-EEEB24D738DA}" srcOrd="2" destOrd="0" parTransId="{C519D907-A4B6-456E-B610-C4D537321AF0}" sibTransId="{0FFB2648-DB7F-4E6F-9978-FA211954D174}"/>
+    <dgm:cxn modelId="{08F29AC2-2E4D-4041-B5FC-6E31B041482B}" type="presOf" srcId="{CF1A2CE0-3866-47F6-B4FE-4B864AA20991}" destId="{596C5575-76D4-4DAA-A238-9E4E72E1F245}" srcOrd="0" destOrd="0" presId="urn:microsoft.com/office/officeart/2005/8/layout/hierarchy1"/>
+    <dgm:cxn modelId="{44CE368C-59DE-4D4C-8509-0744DA46BD14}" type="presOf" srcId="{61A41450-09B4-42D5-BCE4-C292A4B09CD1}" destId="{93FB690B-B7A6-464F-BC71-F11E08D068B7}" srcOrd="0" destOrd="0" presId="urn:microsoft.com/office/officeart/2005/8/layout/hierarchy1"/>
+    <dgm:cxn modelId="{8BC8CACC-D63A-4E1E-8DE5-720C35403604}" type="presOf" srcId="{43C910A3-62CA-45BA-A880-92F098C035CC}" destId="{F2170DE8-2661-45E8-B4F0-68CF51FD4B8F}" srcOrd="0" destOrd="0" presId="urn:microsoft.com/office/officeart/2005/8/layout/hierarchy1"/>
+    <dgm:cxn modelId="{93916066-C8AE-4CEA-B1E6-0CD44FB43FA5}" type="presOf" srcId="{CBAC448E-F8A5-426F-9DA4-668DBB9E9752}" destId="{F3A8B18A-49C1-4B21-9421-8C5E934961E4}" srcOrd="0" destOrd="0" presId="urn:microsoft.com/office/officeart/2005/8/layout/hierarchy1"/>
+    <dgm:cxn modelId="{393AD012-C996-41C3-B5D0-E8DCC8A205F5}" type="presOf" srcId="{EC48B371-0F87-45D8-A43F-E87DC2930AE4}" destId="{F0EF086B-6565-4FE5-ABF0-27931EB55AE2}" srcOrd="0" destOrd="0" presId="urn:microsoft.com/office/officeart/2005/8/layout/hierarchy1"/>
+    <dgm:cxn modelId="{3702857B-1305-4140-A15E-9C7647F9D951}" type="presOf" srcId="{7329B386-B35F-4CFB-906C-61C1599AD121}" destId="{F89F6CE0-1ECE-4CE3-9B65-B4E7F9708D82}" srcOrd="0" destOrd="0" presId="urn:microsoft.com/office/officeart/2005/8/layout/hierarchy1"/>
+    <dgm:cxn modelId="{1B9259E0-8158-4D53-9A5D-5C710D5FC77C}" srcId="{3902BBE7-986B-4D03-81D5-EEEB24D738DA}" destId="{EC48B371-0F87-45D8-A43F-E87DC2930AE4}" srcOrd="2" destOrd="0" parTransId="{0B46BE59-F535-4406-87ED-ACE8C7DDC305}" sibTransId="{A802A6D3-9143-4D67-B7E1-BB2F6957392A}"/>
+    <dgm:cxn modelId="{417C67BE-E8ED-4D43-9F8D-8C7B1E086E0C}" type="presOf" srcId="{0725A183-E8CE-4EDC-AB97-6584AA1A7199}" destId="{297D92BB-F6DF-438D-9848-6FA1B0A95251}" srcOrd="0" destOrd="0" presId="urn:microsoft.com/office/officeart/2005/8/layout/hierarchy1"/>
     <dgm:cxn modelId="{BC339104-E776-4ACF-A91A-A7BB4E94A61D}" srcId="{95796C9F-B4F8-4672-9989-922379664523}" destId="{CF1A2CE0-3866-47F6-B4FE-4B864AA20991}" srcOrd="0" destOrd="0" parTransId="{43C910A3-62CA-45BA-A880-92F098C035CC}" sibTransId="{207B3306-8847-4754-80A8-9C1DB4A7258F}"/>
-    <dgm:cxn modelId="{393AD012-C996-41C3-B5D0-E8DCC8A205F5}" type="presOf" srcId="{EC48B371-0F87-45D8-A43F-E87DC2930AE4}" destId="{F0EF086B-6565-4FE5-ABF0-27931EB55AE2}" srcOrd="0" destOrd="0" presId="urn:microsoft.com/office/officeart/2005/8/layout/hierarchy1"/>
-    <dgm:cxn modelId="{67FCB315-3A73-4324-A5C1-EA49AC953AEB}" type="presOf" srcId="{A60E8972-07D1-4A91-8D19-243E8B3F8651}" destId="{9C99C6ED-2F02-4176-9F85-1E45FA9EA0AA}" srcOrd="0" destOrd="0" presId="urn:microsoft.com/office/officeart/2005/8/layout/hierarchy1"/>
     <dgm:cxn modelId="{39518939-DFEE-49E4-ACAD-E5306ADC363B}" srcId="{00737D0B-5E6B-4F45-9898-38209F00DF4E}" destId="{1A73E19A-2FF9-40AE-A45F-D8E4A180812F}" srcOrd="0" destOrd="0" parTransId="{354A7CA3-37A5-4F0C-B13F-121E73872409}" sibTransId="{C9459484-52CC-4BD3-85F1-C6399A2928D1}"/>
-    <dgm:cxn modelId="{09CBCA3C-8B72-4908-8178-333221182EE0}" type="presOf" srcId="{1A73E19A-2FF9-40AE-A45F-D8E4A180812F}" destId="{D28FA95C-085E-49A5-9DCD-7D22E001624C}" srcOrd="0" destOrd="0" presId="urn:microsoft.com/office/officeart/2005/8/layout/hierarchy1"/>
-    <dgm:cxn modelId="{892B223E-F7C8-4DBD-ADDD-26F566D6FC3A}" srcId="{1D32DFE3-9A16-4A0F-85D1-34A794D7A500}" destId="{CBAC448E-F8A5-426F-9DA4-668DBB9E9752}" srcOrd="3" destOrd="0" parTransId="{115ECDC7-DA82-408D-B398-B8BC4A1BB09A}" sibTransId="{C682E407-DE90-4A53-901E-E0B6F281313C}"/>
-    <dgm:cxn modelId="{89484744-5F73-4498-BE17-2D2C04FEE4AB}" type="presOf" srcId="{354A7CA3-37A5-4F0C-B13F-121E73872409}" destId="{7809C915-0E71-44A9-9FF5-FA809221B027}" srcOrd="0" destOrd="0" presId="urn:microsoft.com/office/officeart/2005/8/layout/hierarchy1"/>
-    <dgm:cxn modelId="{93916066-C8AE-4CEA-B1E6-0CD44FB43FA5}" type="presOf" srcId="{CBAC448E-F8A5-426F-9DA4-668DBB9E9752}" destId="{F3A8B18A-49C1-4B21-9421-8C5E934961E4}" srcOrd="0" destOrd="0" presId="urn:microsoft.com/office/officeart/2005/8/layout/hierarchy1"/>
-    <dgm:cxn modelId="{DABA9648-29D2-4ED6-9344-568EF6FEAF86}" srcId="{3902BBE7-986B-4D03-81D5-EEEB24D738DA}" destId="{0725A183-E8CE-4EDC-AB97-6584AA1A7199}" srcOrd="0" destOrd="0" parTransId="{82259B30-C376-45B8-A634-278C2FD90138}" sibTransId="{4318E9B2-973E-48F6-9006-574464EDBD31}"/>
-    <dgm:cxn modelId="{F7E7946A-3217-4816-A246-0809644C9716}" type="presOf" srcId="{3D652887-738C-4EC8-8EFE-96A444630371}" destId="{C4E63A1F-4245-4A0E-9832-78DB9FD3C52A}" srcOrd="0" destOrd="0" presId="urn:microsoft.com/office/officeart/2005/8/layout/hierarchy1"/>
-    <dgm:cxn modelId="{A7483C4D-17D8-44A8-9984-D47B40B18219}" srcId="{61A41450-09B4-42D5-BCE4-C292A4B09CD1}" destId="{1D32DFE3-9A16-4A0F-85D1-34A794D7A500}" srcOrd="0" destOrd="0" parTransId="{2C37E51B-1EDB-46B9-BEB9-8037E1452658}" sibTransId="{4A705E68-BEF8-4A8B-887C-016E3D430E9B}"/>
-    <dgm:cxn modelId="{EA939071-32D0-4F86-9BDC-4B5F85F49091}" srcId="{CBAC448E-F8A5-426F-9DA4-668DBB9E9752}" destId="{46031091-2721-4FAD-89A7-A9A54B6E5E30}" srcOrd="1" destOrd="0" parTransId="{A60E8972-07D1-4A91-8D19-243E8B3F8651}" sibTransId="{CE1A56BF-944D-41FF-9B2F-9BAD3026EB4B}"/>
-    <dgm:cxn modelId="{10D7855A-B6A1-4C95-B895-0E77E6566430}" type="presOf" srcId="{73D878AF-0D6A-4447-94C7-DF750A1BFD5D}" destId="{E80E1B74-AC53-4CED-9382-30C5965CB41F}" srcOrd="0" destOrd="0" presId="urn:microsoft.com/office/officeart/2005/8/layout/hierarchy1"/>
-    <dgm:cxn modelId="{3702857B-1305-4140-A15E-9C7647F9D951}" type="presOf" srcId="{7329B386-B35F-4CFB-906C-61C1599AD121}" destId="{F89F6CE0-1ECE-4CE3-9B65-B4E7F9708D82}" srcOrd="0" destOrd="0" presId="urn:microsoft.com/office/officeart/2005/8/layout/hierarchy1"/>
-    <dgm:cxn modelId="{75955785-A637-4D28-AC5D-30A609743373}" srcId="{CBAC448E-F8A5-426F-9DA4-668DBB9E9752}" destId="{4A35AFF6-FE67-4C04-8002-061C138CB54E}" srcOrd="0" destOrd="0" parTransId="{D7B15259-DEA4-4D6E-9D7B-AFDD0C455D39}" sibTransId="{3DA22FAA-006A-4463-8BA7-1D776542AB8D}"/>
-    <dgm:cxn modelId="{44CE368C-59DE-4D4C-8509-0744DA46BD14}" type="presOf" srcId="{61A41450-09B4-42D5-BCE4-C292A4B09CD1}" destId="{93FB690B-B7A6-464F-BC71-F11E08D068B7}" srcOrd="0" destOrd="0" presId="urn:microsoft.com/office/officeart/2005/8/layout/hierarchy1"/>
-    <dgm:cxn modelId="{096C9F90-FD45-4821-BBE8-48D85C04CA79}" type="presOf" srcId="{00737D0B-5E6B-4F45-9898-38209F00DF4E}" destId="{7FD02768-2C65-47D4-ACCE-F438DC71BA50}" srcOrd="0" destOrd="0" presId="urn:microsoft.com/office/officeart/2005/8/layout/hierarchy1"/>
-    <dgm:cxn modelId="{BC0BCD9E-1E34-4293-BB12-B71364E9FB2D}" srcId="{1D32DFE3-9A16-4A0F-85D1-34A794D7A500}" destId="{00737D0B-5E6B-4F45-9898-38209F00DF4E}" srcOrd="1" destOrd="0" parTransId="{57DD8661-501E-4AF4-BB47-9F9067AA275C}" sibTransId="{7A188BE7-FF80-45F8-A108-5BB8C262A269}"/>
-    <dgm:cxn modelId="{20030FA1-B9DF-4338-8B3C-93A2888A3F5D}" type="presOf" srcId="{95066E40-B066-4D97-B339-BFD34CD796EF}" destId="{0D3DCDBB-A84F-42B9-ABEE-1BECED108683}" srcOrd="0" destOrd="0" presId="urn:microsoft.com/office/officeart/2005/8/layout/hierarchy1"/>
-    <dgm:cxn modelId="{71106DA4-2A09-4F4C-808F-2D7A7C958730}" type="presOf" srcId="{0B46BE59-F535-4406-87ED-ACE8C7DDC305}" destId="{D14F1C3E-DE0C-4DD0-97FE-7694C1DBAEA8}" srcOrd="0" destOrd="0" presId="urn:microsoft.com/office/officeart/2005/8/layout/hierarchy1"/>
-    <dgm:cxn modelId="{47865AA6-86FF-42CD-BAC3-7CFE41F6EDFF}" type="presOf" srcId="{95796C9F-B4F8-4672-9989-922379664523}" destId="{79B06C8B-73E5-4EC3-826F-2FD31046C912}" srcOrd="0" destOrd="0" presId="urn:microsoft.com/office/officeart/2005/8/layout/hierarchy1"/>
-    <dgm:cxn modelId="{2BF1C1B0-2CA3-458A-86B8-37A12DD1AD32}" srcId="{1D32DFE3-9A16-4A0F-85D1-34A794D7A500}" destId="{95796C9F-B4F8-4672-9989-922379664523}" srcOrd="0" destOrd="0" parTransId="{7329B386-B35F-4CFB-906C-61C1599AD121}" sibTransId="{74C214D7-5627-43D7-906C-5FD29F74DDB3}"/>
-    <dgm:cxn modelId="{D0535FB2-3190-411A-B124-D6DF62CEF94E}" type="presOf" srcId="{1D32DFE3-9A16-4A0F-85D1-34A794D7A500}" destId="{8F0CCF51-3EB9-4C9D-98C6-B1F49B7EFCB6}" srcOrd="0" destOrd="0" presId="urn:microsoft.com/office/officeart/2005/8/layout/hierarchy1"/>
-    <dgm:cxn modelId="{417C67BE-E8ED-4D43-9F8D-8C7B1E086E0C}" type="presOf" srcId="{0725A183-E8CE-4EDC-AB97-6584AA1A7199}" destId="{297D92BB-F6DF-438D-9848-6FA1B0A95251}" srcOrd="0" destOrd="0" presId="urn:microsoft.com/office/officeart/2005/8/layout/hierarchy1"/>
-    <dgm:cxn modelId="{08F29AC2-2E4D-4041-B5FC-6E31B041482B}" type="presOf" srcId="{CF1A2CE0-3866-47F6-B4FE-4B864AA20991}" destId="{596C5575-76D4-4DAA-A238-9E4E72E1F245}" srcOrd="0" destOrd="0" presId="urn:microsoft.com/office/officeart/2005/8/layout/hierarchy1"/>
-    <dgm:cxn modelId="{5D95A1C5-6453-42CF-9277-4E618911E3D5}" srcId="{00737D0B-5E6B-4F45-9898-38209F00DF4E}" destId="{95066E40-B066-4D97-B339-BFD34CD796EF}" srcOrd="1" destOrd="0" parTransId="{9B95F094-F8C1-447A-82D6-EEBA9A3B5961}" sibTransId="{45854762-3170-4235-A39A-6FFC23A3B8BA}"/>
-    <dgm:cxn modelId="{8BC8CACC-D63A-4E1E-8DE5-720C35403604}" type="presOf" srcId="{43C910A3-62CA-45BA-A880-92F098C035CC}" destId="{F2170DE8-2661-45E8-B4F0-68CF51FD4B8F}" srcOrd="0" destOrd="0" presId="urn:microsoft.com/office/officeart/2005/8/layout/hierarchy1"/>
-    <dgm:cxn modelId="{3E2E51CD-07BE-444A-9A4A-446234526C58}" srcId="{3902BBE7-986B-4D03-81D5-EEEB24D738DA}" destId="{3D652887-738C-4EC8-8EFE-96A444630371}" srcOrd="1" destOrd="0" parTransId="{73D878AF-0D6A-4447-94C7-DF750A1BFD5D}" sibTransId="{5A028A64-D5A6-4DEF-94B0-4BE0C506733D}"/>
-    <dgm:cxn modelId="{57B6DBD9-BE97-406D-8567-B60E6B8AAFCD}" type="presOf" srcId="{4A35AFF6-FE67-4C04-8002-061C138CB54E}" destId="{B2878017-EE1E-4BE3-889A-8F47489EAD50}" srcOrd="0" destOrd="0" presId="urn:microsoft.com/office/officeart/2005/8/layout/hierarchy1"/>
-    <dgm:cxn modelId="{574100DC-B806-4E1C-9942-0622AAC05200}" type="presOf" srcId="{115ECDC7-DA82-408D-B398-B8BC4A1BB09A}" destId="{36DDFE3A-5712-4842-BB5B-64071B63C365}" srcOrd="0" destOrd="0" presId="urn:microsoft.com/office/officeart/2005/8/layout/hierarchy1"/>
-    <dgm:cxn modelId="{1B9259E0-8158-4D53-9A5D-5C710D5FC77C}" srcId="{3902BBE7-986B-4D03-81D5-EEEB24D738DA}" destId="{EC48B371-0F87-45D8-A43F-E87DC2930AE4}" srcOrd="2" destOrd="0" parTransId="{0B46BE59-F535-4406-87ED-ACE8C7DDC305}" sibTransId="{A802A6D3-9143-4D67-B7E1-BB2F6957392A}"/>
-    <dgm:cxn modelId="{B3293DE4-E865-4DA4-97D9-164634493B81}" type="presOf" srcId="{82259B30-C376-45B8-A634-278C2FD90138}" destId="{3E924B02-F8E0-4EAF-A6D8-5CFB06DD746D}" srcOrd="0" destOrd="0" presId="urn:microsoft.com/office/officeart/2005/8/layout/hierarchy1"/>
-    <dgm:cxn modelId="{55431BEE-5C7A-4F70-B544-8D5731EE2E11}" type="presOf" srcId="{9B95F094-F8C1-447A-82D6-EEBA9A3B5961}" destId="{5AE8CEAA-A85E-4C12-B690-63E2E87ECBFC}" srcOrd="0" destOrd="0" presId="urn:microsoft.com/office/officeart/2005/8/layout/hierarchy1"/>
-    <dgm:cxn modelId="{116F5CEF-3F4E-45B9-9B8F-C28E2B25A102}" srcId="{1D32DFE3-9A16-4A0F-85D1-34A794D7A500}" destId="{3902BBE7-986B-4D03-81D5-EEEB24D738DA}" srcOrd="2" destOrd="0" parTransId="{C519D907-A4B6-456E-B610-C4D537321AF0}" sibTransId="{0FFB2648-DB7F-4E6F-9978-FA211954D174}"/>
-    <dgm:cxn modelId="{3AD84EF3-5646-44F1-8F79-C2661B0D4665}" type="presOf" srcId="{C519D907-A4B6-456E-B610-C4D537321AF0}" destId="{2F4409EB-492B-40E5-87B5-52AA833B8D60}" srcOrd="0" destOrd="0" presId="urn:microsoft.com/office/officeart/2005/8/layout/hierarchy1"/>
-    <dgm:cxn modelId="{6DBB54F5-FE6D-4A71-BDD2-71232E445EDA}" type="presOf" srcId="{46031091-2721-4FAD-89A7-A9A54B6E5E30}" destId="{94A211FF-1BB4-4B0D-BE9E-AA3C43E0ED35}" srcOrd="0" destOrd="0" presId="urn:microsoft.com/office/officeart/2005/8/layout/hierarchy1"/>
-    <dgm:cxn modelId="{B79DFFF7-1C9A-41A6-A76C-CC08439144F5}" type="presOf" srcId="{D7B15259-DEA4-4D6E-9D7B-AFDD0C455D39}" destId="{E5991229-FCE0-42F8-A05A-4194599906BF}" srcOrd="0" destOrd="0" presId="urn:microsoft.com/office/officeart/2005/8/layout/hierarchy1"/>
     <dgm:cxn modelId="{6532B924-D62B-4D26-959B-2FDB9499CB56}" type="presParOf" srcId="{93FB690B-B7A6-464F-BC71-F11E08D068B7}" destId="{E717CFFF-2EBE-43E6-9612-CD7CAB48D8E6}" srcOrd="0" destOrd="0" presId="urn:microsoft.com/office/officeart/2005/8/layout/hierarchy1"/>
     <dgm:cxn modelId="{992E6DF7-27A4-40AE-8D28-7ABEA298A22F}" type="presParOf" srcId="{E717CFFF-2EBE-43E6-9612-CD7CAB48D8E6}" destId="{D00248EB-71C7-41C7-B83C-B5B84038F1D1}" srcOrd="0" destOrd="0" presId="urn:microsoft.com/office/officeart/2005/8/layout/hierarchy1"/>
     <dgm:cxn modelId="{20560759-A64D-45BD-B17F-35FBE5B461A1}" type="presParOf" srcId="{D00248EB-71C7-41C7-B83C-B5B84038F1D1}" destId="{F4234D91-5143-4B63-BED7-3C1D70518372}" srcOrd="0" destOrd="0" presId="urn:microsoft.com/office/officeart/2005/8/layout/hierarchy1"/>
@@ -4791,6 +5085,13 @@
         </dgm:presLayoutVars>
       </dgm:prSet>
       <dgm:spPr/>
+      <dgm:t>
+        <a:bodyPr/>
+        <a:lstStyle/>
+        <a:p>
+          <a:endParaRPr lang="en-US"/>
+        </a:p>
+      </dgm:t>
     </dgm:pt>
     <dgm:pt modelId="{B5A9CDFE-9CE8-408B-8FD1-212C1C929A37}" type="pres">
       <dgm:prSet presAssocID="{CE306E1B-E88C-4CF4-86BA-CFC29DAC2B04}" presName="cycle" presStyleCnt="0"/>
@@ -4818,6 +5119,13 @@
     <dgm:pt modelId="{EAACB6E9-6BBC-4AE8-B06B-EAA60DA7872E}" type="pres">
       <dgm:prSet presAssocID="{310A344B-AD42-4A2C-B766-DF7CE2A21A86}" presName="Name25" presStyleLbl="parChTrans1D1" presStyleIdx="0" presStyleCnt="2"/>
       <dgm:spPr/>
+      <dgm:t>
+        <a:bodyPr/>
+        <a:lstStyle/>
+        <a:p>
+          <a:endParaRPr lang="en-US"/>
+        </a:p>
+      </dgm:t>
     </dgm:pt>
     <dgm:pt modelId="{7E5D7DDC-5EEC-4B4B-8E7E-A238ECB12D72}" type="pres">
       <dgm:prSet presAssocID="{6BE78E52-AC65-43F7-8F4A-3AE8CD8C6726}" presName="node" presStyleCnt="0"/>
@@ -4831,6 +5139,13 @@
         </dgm:presLayoutVars>
       </dgm:prSet>
       <dgm:spPr/>
+      <dgm:t>
+        <a:bodyPr/>
+        <a:lstStyle/>
+        <a:p>
+          <a:endParaRPr lang="en-US"/>
+        </a:p>
+      </dgm:t>
     </dgm:pt>
     <dgm:pt modelId="{3619927E-4EA4-42CE-A1D4-02C4C746B10F}" type="pres">
       <dgm:prSet presAssocID="{6BE78E52-AC65-43F7-8F4A-3AE8CD8C6726}" presName="childNode" presStyleLbl="revTx" presStyleIdx="0" presStyleCnt="0">
@@ -4843,6 +5158,13 @@
     <dgm:pt modelId="{308744CE-0280-4B2C-8198-66B24D45DA67}" type="pres">
       <dgm:prSet presAssocID="{21973405-730B-4F3B-A198-F5FC9DEF995A}" presName="Name25" presStyleLbl="parChTrans1D1" presStyleIdx="1" presStyleCnt="2"/>
       <dgm:spPr/>
+      <dgm:t>
+        <a:bodyPr/>
+        <a:lstStyle/>
+        <a:p>
+          <a:endParaRPr lang="en-US"/>
+        </a:p>
+      </dgm:t>
     </dgm:pt>
     <dgm:pt modelId="{B42D762F-BA54-4615-AB42-F8A1EB365442}" type="pres">
       <dgm:prSet presAssocID="{657E8DD9-7D50-4A78-996C-D1EF6582AF7F}" presName="node" presStyleCnt="0"/>
@@ -4856,6 +5178,13 @@
         </dgm:presLayoutVars>
       </dgm:prSet>
       <dgm:spPr/>
+      <dgm:t>
+        <a:bodyPr/>
+        <a:lstStyle/>
+        <a:p>
+          <a:endParaRPr lang="en-US"/>
+        </a:p>
+      </dgm:t>
     </dgm:pt>
     <dgm:pt modelId="{3F5EB065-4F90-4DF7-BA25-1FFA9A9A6322}" type="pres">
       <dgm:prSet presAssocID="{657E8DD9-7D50-4A78-996C-D1EF6582AF7F}" presName="childNode" presStyleLbl="revTx" presStyleIdx="0" presStyleCnt="0">
@@ -4867,13 +5196,13 @@
     </dgm:pt>
   </dgm:ptLst>
   <dgm:cxnLst>
+    <dgm:cxn modelId="{6159C0E1-6BAC-4C91-A06E-837E802BA8C7}" type="presOf" srcId="{6BE78E52-AC65-43F7-8F4A-3AE8CD8C6726}" destId="{BF18E5F9-AD70-49ED-855B-1E73AFDE7297}" srcOrd="0" destOrd="0" presId="urn:microsoft.com/office/officeart/2005/8/layout/radial2"/>
+    <dgm:cxn modelId="{842C90B7-7FF8-44CB-9134-A790B49544E0}" type="presOf" srcId="{310A344B-AD42-4A2C-B766-DF7CE2A21A86}" destId="{EAACB6E9-6BBC-4AE8-B06B-EAA60DA7872E}" srcOrd="0" destOrd="0" presId="urn:microsoft.com/office/officeart/2005/8/layout/radial2"/>
+    <dgm:cxn modelId="{F07E09CB-39F2-4FA9-852D-8D30B78233D4}" type="presOf" srcId="{21973405-730B-4F3B-A198-F5FC9DEF995A}" destId="{308744CE-0280-4B2C-8198-66B24D45DA67}" srcOrd="0" destOrd="0" presId="urn:microsoft.com/office/officeart/2005/8/layout/radial2"/>
+    <dgm:cxn modelId="{1B9B9594-56FD-4B53-9878-1F7462CFA575}" srcId="{CE306E1B-E88C-4CF4-86BA-CFC29DAC2B04}" destId="{657E8DD9-7D50-4A78-996C-D1EF6582AF7F}" srcOrd="1" destOrd="0" parTransId="{21973405-730B-4F3B-A198-F5FC9DEF995A}" sibTransId="{C30725DE-F84B-4BF8-B3A1-D63ECF331CC6}"/>
+    <dgm:cxn modelId="{4B5B39BA-E741-45DE-B80C-8749FC161C47}" type="presOf" srcId="{CE306E1B-E88C-4CF4-86BA-CFC29DAC2B04}" destId="{C5366ED4-F02F-48A2-9838-C3CA76518BBF}" srcOrd="0" destOrd="0" presId="urn:microsoft.com/office/officeart/2005/8/layout/radial2"/>
     <dgm:cxn modelId="{84B1AF65-E66D-45A6-818E-9ACE9E2697E9}" srcId="{CE306E1B-E88C-4CF4-86BA-CFC29DAC2B04}" destId="{6BE78E52-AC65-43F7-8F4A-3AE8CD8C6726}" srcOrd="0" destOrd="0" parTransId="{310A344B-AD42-4A2C-B766-DF7CE2A21A86}" sibTransId="{4484CF74-412D-43B9-A189-D93ED3B4FA35}"/>
     <dgm:cxn modelId="{93C6F86A-C03F-46E9-B005-46C687E8A09E}" type="presOf" srcId="{657E8DD9-7D50-4A78-996C-D1EF6582AF7F}" destId="{F41A1709-DC1F-48CF-AEEF-80C7CA70C42A}" srcOrd="0" destOrd="0" presId="urn:microsoft.com/office/officeart/2005/8/layout/radial2"/>
-    <dgm:cxn modelId="{1B9B9594-56FD-4B53-9878-1F7462CFA575}" srcId="{CE306E1B-E88C-4CF4-86BA-CFC29DAC2B04}" destId="{657E8DD9-7D50-4A78-996C-D1EF6582AF7F}" srcOrd="1" destOrd="0" parTransId="{21973405-730B-4F3B-A198-F5FC9DEF995A}" sibTransId="{C30725DE-F84B-4BF8-B3A1-D63ECF331CC6}"/>
-    <dgm:cxn modelId="{842C90B7-7FF8-44CB-9134-A790B49544E0}" type="presOf" srcId="{310A344B-AD42-4A2C-B766-DF7CE2A21A86}" destId="{EAACB6E9-6BBC-4AE8-B06B-EAA60DA7872E}" srcOrd="0" destOrd="0" presId="urn:microsoft.com/office/officeart/2005/8/layout/radial2"/>
-    <dgm:cxn modelId="{4B5B39BA-E741-45DE-B80C-8749FC161C47}" type="presOf" srcId="{CE306E1B-E88C-4CF4-86BA-CFC29DAC2B04}" destId="{C5366ED4-F02F-48A2-9838-C3CA76518BBF}" srcOrd="0" destOrd="0" presId="urn:microsoft.com/office/officeart/2005/8/layout/radial2"/>
-    <dgm:cxn modelId="{F07E09CB-39F2-4FA9-852D-8D30B78233D4}" type="presOf" srcId="{21973405-730B-4F3B-A198-F5FC9DEF995A}" destId="{308744CE-0280-4B2C-8198-66B24D45DA67}" srcOrd="0" destOrd="0" presId="urn:microsoft.com/office/officeart/2005/8/layout/radial2"/>
-    <dgm:cxn modelId="{6159C0E1-6BAC-4C91-A06E-837E802BA8C7}" type="presOf" srcId="{6BE78E52-AC65-43F7-8F4A-3AE8CD8C6726}" destId="{BF18E5F9-AD70-49ED-855B-1E73AFDE7297}" srcOrd="0" destOrd="0" presId="urn:microsoft.com/office/officeart/2005/8/layout/radial2"/>
     <dgm:cxn modelId="{12039137-52C1-44C3-89B6-1624256A9303}" type="presParOf" srcId="{C5366ED4-F02F-48A2-9838-C3CA76518BBF}" destId="{B5A9CDFE-9CE8-408B-8FD1-212C1C929A37}" srcOrd="0" destOrd="0" presId="urn:microsoft.com/office/officeart/2005/8/layout/radial2"/>
     <dgm:cxn modelId="{1D6DE280-3594-4E8E-857C-669C5EA8A44F}" type="presParOf" srcId="{B5A9CDFE-9CE8-408B-8FD1-212C1C929A37}" destId="{E7DFE43C-7AAB-4FF4-97E5-68D22464F688}" srcOrd="0" destOrd="0" presId="urn:microsoft.com/office/officeart/2005/8/layout/radial2"/>
     <dgm:cxn modelId="{7C4542F0-2FF9-4207-8AE6-610C78C642F9}" type="presParOf" srcId="{E7DFE43C-7AAB-4FF4-97E5-68D22464F688}" destId="{A02D2971-BD42-48B1-9F4C-137ED94D5ADD}" srcOrd="0" destOrd="0" presId="urn:microsoft.com/office/officeart/2005/8/layout/radial2"/>
@@ -5425,7 +5754,7 @@
         </a:bodyPr>
         <a:lstStyle/>
         <a:p>
-          <a:pPr marL="0" lvl="0" indent="0" algn="ctr" defTabSz="711200">
+          <a:pPr lvl="0" algn="ctr" defTabSz="711200">
             <a:lnSpc>
               <a:spcPct val="90000"/>
             </a:lnSpc>
@@ -5435,7 +5764,6 @@
             <a:spcAft>
               <a:spcPct val="35000"/>
             </a:spcAft>
-            <a:buNone/>
           </a:pPr>
           <a:r>
             <a:rPr lang="en-US" sz="1600" kern="1200" dirty="0" err="1"/>
@@ -5579,7 +5907,7 @@
         </a:bodyPr>
         <a:lstStyle/>
         <a:p>
-          <a:pPr marL="0" lvl="0" indent="0" algn="ctr" defTabSz="711200">
+          <a:pPr lvl="0" algn="ctr" defTabSz="711200">
             <a:lnSpc>
               <a:spcPct val="90000"/>
             </a:lnSpc>
@@ -5589,7 +5917,6 @@
             <a:spcAft>
               <a:spcPct val="35000"/>
             </a:spcAft>
-            <a:buNone/>
           </a:pPr>
           <a:r>
             <a:rPr lang="en-US" sz="1600" kern="1200" dirty="0" err="1"/>
@@ -5733,7 +6060,7 @@
         </a:bodyPr>
         <a:lstStyle/>
         <a:p>
-          <a:pPr marL="0" lvl="0" indent="0" algn="ctr" defTabSz="711200">
+          <a:pPr lvl="0" algn="ctr" defTabSz="711200">
             <a:lnSpc>
               <a:spcPct val="90000"/>
             </a:lnSpc>
@@ -5743,7 +6070,6 @@
             <a:spcAft>
               <a:spcPct val="35000"/>
             </a:spcAft>
-            <a:buNone/>
           </a:pPr>
           <a:r>
             <a:rPr lang="en-US" sz="1600" b="0" kern="1200" dirty="0" err="1"/>
@@ -5887,7 +6213,7 @@
         </a:bodyPr>
         <a:lstStyle/>
         <a:p>
-          <a:pPr marL="0" lvl="0" indent="0" algn="ctr" defTabSz="711200">
+          <a:pPr lvl="0" algn="ctr" defTabSz="711200">
             <a:lnSpc>
               <a:spcPct val="90000"/>
             </a:lnSpc>
@@ -5897,7 +6223,6 @@
             <a:spcAft>
               <a:spcPct val="35000"/>
             </a:spcAft>
-            <a:buNone/>
           </a:pPr>
           <a:r>
             <a:rPr lang="en-US" sz="1600" kern="1200" dirty="0" err="1"/>
@@ -6041,7 +6366,7 @@
         </a:bodyPr>
         <a:lstStyle/>
         <a:p>
-          <a:pPr marL="0" lvl="0" indent="0" algn="ctr" defTabSz="711200">
+          <a:pPr lvl="0" algn="ctr" defTabSz="711200">
             <a:lnSpc>
               <a:spcPct val="90000"/>
             </a:lnSpc>
@@ -6051,7 +6376,6 @@
             <a:spcAft>
               <a:spcPct val="35000"/>
             </a:spcAft>
-            <a:buNone/>
           </a:pPr>
           <a:r>
             <a:rPr lang="en-US" sz="1600" kern="1200" dirty="0" err="1"/>
@@ -6195,7 +6519,7 @@
         </a:bodyPr>
         <a:lstStyle/>
         <a:p>
-          <a:pPr marL="0" lvl="0" indent="0" algn="ctr" defTabSz="711200">
+          <a:pPr lvl="0" algn="ctr" defTabSz="711200">
             <a:lnSpc>
               <a:spcPct val="90000"/>
             </a:lnSpc>
@@ -6205,7 +6529,6 @@
             <a:spcAft>
               <a:spcPct val="35000"/>
             </a:spcAft>
-            <a:buNone/>
           </a:pPr>
           <a:r>
             <a:rPr lang="en-US" sz="1600" kern="1200" dirty="0" err="1"/>
@@ -6357,7 +6680,7 @@
         </a:bodyPr>
         <a:lstStyle/>
         <a:p>
-          <a:pPr marL="0" lvl="0" indent="0" algn="ctr" defTabSz="711200">
+          <a:pPr lvl="0" algn="ctr" defTabSz="711200">
             <a:lnSpc>
               <a:spcPct val="90000"/>
             </a:lnSpc>
@@ -6367,7 +6690,6 @@
             <a:spcAft>
               <a:spcPct val="35000"/>
             </a:spcAft>
-            <a:buNone/>
           </a:pPr>
           <a:r>
             <a:rPr lang="vi-VN" sz="1600" kern="1200" dirty="0">
@@ -6493,7 +6815,7 @@
         </a:bodyPr>
         <a:lstStyle/>
         <a:p>
-          <a:pPr marL="0" lvl="0" indent="0" algn="ctr" defTabSz="711200">
+          <a:pPr lvl="0" algn="ctr" defTabSz="711200">
             <a:lnSpc>
               <a:spcPct val="90000"/>
             </a:lnSpc>
@@ -6503,7 +6825,6 @@
             <a:spcAft>
               <a:spcPct val="35000"/>
             </a:spcAft>
-            <a:buNone/>
           </a:pPr>
           <a:r>
             <a:rPr lang="en-US" sz="1600" kern="1200" dirty="0" err="1"/>
@@ -7367,7 +7688,7 @@
         </a:bodyPr>
         <a:lstStyle/>
         <a:p>
-          <a:pPr marL="0" lvl="0" indent="0" algn="ctr" defTabSz="711200">
+          <a:pPr lvl="0" algn="ctr" defTabSz="711200">
             <a:lnSpc>
               <a:spcPct val="90000"/>
             </a:lnSpc>
@@ -7377,7 +7698,6 @@
             <a:spcAft>
               <a:spcPct val="35000"/>
             </a:spcAft>
-            <a:buNone/>
           </a:pPr>
           <a:r>
             <a:rPr lang="en-US" sz="1600" kern="1200" dirty="0" err="1"/>
@@ -7513,7 +7833,7 @@
         </a:bodyPr>
         <a:lstStyle/>
         <a:p>
-          <a:pPr marL="0" lvl="0" indent="0" algn="ctr" defTabSz="711200">
+          <a:pPr lvl="0" algn="ctr" defTabSz="711200">
             <a:lnSpc>
               <a:spcPct val="90000"/>
             </a:lnSpc>
@@ -7523,7 +7843,6 @@
             <a:spcAft>
               <a:spcPct val="35000"/>
             </a:spcAft>
-            <a:buNone/>
           </a:pPr>
           <a:r>
             <a:rPr lang="en-US" sz="1600" kern="1200" dirty="0" err="1"/>
@@ -7659,7 +7978,7 @@
         </a:bodyPr>
         <a:lstStyle/>
         <a:p>
-          <a:pPr marL="0" lvl="0" indent="0" algn="ctr" defTabSz="711200">
+          <a:pPr lvl="0" algn="ctr" defTabSz="711200">
             <a:lnSpc>
               <a:spcPct val="90000"/>
             </a:lnSpc>
@@ -7669,7 +7988,6 @@
             <a:spcAft>
               <a:spcPct val="35000"/>
             </a:spcAft>
-            <a:buNone/>
           </a:pPr>
           <a:r>
             <a:rPr lang="en-US" sz="1600" kern="1200" dirty="0" err="1"/>
@@ -7813,7 +8131,7 @@
         </a:bodyPr>
         <a:lstStyle/>
         <a:p>
-          <a:pPr marL="0" lvl="0" indent="0" algn="ctr" defTabSz="711200">
+          <a:pPr lvl="0" algn="ctr" defTabSz="711200">
             <a:lnSpc>
               <a:spcPct val="90000"/>
             </a:lnSpc>
@@ -7823,7 +8141,6 @@
             <a:spcAft>
               <a:spcPct val="35000"/>
             </a:spcAft>
-            <a:buNone/>
           </a:pPr>
           <a:r>
             <a:rPr lang="en-US" sz="1600" b="0" kern="1200" dirty="0" err="1"/>
@@ -7959,7 +8276,7 @@
         </a:bodyPr>
         <a:lstStyle/>
         <a:p>
-          <a:pPr marL="0" lvl="0" indent="0" algn="ctr" defTabSz="711200">
+          <a:pPr lvl="0" algn="ctr" defTabSz="711200">
             <a:lnSpc>
               <a:spcPct val="90000"/>
             </a:lnSpc>
@@ -7969,7 +8286,6 @@
             <a:spcAft>
               <a:spcPct val="35000"/>
             </a:spcAft>
-            <a:buNone/>
           </a:pPr>
           <a:r>
             <a:rPr lang="en-US" sz="1600" b="0" kern="1200" dirty="0" err="1"/>
@@ -8097,7 +8413,7 @@
         </a:bodyPr>
         <a:lstStyle/>
         <a:p>
-          <a:pPr marL="0" lvl="0" indent="0" algn="ctr" defTabSz="711200">
+          <a:pPr lvl="0" algn="ctr" defTabSz="711200">
             <a:lnSpc>
               <a:spcPct val="90000"/>
             </a:lnSpc>
@@ -8107,7 +8423,6 @@
             <a:spcAft>
               <a:spcPct val="35000"/>
             </a:spcAft>
-            <a:buNone/>
           </a:pPr>
           <a:r>
             <a:rPr lang="en-US" sz="1600" b="0" kern="1200" dirty="0" err="1"/>
@@ -8243,7 +8558,7 @@
         </a:bodyPr>
         <a:lstStyle/>
         <a:p>
-          <a:pPr marL="0" lvl="0" indent="0" algn="ctr" defTabSz="711200">
+          <a:pPr lvl="0" algn="ctr" defTabSz="711200">
             <a:lnSpc>
               <a:spcPct val="90000"/>
             </a:lnSpc>
@@ -8253,7 +8568,6 @@
             <a:spcAft>
               <a:spcPct val="35000"/>
             </a:spcAft>
-            <a:buNone/>
           </a:pPr>
           <a:r>
             <a:rPr lang="en-US" sz="1600" b="0" kern="1200" dirty="0" err="1"/>
@@ -8389,7 +8703,7 @@
         </a:bodyPr>
         <a:lstStyle/>
         <a:p>
-          <a:pPr marL="0" lvl="0" indent="0" algn="ctr" defTabSz="711200">
+          <a:pPr lvl="0" algn="ctr" defTabSz="711200">
             <a:lnSpc>
               <a:spcPct val="90000"/>
             </a:lnSpc>
@@ -8399,7 +8713,6 @@
             <a:spcAft>
               <a:spcPct val="35000"/>
             </a:spcAft>
-            <a:buNone/>
           </a:pPr>
           <a:r>
             <a:rPr lang="en-US" sz="1600" b="0" kern="1200" dirty="0" err="1"/>
@@ -8543,7 +8856,7 @@
         </a:bodyPr>
         <a:lstStyle/>
         <a:p>
-          <a:pPr marL="0" lvl="0" indent="0" algn="ctr" defTabSz="711200">
+          <a:pPr lvl="0" algn="ctr" defTabSz="711200">
             <a:lnSpc>
               <a:spcPct val="90000"/>
             </a:lnSpc>
@@ -8553,7 +8866,6 @@
             <a:spcAft>
               <a:spcPct val="35000"/>
             </a:spcAft>
-            <a:buNone/>
           </a:pPr>
           <a:r>
             <a:rPr lang="en-US" sz="1600" b="0" kern="1200" dirty="0" err="1"/>
@@ -8697,7 +9009,7 @@
         </a:bodyPr>
         <a:lstStyle/>
         <a:p>
-          <a:pPr marL="0" lvl="0" indent="0" algn="ctr" defTabSz="711200">
+          <a:pPr lvl="0" algn="ctr" defTabSz="711200">
             <a:lnSpc>
               <a:spcPct val="90000"/>
             </a:lnSpc>
@@ -8707,7 +9019,6 @@
             <a:spcAft>
               <a:spcPct val="35000"/>
             </a:spcAft>
-            <a:buNone/>
           </a:pPr>
           <a:r>
             <a:rPr lang="en-US" sz="1600" b="0" kern="1200" dirty="0" err="1"/>
@@ -8851,7 +9162,7 @@
         </a:bodyPr>
         <a:lstStyle/>
         <a:p>
-          <a:pPr marL="0" lvl="0" indent="0" algn="ctr" defTabSz="711200">
+          <a:pPr lvl="0" algn="ctr" defTabSz="711200">
             <a:lnSpc>
               <a:spcPct val="90000"/>
             </a:lnSpc>
@@ -8861,7 +9172,6 @@
             <a:spcAft>
               <a:spcPct val="35000"/>
             </a:spcAft>
-            <a:buNone/>
           </a:pPr>
           <a:r>
             <a:rPr lang="en-US" sz="1600" b="0" kern="1200" dirty="0" err="1"/>
@@ -8997,7 +9307,7 @@
         </a:bodyPr>
         <a:lstStyle/>
         <a:p>
-          <a:pPr marL="0" lvl="0" indent="0" algn="ctr" defTabSz="711200">
+          <a:pPr lvl="0" algn="ctr" defTabSz="711200">
             <a:lnSpc>
               <a:spcPct val="90000"/>
             </a:lnSpc>
@@ -9007,7 +9317,6 @@
             <a:spcAft>
               <a:spcPct val="35000"/>
             </a:spcAft>
-            <a:buNone/>
           </a:pPr>
           <a:r>
             <a:rPr lang="en-US" sz="1600" b="0" kern="1200" dirty="0" err="1"/>
@@ -9151,7 +9460,7 @@
         </a:bodyPr>
         <a:lstStyle/>
         <a:p>
-          <a:pPr marL="0" lvl="0" indent="0" algn="ctr" defTabSz="711200">
+          <a:pPr lvl="0" algn="ctr" defTabSz="711200">
             <a:lnSpc>
               <a:spcPct val="90000"/>
             </a:lnSpc>
@@ -9161,7 +9470,6 @@
             <a:spcAft>
               <a:spcPct val="35000"/>
             </a:spcAft>
-            <a:buNone/>
           </a:pPr>
           <a:r>
             <a:rPr lang="en-US" sz="1600" b="0" kern="1200" dirty="0" err="1"/>
@@ -9428,7 +9736,7 @@
         </a:bodyPr>
         <a:lstStyle/>
         <a:p>
-          <a:pPr marL="0" lvl="0" indent="0" algn="ctr" defTabSz="800100">
+          <a:pPr lvl="0" algn="ctr" defTabSz="800100">
             <a:lnSpc>
               <a:spcPct val="90000"/>
             </a:lnSpc>
@@ -9438,7 +9746,6 @@
             <a:spcAft>
               <a:spcPct val="35000"/>
             </a:spcAft>
-            <a:buNone/>
           </a:pPr>
           <a:r>
             <a:rPr lang="en-US" sz="1800" kern="1200" dirty="0" err="1">
@@ -9578,7 +9885,7 @@
         </a:bodyPr>
         <a:lstStyle/>
         <a:p>
-          <a:pPr marL="0" lvl="0" indent="0" algn="ctr" defTabSz="800100">
+          <a:pPr lvl="0" algn="ctr" defTabSz="800100">
             <a:lnSpc>
               <a:spcPct val="90000"/>
             </a:lnSpc>
@@ -9588,7 +9895,6 @@
             <a:spcAft>
               <a:spcPct val="35000"/>
             </a:spcAft>
-            <a:buNone/>
           </a:pPr>
           <a:r>
             <a:rPr lang="en-US" sz="1800" kern="1200" dirty="0" err="1">
@@ -28963,6 +29269,20 @@
               </a:rPr>
               <a:t>Vinh</a:t>
             </a:r>
+            <a:r>
+              <a:rPr lang="en-US" sz="2400" dirty="0">
+                <a:solidFill>
+                  <a:schemeClr val="tx1">
+                    <a:lumMod val="95000"/>
+                    <a:lumOff val="5000"/>
+                  </a:schemeClr>
+                </a:solidFill>
+                <a:latin typeface="Calibri" pitchFamily="34" charset="0"/>
+                <a:ea typeface="Tahoma" pitchFamily="34" charset="0"/>
+                <a:cs typeface="Calibri" pitchFamily="34" charset="0"/>
+              </a:rPr>
+              <a:t/>
+            </a:r>
             <a:br>
               <a:rPr lang="en-US" sz="2400" dirty="0">
                 <a:solidFill>
@@ -30731,6 +31051,13 @@
   <p:clrMapOvr>
     <a:masterClrMapping/>
   </p:clrMapOvr>
+  <p:timing>
+    <p:tnLst>
+      <p:par>
+        <p:cTn id="1" dur="indefinite" restart="never" nodeType="tmRoot"/>
+      </p:par>
+    </p:tnLst>
+  </p:timing>
 </p:sld>
 </file>
 
@@ -32539,7 +32866,7 @@
           <p:cNvPr id="3" name="Picture 2">
             <a:extLst>
               <a:ext uri="{FF2B5EF4-FFF2-40B4-BE49-F238E27FC236}">
-                <a16:creationId xmlns:a16="http://schemas.microsoft.com/office/drawing/2014/main" id="{4FD2CF34-EE42-4CAE-99E1-AEA8CB947B5B}"/>
+                <a16:creationId xmlns:a16="http://schemas.microsoft.com/office/drawing/2014/main" xmlns="" id="{4FD2CF34-EE42-4CAE-99E1-AEA8CB947B5B}"/>
               </a:ext>
             </a:extLst>
           </p:cNvPr>
@@ -32580,6 +32907,13 @@
   <p:clrMapOvr>
     <a:masterClrMapping/>
   </p:clrMapOvr>
+  <p:timing>
+    <p:tnLst>
+      <p:par>
+        <p:cTn id="1" dur="indefinite" restart="never" nodeType="tmRoot"/>
+      </p:par>
+    </p:tnLst>
+  </p:timing>
 </p:sld>
 </file>
 
@@ -34130,6 +34464,13 @@
   <p:clrMapOvr>
     <a:masterClrMapping/>
   </p:clrMapOvr>
+  <p:timing>
+    <p:tnLst>
+      <p:par>
+        <p:cTn id="1" dur="indefinite" restart="never" nodeType="tmRoot"/>
+      </p:par>
+    </p:tnLst>
+  </p:timing>
 </p:sld>
 </file>
 
@@ -34299,6 +34640,13 @@
   <p:clrMapOvr>
     <a:masterClrMapping/>
   </p:clrMapOvr>
+  <p:timing>
+    <p:tnLst>
+      <p:par>
+        <p:cTn id="1" dur="indefinite" restart="never" nodeType="tmRoot"/>
+      </p:par>
+    </p:tnLst>
+  </p:timing>
 </p:sld>
 </file>
 
@@ -34329,6 +34677,13 @@
   <p:clrMapOvr>
     <a:masterClrMapping/>
   </p:clrMapOvr>
+  <p:timing>
+    <p:tnLst>
+      <p:par>
+        <p:cTn id="1" dur="indefinite" restart="never" nodeType="tmRoot"/>
+      </p:par>
+    </p:tnLst>
+  </p:timing>
 </p:sld>
 </file>
 
@@ -35173,6 +35528,13 @@
   <p:clrMapOvr>
     <a:masterClrMapping/>
   </p:clrMapOvr>
+  <p:timing>
+    <p:tnLst>
+      <p:par>
+        <p:cTn id="1" dur="indefinite" restart="never" nodeType="tmRoot"/>
+      </p:par>
+    </p:tnLst>
+  </p:timing>
 </p:sld>
 </file>
 
@@ -35380,7 +35742,7 @@
         </p:blipFill>
         <p:spPr bwMode="auto">
           <a:xfrm>
-            <a:off x="3276600" y="1347787"/>
+            <a:off x="3019425" y="790575"/>
             <a:ext cx="3257550" cy="3257550"/>
           </a:xfrm>
           <a:prstGeom prst="rect">
@@ -35449,6 +35811,13 @@
   <p:clrMapOvr>
     <a:masterClrMapping/>
   </p:clrMapOvr>
+  <p:timing>
+    <p:tnLst>
+      <p:par>
+        <p:cTn id="1" dur="indefinite" restart="never" nodeType="tmRoot"/>
+      </p:par>
+    </p:tnLst>
+  </p:timing>
 </p:sld>
 </file>
 
@@ -36795,7 +37164,7 @@
           <p:cNvPr id="2" name="Title 1">
             <a:extLst>
               <a:ext uri="{FF2B5EF4-FFF2-40B4-BE49-F238E27FC236}">
-                <a16:creationId xmlns:a16="http://schemas.microsoft.com/office/drawing/2014/main" id="{4206C9D2-4FF2-4679-83FB-2B23D1BCC51A}"/>
+                <a16:creationId xmlns:a16="http://schemas.microsoft.com/office/drawing/2014/main" xmlns="" id="{4206C9D2-4FF2-4679-83FB-2B23D1BCC51A}"/>
               </a:ext>
             </a:extLst>
           </p:cNvPr>
@@ -36808,8 +37177,8 @@
         </p:nvSpPr>
         <p:spPr>
           <a:xfrm>
-            <a:off x="838200" y="575252"/>
-            <a:ext cx="6866100" cy="857400"/>
+            <a:off x="2743200" y="361950"/>
+            <a:ext cx="2362200" cy="472498"/>
           </a:xfrm>
         </p:spPr>
         <p:txBody>
@@ -36817,9 +37186,62 @@
           <a:lstStyle/>
           <a:p>
             <a:r>
-              <a:rPr lang="en-US"/>
-              <a:t>Biểu đồ Grantt</a:t>
-            </a:r>
+              <a:rPr lang="en-US" sz="2400" dirty="0" err="1">
+                <a:solidFill>
+                  <a:schemeClr val="tx1"/>
+                </a:solidFill>
+                <a:latin typeface="Calibri" pitchFamily="34" charset="0"/>
+                <a:cs typeface="Calibri" pitchFamily="34" charset="0"/>
+              </a:rPr>
+              <a:t>Biểu</a:t>
+            </a:r>
+            <a:r>
+              <a:rPr lang="en-US" sz="2400" dirty="0">
+                <a:solidFill>
+                  <a:schemeClr val="tx1"/>
+                </a:solidFill>
+                <a:latin typeface="Calibri" pitchFamily="34" charset="0"/>
+                <a:cs typeface="Calibri" pitchFamily="34" charset="0"/>
+              </a:rPr>
+              <a:t> </a:t>
+            </a:r>
+            <a:r>
+              <a:rPr lang="en-US" sz="2400" dirty="0" err="1">
+                <a:solidFill>
+                  <a:schemeClr val="tx1"/>
+                </a:solidFill>
+                <a:latin typeface="Calibri" pitchFamily="34" charset="0"/>
+                <a:cs typeface="Calibri" pitchFamily="34" charset="0"/>
+              </a:rPr>
+              <a:t>đồ</a:t>
+            </a:r>
+            <a:r>
+              <a:rPr lang="en-US" sz="2400" dirty="0">
+                <a:solidFill>
+                  <a:schemeClr val="tx1"/>
+                </a:solidFill>
+                <a:latin typeface="Calibri" pitchFamily="34" charset="0"/>
+                <a:cs typeface="Calibri" pitchFamily="34" charset="0"/>
+              </a:rPr>
+              <a:t> </a:t>
+            </a:r>
+            <a:r>
+              <a:rPr lang="en-US" sz="2400" dirty="0" err="1">
+                <a:solidFill>
+                  <a:schemeClr val="tx1"/>
+                </a:solidFill>
+                <a:latin typeface="Calibri" pitchFamily="34" charset="0"/>
+                <a:cs typeface="Calibri" pitchFamily="34" charset="0"/>
+              </a:rPr>
+              <a:t>Grantt</a:t>
+            </a:r>
+            <a:endParaRPr lang="en-US" sz="2400" dirty="0">
+              <a:solidFill>
+                <a:schemeClr val="tx1"/>
+              </a:solidFill>
+              <a:latin typeface="Calibri" pitchFamily="34" charset="0"/>
+              <a:cs typeface="Calibri" pitchFamily="34" charset="0"/>
+            </a:endParaRPr>
           </a:p>
         </p:txBody>
       </p:sp>
@@ -36828,7 +37250,7 @@
           <p:cNvPr id="3" name="Text Placeholder 2">
             <a:extLst>
               <a:ext uri="{FF2B5EF4-FFF2-40B4-BE49-F238E27FC236}">
-                <a16:creationId xmlns:a16="http://schemas.microsoft.com/office/drawing/2014/main" id="{EB16B2E6-4519-4232-8E36-874392AD1C65}"/>
+                <a16:creationId xmlns:a16="http://schemas.microsoft.com/office/drawing/2014/main" xmlns="" id="{EB16B2E6-4519-4232-8E36-874392AD1C65}"/>
               </a:ext>
             </a:extLst>
           </p:cNvPr>
@@ -36853,7 +37275,7 @@
           <p:cNvPr id="4" name="Slide Number Placeholder 3">
             <a:extLst>
               <a:ext uri="{FF2B5EF4-FFF2-40B4-BE49-F238E27FC236}">
-                <a16:creationId xmlns:a16="http://schemas.microsoft.com/office/drawing/2014/main" id="{6E99EF4A-78B1-48CA-AB81-6D78382F1D65}"/>
+                <a16:creationId xmlns:a16="http://schemas.microsoft.com/office/drawing/2014/main" xmlns="" id="{6E99EF4A-78B1-48CA-AB81-6D78382F1D65}"/>
               </a:ext>
             </a:extLst>
           </p:cNvPr>
@@ -36883,7 +37305,7 @@
           <p:cNvPr id="6" name="Picture 5">
             <a:extLst>
               <a:ext uri="{FF2B5EF4-FFF2-40B4-BE49-F238E27FC236}">
-                <a16:creationId xmlns:a16="http://schemas.microsoft.com/office/drawing/2014/main" id="{E171AFF2-3F73-489C-B3D2-F91EA25621F7}"/>
+                <a16:creationId xmlns:a16="http://schemas.microsoft.com/office/drawing/2014/main" xmlns="" id="{E171AFF2-3F73-489C-B3D2-F91EA25621F7}"/>
               </a:ext>
             </a:extLst>
           </p:cNvPr>
@@ -36906,8 +37328,8 @@
         </p:blipFill>
         <p:spPr>
           <a:xfrm>
-            <a:off x="457200" y="1885951"/>
-            <a:ext cx="7848600" cy="2819399"/>
+            <a:off x="480709" y="971550"/>
+            <a:ext cx="7848600" cy="3886201"/>
           </a:xfrm>
           <a:prstGeom prst="rect">
             <a:avLst/>
@@ -36924,6 +37346,13 @@
   <p:clrMapOvr>
     <a:masterClrMapping/>
   </p:clrMapOvr>
+  <p:timing>
+    <p:tnLst>
+      <p:par>
+        <p:cTn id="1" dur="indefinite" restart="never" nodeType="tmRoot"/>
+      </p:par>
+    </p:tnLst>
+  </p:timing>
 </p:sld>
 </file>
 
